--- a/BrainEmbassy.pptx
+++ b/BrainEmbassy.pptx
@@ -5,14 +5,16 @@
     <p:sldMasterId id="2147483660" r:id="rId1"/>
   </p:sldMasterIdLst>
   <p:notesMasterIdLst>
-    <p:notesMasterId r:id="rId7"/>
+    <p:notesMasterId r:id="rId9"/>
   </p:notesMasterIdLst>
   <p:sldIdLst>
     <p:sldId id="256" r:id="rId2"/>
     <p:sldId id="399" r:id="rId3"/>
-    <p:sldId id="400" r:id="rId4"/>
-    <p:sldId id="401" r:id="rId5"/>
-    <p:sldId id="317" r:id="rId6"/>
+    <p:sldId id="402" r:id="rId4"/>
+    <p:sldId id="403" r:id="rId5"/>
+    <p:sldId id="400" r:id="rId6"/>
+    <p:sldId id="401" r:id="rId7"/>
+    <p:sldId id="317" r:id="rId8"/>
   </p:sldIdLst>
   <p:sldSz cx="12192000" cy="6858000"/>
   <p:notesSz cx="6858000" cy="9144000"/>
@@ -213,7 +215,7 @@
           <a:p>
             <a:fld id="{6D9EE66E-0075-4EC7-AFEF-A844E5107398}" type="datetimeFigureOut">
               <a:rPr lang="en-US" smtClean="0"/>
-              <a:t>05-Feb-18</a:t>
+              <a:t>2/5/2018</a:t>
             </a:fld>
             <a:endParaRPr lang="en-US" dirty="0"/>
           </a:p>
@@ -632,7 +634,7 @@
             </a:ln>
             <a:extLst>
               <a:ext uri="{91240B29-F687-4f45-9708-019B960494DF}">
-                <a14:hiddenLine xmlns="" xmlns:a14="http://schemas.microsoft.com/office/drawing/2010/main" w="9525">
+                <a14:hiddenLine xmlns:a14="http://schemas.microsoft.com/office/drawing/2010/main" xmlns="" w="9525">
                   <a:solidFill>
                     <a:srgbClr val="000000"/>
                   </a:solidFill>
@@ -722,7 +724,7 @@
             </a:ln>
             <a:extLst>
               <a:ext uri="{91240B29-F687-4f45-9708-019B960494DF}">
-                <a14:hiddenLine xmlns="" xmlns:a14="http://schemas.microsoft.com/office/drawing/2010/main" w="9525">
+                <a14:hiddenLine xmlns:a14="http://schemas.microsoft.com/office/drawing/2010/main" xmlns="" w="9525">
                   <a:solidFill>
                     <a:srgbClr val="000000"/>
                   </a:solidFill>
@@ -812,7 +814,7 @@
             </a:ln>
             <a:extLst>
               <a:ext uri="{91240B29-F687-4f45-9708-019B960494DF}">
-                <a14:hiddenLine xmlns="" xmlns:a14="http://schemas.microsoft.com/office/drawing/2010/main" w="9525">
+                <a14:hiddenLine xmlns:a14="http://schemas.microsoft.com/office/drawing/2010/main" xmlns="" w="9525">
                   <a:solidFill>
                     <a:srgbClr val="000000"/>
                   </a:solidFill>
@@ -846,7 +848,7 @@
             </a:ln>
             <a:extLst>
               <a:ext uri="{91240B29-F687-4f45-9708-019B960494DF}">
-                <a14:hiddenLine xmlns="" xmlns:a14="http://schemas.microsoft.com/office/drawing/2010/main" w="9525">
+                <a14:hiddenLine xmlns:a14="http://schemas.microsoft.com/office/drawing/2010/main" xmlns="" w="9525">
                   <a:solidFill>
                     <a:srgbClr val="000000"/>
                   </a:solidFill>
@@ -936,7 +938,7 @@
             </a:ln>
             <a:extLst>
               <a:ext uri="{91240B29-F687-4f45-9708-019B960494DF}">
-                <a14:hiddenLine xmlns="" xmlns:a14="http://schemas.microsoft.com/office/drawing/2010/main" w="9525">
+                <a14:hiddenLine xmlns:a14="http://schemas.microsoft.com/office/drawing/2010/main" xmlns="" w="9525">
                   <a:solidFill>
                     <a:srgbClr val="000000"/>
                   </a:solidFill>
@@ -998,7 +1000,7 @@
             </a:ln>
             <a:extLst>
               <a:ext uri="{91240B29-F687-4f45-9708-019B960494DF}">
-                <a14:hiddenLine xmlns="" xmlns:a14="http://schemas.microsoft.com/office/drawing/2010/main" w="9525">
+                <a14:hiddenLine xmlns:a14="http://schemas.microsoft.com/office/drawing/2010/main" xmlns="" w="9525">
                   <a:solidFill>
                     <a:srgbClr val="000000"/>
                   </a:solidFill>
@@ -1060,7 +1062,7 @@
             </a:ln>
             <a:extLst>
               <a:ext uri="{91240B29-F687-4f45-9708-019B960494DF}">
-                <a14:hiddenLine xmlns="" xmlns:a14="http://schemas.microsoft.com/office/drawing/2010/main" w="9525">
+                <a14:hiddenLine xmlns:a14="http://schemas.microsoft.com/office/drawing/2010/main" xmlns="" w="9525">
                   <a:solidFill>
                     <a:srgbClr val="000000"/>
                   </a:solidFill>
@@ -1150,7 +1152,7 @@
             </a:ln>
             <a:extLst>
               <a:ext uri="{91240B29-F687-4f45-9708-019B960494DF}">
-                <a14:hiddenLine xmlns="" xmlns:a14="http://schemas.microsoft.com/office/drawing/2010/main" w="9525">
+                <a14:hiddenLine xmlns:a14="http://schemas.microsoft.com/office/drawing/2010/main" xmlns="" w="9525">
                   <a:solidFill>
                     <a:srgbClr val="000000"/>
                   </a:solidFill>
@@ -1212,7 +1214,7 @@
             </a:ln>
             <a:extLst>
               <a:ext uri="{91240B29-F687-4f45-9708-019B960494DF}">
-                <a14:hiddenLine xmlns="" xmlns:a14="http://schemas.microsoft.com/office/drawing/2010/main" w="9525">
+                <a14:hiddenLine xmlns:a14="http://schemas.microsoft.com/office/drawing/2010/main" xmlns="" w="9525">
                   <a:solidFill>
                     <a:srgbClr val="000000"/>
                   </a:solidFill>
@@ -1274,7 +1276,7 @@
             </a:ln>
             <a:extLst>
               <a:ext uri="{91240B29-F687-4f45-9708-019B960494DF}">
-                <a14:hiddenLine xmlns="" xmlns:a14="http://schemas.microsoft.com/office/drawing/2010/main" w="9525">
+                <a14:hiddenLine xmlns:a14="http://schemas.microsoft.com/office/drawing/2010/main" xmlns="" w="9525">
                   <a:solidFill>
                     <a:srgbClr val="000000"/>
                   </a:solidFill>
@@ -1364,7 +1366,7 @@
             </a:ln>
             <a:extLst>
               <a:ext uri="{91240B29-F687-4f45-9708-019B960494DF}">
-                <a14:hiddenLine xmlns="" xmlns:a14="http://schemas.microsoft.com/office/drawing/2010/main" w="9525">
+                <a14:hiddenLine xmlns:a14="http://schemas.microsoft.com/office/drawing/2010/main" xmlns="" w="9525">
                   <a:solidFill>
                     <a:srgbClr val="000000"/>
                   </a:solidFill>
@@ -1454,7 +1456,7 @@
             </a:ln>
             <a:extLst>
               <a:ext uri="{91240B29-F687-4f45-9708-019B960494DF}">
-                <a14:hiddenLine xmlns="" xmlns:a14="http://schemas.microsoft.com/office/drawing/2010/main" w="9525">
+                <a14:hiddenLine xmlns:a14="http://schemas.microsoft.com/office/drawing/2010/main" xmlns="" w="9525">
                   <a:solidFill>
                     <a:srgbClr val="000000"/>
                   </a:solidFill>
@@ -1516,7 +1518,7 @@
             </a:ln>
             <a:extLst>
               <a:ext uri="{91240B29-F687-4f45-9708-019B960494DF}">
-                <a14:hiddenLine xmlns="" xmlns:a14="http://schemas.microsoft.com/office/drawing/2010/main" w="9525">
+                <a14:hiddenLine xmlns:a14="http://schemas.microsoft.com/office/drawing/2010/main" xmlns="" w="9525">
                   <a:solidFill>
                     <a:srgbClr val="000000"/>
                   </a:solidFill>
@@ -1626,7 +1628,7 @@
             </a:ln>
             <a:extLst>
               <a:ext uri="{91240B29-F687-4f45-9708-019B960494DF}">
-                <a14:hiddenLine xmlns="" xmlns:a14="http://schemas.microsoft.com/office/drawing/2010/main" w="9525">
+                <a14:hiddenLine xmlns:a14="http://schemas.microsoft.com/office/drawing/2010/main" xmlns="" w="9525">
                   <a:solidFill>
                     <a:srgbClr val="000000"/>
                   </a:solidFill>
@@ -1688,7 +1690,7 @@
             </a:ln>
             <a:extLst>
               <a:ext uri="{91240B29-F687-4f45-9708-019B960494DF}">
-                <a14:hiddenLine xmlns="" xmlns:a14="http://schemas.microsoft.com/office/drawing/2010/main" w="9525">
+                <a14:hiddenLine xmlns:a14="http://schemas.microsoft.com/office/drawing/2010/main" xmlns="" w="9525">
                   <a:solidFill>
                     <a:srgbClr val="000000"/>
                   </a:solidFill>
@@ -1778,7 +1780,7 @@
             </a:ln>
             <a:extLst>
               <a:ext uri="{91240B29-F687-4f45-9708-019B960494DF}">
-                <a14:hiddenLine xmlns="" xmlns:a14="http://schemas.microsoft.com/office/drawing/2010/main" w="9525">
+                <a14:hiddenLine xmlns:a14="http://schemas.microsoft.com/office/drawing/2010/main" xmlns="" w="9525">
                   <a:solidFill>
                     <a:srgbClr val="000000"/>
                   </a:solidFill>
@@ -1868,7 +1870,7 @@
             </a:ln>
             <a:extLst>
               <a:ext uri="{91240B29-F687-4f45-9708-019B960494DF}">
-                <a14:hiddenLine xmlns="" xmlns:a14="http://schemas.microsoft.com/office/drawing/2010/main" w="9525">
+                <a14:hiddenLine xmlns:a14="http://schemas.microsoft.com/office/drawing/2010/main" xmlns="" w="9525">
                   <a:solidFill>
                     <a:srgbClr val="000000"/>
                   </a:solidFill>
@@ -1930,7 +1932,7 @@
             </a:ln>
             <a:extLst>
               <a:ext uri="{91240B29-F687-4f45-9708-019B960494DF}">
-                <a14:hiddenLine xmlns="" xmlns:a14="http://schemas.microsoft.com/office/drawing/2010/main" w="9525">
+                <a14:hiddenLine xmlns:a14="http://schemas.microsoft.com/office/drawing/2010/main" xmlns="" w="9525">
                   <a:solidFill>
                     <a:srgbClr val="000000"/>
                   </a:solidFill>
@@ -2020,7 +2022,7 @@
             </a:ln>
             <a:extLst>
               <a:ext uri="{91240B29-F687-4f45-9708-019B960494DF}">
-                <a14:hiddenLine xmlns="" xmlns:a14="http://schemas.microsoft.com/office/drawing/2010/main" w="9525">
+                <a14:hiddenLine xmlns:a14="http://schemas.microsoft.com/office/drawing/2010/main" xmlns="" w="9525">
                   <a:solidFill>
                     <a:srgbClr val="000000"/>
                   </a:solidFill>
@@ -2110,7 +2112,7 @@
             </a:ln>
             <a:extLst>
               <a:ext uri="{91240B29-F687-4f45-9708-019B960494DF}">
-                <a14:hiddenLine xmlns="" xmlns:a14="http://schemas.microsoft.com/office/drawing/2010/main" w="9525">
+                <a14:hiddenLine xmlns:a14="http://schemas.microsoft.com/office/drawing/2010/main" xmlns="" w="9525">
                   <a:solidFill>
                     <a:srgbClr val="000000"/>
                   </a:solidFill>
@@ -2166,7 +2168,7 @@
             </a:ln>
             <a:extLst>
               <a:ext uri="{91240B29-F687-4f45-9708-019B960494DF}">
-                <a14:hiddenLine xmlns="" xmlns:a14="http://schemas.microsoft.com/office/drawing/2010/main" w="9525">
+                <a14:hiddenLine xmlns:a14="http://schemas.microsoft.com/office/drawing/2010/main" xmlns="" w="9525">
                   <a:solidFill>
                     <a:srgbClr val="000000"/>
                   </a:solidFill>
@@ -2256,7 +2258,7 @@
             </a:ln>
             <a:extLst>
               <a:ext uri="{91240B29-F687-4f45-9708-019B960494DF}">
-                <a14:hiddenLine xmlns="" xmlns:a14="http://schemas.microsoft.com/office/drawing/2010/main" w="9525">
+                <a14:hiddenLine xmlns:a14="http://schemas.microsoft.com/office/drawing/2010/main" xmlns="" w="9525">
                   <a:solidFill>
                     <a:srgbClr val="000000"/>
                   </a:solidFill>
@@ -2312,7 +2314,7 @@
             </a:ln>
             <a:extLst>
               <a:ext uri="{91240B29-F687-4f45-9708-019B960494DF}">
-                <a14:hiddenLine xmlns="" xmlns:a14="http://schemas.microsoft.com/office/drawing/2010/main" w="9525">
+                <a14:hiddenLine xmlns:a14="http://schemas.microsoft.com/office/drawing/2010/main" xmlns="" w="9525">
                   <a:solidFill>
                     <a:srgbClr val="000000"/>
                   </a:solidFill>
@@ -2402,7 +2404,7 @@
             </a:ln>
             <a:extLst>
               <a:ext uri="{91240B29-F687-4f45-9708-019B960494DF}">
-                <a14:hiddenLine xmlns="" xmlns:a14="http://schemas.microsoft.com/office/drawing/2010/main" w="9525">
+                <a14:hiddenLine xmlns:a14="http://schemas.microsoft.com/office/drawing/2010/main" xmlns="" w="9525">
                   <a:solidFill>
                     <a:srgbClr val="000000"/>
                   </a:solidFill>
@@ -2470,7 +2472,7 @@
             </a:ln>
             <a:extLst>
               <a:ext uri="{91240B29-F687-4f45-9708-019B960494DF}">
-                <a14:hiddenLine xmlns="" xmlns:a14="http://schemas.microsoft.com/office/drawing/2010/main" w="9525">
+                <a14:hiddenLine xmlns:a14="http://schemas.microsoft.com/office/drawing/2010/main" xmlns="" w="9525">
                   <a:solidFill>
                     <a:srgbClr val="000000"/>
                   </a:solidFill>
@@ -2560,7 +2562,7 @@
             </a:ln>
             <a:extLst>
               <a:ext uri="{91240B29-F687-4f45-9708-019B960494DF}">
-                <a14:hiddenLine xmlns="" xmlns:a14="http://schemas.microsoft.com/office/drawing/2010/main" w="9525">
+                <a14:hiddenLine xmlns:a14="http://schemas.microsoft.com/office/drawing/2010/main" xmlns="" w="9525">
                   <a:solidFill>
                     <a:srgbClr val="000000"/>
                   </a:solidFill>
@@ -2628,7 +2630,7 @@
             </a:ln>
             <a:extLst>
               <a:ext uri="{91240B29-F687-4f45-9708-019B960494DF}">
-                <a14:hiddenLine xmlns="" xmlns:a14="http://schemas.microsoft.com/office/drawing/2010/main" w="9525">
+                <a14:hiddenLine xmlns:a14="http://schemas.microsoft.com/office/drawing/2010/main" xmlns="" w="9525">
                   <a:solidFill>
                     <a:srgbClr val="000000"/>
                   </a:solidFill>
@@ -2718,7 +2720,7 @@
             </a:ln>
             <a:extLst>
               <a:ext uri="{91240B29-F687-4f45-9708-019B960494DF}">
-                <a14:hiddenLine xmlns="" xmlns:a14="http://schemas.microsoft.com/office/drawing/2010/main" w="9525">
+                <a14:hiddenLine xmlns:a14="http://schemas.microsoft.com/office/drawing/2010/main" xmlns="" w="9525">
                   <a:solidFill>
                     <a:srgbClr val="000000"/>
                   </a:solidFill>
@@ -2752,7 +2754,7 @@
             </a:ln>
             <a:extLst>
               <a:ext uri="{91240B29-F687-4f45-9708-019B960494DF}">
-                <a14:hiddenLine xmlns="" xmlns:a14="http://schemas.microsoft.com/office/drawing/2010/main" w="9525">
+                <a14:hiddenLine xmlns:a14="http://schemas.microsoft.com/office/drawing/2010/main" xmlns="" w="9525">
                   <a:solidFill>
                     <a:srgbClr val="000000"/>
                   </a:solidFill>
@@ -2842,7 +2844,7 @@
             </a:ln>
             <a:extLst>
               <a:ext uri="{91240B29-F687-4f45-9708-019B960494DF}">
-                <a14:hiddenLine xmlns="" xmlns:a14="http://schemas.microsoft.com/office/drawing/2010/main" w="9525">
+                <a14:hiddenLine xmlns:a14="http://schemas.microsoft.com/office/drawing/2010/main" xmlns="" w="9525">
                   <a:solidFill>
                     <a:srgbClr val="000000"/>
                   </a:solidFill>
@@ -2904,7 +2906,7 @@
             </a:ln>
             <a:extLst>
               <a:ext uri="{91240B29-F687-4f45-9708-019B960494DF}">
-                <a14:hiddenLine xmlns="" xmlns:a14="http://schemas.microsoft.com/office/drawing/2010/main" w="9525">
+                <a14:hiddenLine xmlns:a14="http://schemas.microsoft.com/office/drawing/2010/main" xmlns="" w="9525">
                   <a:solidFill>
                     <a:srgbClr val="000000"/>
                   </a:solidFill>
@@ -2966,7 +2968,7 @@
             </a:ln>
             <a:extLst>
               <a:ext uri="{91240B29-F687-4f45-9708-019B960494DF}">
-                <a14:hiddenLine xmlns="" xmlns:a14="http://schemas.microsoft.com/office/drawing/2010/main" w="9525">
+                <a14:hiddenLine xmlns:a14="http://schemas.microsoft.com/office/drawing/2010/main" xmlns="" w="9525">
                   <a:solidFill>
                     <a:srgbClr val="000000"/>
                   </a:solidFill>
@@ -3056,7 +3058,7 @@
             </a:ln>
             <a:extLst>
               <a:ext uri="{91240B29-F687-4f45-9708-019B960494DF}">
-                <a14:hiddenLine xmlns="" xmlns:a14="http://schemas.microsoft.com/office/drawing/2010/main" w="9525">
+                <a14:hiddenLine xmlns:a14="http://schemas.microsoft.com/office/drawing/2010/main" xmlns="" w="9525">
                   <a:solidFill>
                     <a:srgbClr val="000000"/>
                   </a:solidFill>
@@ -3124,7 +3126,7 @@
             </a:ln>
             <a:extLst>
               <a:ext uri="{91240B29-F687-4f45-9708-019B960494DF}">
-                <a14:hiddenLine xmlns="" xmlns:a14="http://schemas.microsoft.com/office/drawing/2010/main" w="9525">
+                <a14:hiddenLine xmlns:a14="http://schemas.microsoft.com/office/drawing/2010/main" xmlns="" w="9525">
                   <a:solidFill>
                     <a:srgbClr val="000000"/>
                   </a:solidFill>
@@ -3186,7 +3188,7 @@
             </a:ln>
             <a:extLst>
               <a:ext uri="{91240B29-F687-4f45-9708-019B960494DF}">
-                <a14:hiddenLine xmlns="" xmlns:a14="http://schemas.microsoft.com/office/drawing/2010/main" w="9525">
+                <a14:hiddenLine xmlns:a14="http://schemas.microsoft.com/office/drawing/2010/main" xmlns="" w="9525">
                   <a:solidFill>
                     <a:srgbClr val="000000"/>
                   </a:solidFill>
@@ -3276,7 +3278,7 @@
             </a:ln>
             <a:extLst>
               <a:ext uri="{91240B29-F687-4f45-9708-019B960494DF}">
-                <a14:hiddenLine xmlns="" xmlns:a14="http://schemas.microsoft.com/office/drawing/2010/main" w="9525">
+                <a14:hiddenLine xmlns:a14="http://schemas.microsoft.com/office/drawing/2010/main" xmlns="" w="9525">
                   <a:solidFill>
                     <a:srgbClr val="000000"/>
                   </a:solidFill>
@@ -3338,7 +3340,7 @@
             </a:ln>
             <a:extLst>
               <a:ext uri="{91240B29-F687-4f45-9708-019B960494DF}">
-                <a14:hiddenLine xmlns="" xmlns:a14="http://schemas.microsoft.com/office/drawing/2010/main" w="9525">
+                <a14:hiddenLine xmlns:a14="http://schemas.microsoft.com/office/drawing/2010/main" xmlns="" w="9525">
                   <a:solidFill>
                     <a:srgbClr val="000000"/>
                   </a:solidFill>
@@ -3428,7 +3430,7 @@
             </a:ln>
             <a:extLst>
               <a:ext uri="{91240B29-F687-4f45-9708-019B960494DF}">
-                <a14:hiddenLine xmlns="" xmlns:a14="http://schemas.microsoft.com/office/drawing/2010/main" w="9525">
+                <a14:hiddenLine xmlns:a14="http://schemas.microsoft.com/office/drawing/2010/main" xmlns="" w="9525">
                   <a:solidFill>
                     <a:srgbClr val="000000"/>
                   </a:solidFill>
@@ -3490,7 +3492,7 @@
             </a:ln>
             <a:extLst>
               <a:ext uri="{91240B29-F687-4f45-9708-019B960494DF}">
-                <a14:hiddenLine xmlns="" xmlns:a14="http://schemas.microsoft.com/office/drawing/2010/main" w="9525">
+                <a14:hiddenLine xmlns:a14="http://schemas.microsoft.com/office/drawing/2010/main" xmlns="" w="9525">
                   <a:solidFill>
                     <a:srgbClr val="000000"/>
                   </a:solidFill>
@@ -3580,7 +3582,7 @@
             </a:ln>
             <a:extLst>
               <a:ext uri="{91240B29-F687-4f45-9708-019B960494DF}">
-                <a14:hiddenLine xmlns="" xmlns:a14="http://schemas.microsoft.com/office/drawing/2010/main" w="9525">
+                <a14:hiddenLine xmlns:a14="http://schemas.microsoft.com/office/drawing/2010/main" xmlns="" w="9525">
                   <a:solidFill>
                     <a:srgbClr val="000000"/>
                   </a:solidFill>
@@ -3614,7 +3616,7 @@
             </a:ln>
             <a:extLst>
               <a:ext uri="{91240B29-F687-4f45-9708-019B960494DF}">
-                <a14:hiddenLine xmlns="" xmlns:a14="http://schemas.microsoft.com/office/drawing/2010/main" w="9525">
+                <a14:hiddenLine xmlns:a14="http://schemas.microsoft.com/office/drawing/2010/main" xmlns="" w="9525">
                   <a:solidFill>
                     <a:srgbClr val="000000"/>
                   </a:solidFill>
@@ -3679,7 +3681,7 @@
             </a:ln>
             <a:extLst>
               <a:ext uri="{91240B29-F687-4f45-9708-019B960494DF}">
-                <a14:hiddenLine xmlns="" xmlns:a14="http://schemas.microsoft.com/office/drawing/2010/main" w="9525">
+                <a14:hiddenLine xmlns:a14="http://schemas.microsoft.com/office/drawing/2010/main" xmlns="" w="9525">
                   <a:solidFill>
                     <a:srgbClr val="000000"/>
                   </a:solidFill>
@@ -3769,7 +3771,7 @@
             </a:ln>
             <a:extLst>
               <a:ext uri="{91240B29-F687-4f45-9708-019B960494DF}">
-                <a14:hiddenLine xmlns="" xmlns:a14="http://schemas.microsoft.com/office/drawing/2010/main" w="9525">
+                <a14:hiddenLine xmlns:a14="http://schemas.microsoft.com/office/drawing/2010/main" xmlns="" w="9525">
                   <a:solidFill>
                     <a:srgbClr val="000000"/>
                   </a:solidFill>
@@ -3831,7 +3833,7 @@
             </a:ln>
             <a:extLst>
               <a:ext uri="{91240B29-F687-4f45-9708-019B960494DF}">
-                <a14:hiddenLine xmlns="" xmlns:a14="http://schemas.microsoft.com/office/drawing/2010/main" w="9525">
+                <a14:hiddenLine xmlns:a14="http://schemas.microsoft.com/office/drawing/2010/main" xmlns="" w="9525">
                   <a:solidFill>
                     <a:srgbClr val="000000"/>
                   </a:solidFill>
@@ -3921,7 +3923,7 @@
             </a:ln>
             <a:extLst>
               <a:ext uri="{91240B29-F687-4f45-9708-019B960494DF}">
-                <a14:hiddenLine xmlns="" xmlns:a14="http://schemas.microsoft.com/office/drawing/2010/main" w="9525">
+                <a14:hiddenLine xmlns:a14="http://schemas.microsoft.com/office/drawing/2010/main" xmlns="" w="9525">
                   <a:solidFill>
                     <a:srgbClr val="000000"/>
                   </a:solidFill>
@@ -4011,7 +4013,7 @@
             </a:ln>
             <a:extLst>
               <a:ext uri="{91240B29-F687-4f45-9708-019B960494DF}">
-                <a14:hiddenLine xmlns="" xmlns:a14="http://schemas.microsoft.com/office/drawing/2010/main" w="9525">
+                <a14:hiddenLine xmlns:a14="http://schemas.microsoft.com/office/drawing/2010/main" xmlns="" w="9525">
                   <a:solidFill>
                     <a:srgbClr val="000000"/>
                   </a:solidFill>
@@ -4076,7 +4078,7 @@
             </a:ln>
             <a:extLst>
               <a:ext uri="{91240B29-F687-4f45-9708-019B960494DF}">
-                <a14:hiddenLine xmlns="" xmlns:a14="http://schemas.microsoft.com/office/drawing/2010/main" w="9525">
+                <a14:hiddenLine xmlns:a14="http://schemas.microsoft.com/office/drawing/2010/main" xmlns="" w="9525">
                   <a:solidFill>
                     <a:srgbClr val="000000"/>
                   </a:solidFill>
@@ -4138,7 +4140,7 @@
             </a:ln>
             <a:extLst>
               <a:ext uri="{91240B29-F687-4f45-9708-019B960494DF}">
-                <a14:hiddenLine xmlns="" xmlns:a14="http://schemas.microsoft.com/office/drawing/2010/main" w="9525">
+                <a14:hiddenLine xmlns:a14="http://schemas.microsoft.com/office/drawing/2010/main" xmlns="" w="9525">
                   <a:solidFill>
                     <a:srgbClr val="000000"/>
                   </a:solidFill>
@@ -4228,7 +4230,7 @@
             </a:ln>
             <a:extLst>
               <a:ext uri="{91240B29-F687-4f45-9708-019B960494DF}">
-                <a14:hiddenLine xmlns="" xmlns:a14="http://schemas.microsoft.com/office/drawing/2010/main" w="9525">
+                <a14:hiddenLine xmlns:a14="http://schemas.microsoft.com/office/drawing/2010/main" xmlns="" w="9525">
                   <a:solidFill>
                     <a:srgbClr val="000000"/>
                   </a:solidFill>
@@ -4318,7 +4320,7 @@
             </a:ln>
             <a:extLst>
               <a:ext uri="{91240B29-F687-4f45-9708-019B960494DF}">
-                <a14:hiddenLine xmlns="" xmlns:a14="http://schemas.microsoft.com/office/drawing/2010/main" w="9525">
+                <a14:hiddenLine xmlns:a14="http://schemas.microsoft.com/office/drawing/2010/main" xmlns="" w="9525">
                   <a:solidFill>
                     <a:srgbClr val="000000"/>
                   </a:solidFill>
@@ -4380,7 +4382,7 @@
             </a:ln>
             <a:extLst>
               <a:ext uri="{91240B29-F687-4f45-9708-019B960494DF}">
-                <a14:hiddenLine xmlns="" xmlns:a14="http://schemas.microsoft.com/office/drawing/2010/main" w="9525">
+                <a14:hiddenLine xmlns:a14="http://schemas.microsoft.com/office/drawing/2010/main" xmlns="" w="9525">
                   <a:solidFill>
                     <a:srgbClr val="000000"/>
                   </a:solidFill>
@@ -4500,7 +4502,7 @@
             </a:ln>
             <a:extLst>
               <a:ext uri="{91240B29-F687-4f45-9708-019B960494DF}">
-                <a14:hiddenLine xmlns="" xmlns:a14="http://schemas.microsoft.com/office/drawing/2010/main" w="9525">
+                <a14:hiddenLine xmlns:a14="http://schemas.microsoft.com/office/drawing/2010/main" xmlns="" w="9525">
                   <a:solidFill>
                     <a:srgbClr val="000000"/>
                   </a:solidFill>
@@ -4568,7 +4570,7 @@
             </a:ln>
             <a:extLst>
               <a:ext uri="{91240B29-F687-4f45-9708-019B960494DF}">
-                <a14:hiddenLine xmlns="" xmlns:a14="http://schemas.microsoft.com/office/drawing/2010/main" w="9525">
+                <a14:hiddenLine xmlns:a14="http://schemas.microsoft.com/office/drawing/2010/main" xmlns="" w="9525">
                   <a:solidFill>
                     <a:srgbClr val="000000"/>
                   </a:solidFill>
@@ -4658,7 +4660,7 @@
             </a:ln>
             <a:extLst>
               <a:ext uri="{91240B29-F687-4f45-9708-019B960494DF}">
-                <a14:hiddenLine xmlns="" xmlns:a14="http://schemas.microsoft.com/office/drawing/2010/main" w="9525">
+                <a14:hiddenLine xmlns:a14="http://schemas.microsoft.com/office/drawing/2010/main" xmlns="" w="9525">
                   <a:solidFill>
                     <a:srgbClr val="000000"/>
                   </a:solidFill>
@@ -4798,7 +4800,7 @@
           <a:p>
             <a:fld id="{B76943AF-B946-47F7-8510-2C710F5C29B5}" type="datetimeFigureOut">
               <a:rPr lang="en-US" smtClean="0"/>
-              <a:t>05-Feb-18</a:t>
+              <a:t>2/5/2018</a:t>
             </a:fld>
             <a:endParaRPr lang="en-US" dirty="0"/>
           </a:p>
@@ -5064,7 +5066,7 @@
           <a:p>
             <a:fld id="{B76943AF-B946-47F7-8510-2C710F5C29B5}" type="datetimeFigureOut">
               <a:rPr lang="en-US" smtClean="0"/>
-              <a:t>05-Feb-18</a:t>
+              <a:t>2/5/2018</a:t>
             </a:fld>
             <a:endParaRPr lang="en-US" dirty="0"/>
           </a:p>
@@ -5260,7 +5262,7 @@
           <a:p>
             <a:fld id="{B76943AF-B946-47F7-8510-2C710F5C29B5}" type="datetimeFigureOut">
               <a:rPr lang="en-US" smtClean="0"/>
-              <a:t>05-Feb-18</a:t>
+              <a:t>2/5/2018</a:t>
             </a:fld>
             <a:endParaRPr lang="en-US" dirty="0"/>
           </a:p>
@@ -5523,7 +5525,7 @@
           <a:p>
             <a:fld id="{B76943AF-B946-47F7-8510-2C710F5C29B5}" type="datetimeFigureOut">
               <a:rPr lang="en-US" smtClean="0"/>
-              <a:t>05-Feb-18</a:t>
+              <a:t>2/5/2018</a:t>
             </a:fld>
             <a:endParaRPr lang="en-US" dirty="0"/>
           </a:p>
@@ -6002,7 +6004,7 @@
           <a:p>
             <a:fld id="{B76943AF-B946-47F7-8510-2C710F5C29B5}" type="datetimeFigureOut">
               <a:rPr lang="en-US" smtClean="0"/>
-              <a:t>05-Feb-18</a:t>
+              <a:t>2/5/2018</a:t>
             </a:fld>
             <a:endParaRPr lang="en-US" dirty="0"/>
           </a:p>
@@ -6548,7 +6550,7 @@
           <a:p>
             <a:fld id="{B76943AF-B946-47F7-8510-2C710F5C29B5}" type="datetimeFigureOut">
               <a:rPr lang="en-US" smtClean="0"/>
-              <a:t>05-Feb-18</a:t>
+              <a:t>2/5/2018</a:t>
             </a:fld>
             <a:endParaRPr lang="en-US" dirty="0"/>
           </a:p>
@@ -7265,7 +7267,7 @@
           <a:p>
             <a:fld id="{B76943AF-B946-47F7-8510-2C710F5C29B5}" type="datetimeFigureOut">
               <a:rPr lang="en-US" smtClean="0"/>
-              <a:t>05-Feb-18</a:t>
+              <a:t>2/5/2018</a:t>
             </a:fld>
             <a:endParaRPr lang="en-US" dirty="0"/>
           </a:p>
@@ -7435,7 +7437,7 @@
           <a:p>
             <a:fld id="{B76943AF-B946-47F7-8510-2C710F5C29B5}" type="datetimeFigureOut">
               <a:rPr lang="en-US" smtClean="0"/>
-              <a:t>05-Feb-18</a:t>
+              <a:t>2/5/2018</a:t>
             </a:fld>
             <a:endParaRPr lang="en-US" dirty="0"/>
           </a:p>
@@ -7615,7 +7617,7 @@
           <a:p>
             <a:fld id="{B76943AF-B946-47F7-8510-2C710F5C29B5}" type="datetimeFigureOut">
               <a:rPr lang="en-US" smtClean="0"/>
-              <a:t>05-Feb-18</a:t>
+              <a:t>2/5/2018</a:t>
             </a:fld>
             <a:endParaRPr lang="en-US" dirty="0"/>
           </a:p>
@@ -7785,7 +7787,7 @@
           <a:p>
             <a:fld id="{B76943AF-B946-47F7-8510-2C710F5C29B5}" type="datetimeFigureOut">
               <a:rPr lang="en-US" smtClean="0"/>
-              <a:t>05-Feb-18</a:t>
+              <a:t>2/5/2018</a:t>
             </a:fld>
             <a:endParaRPr lang="en-US" dirty="0"/>
           </a:p>
@@ -8080,7 +8082,7 @@
           <a:p>
             <a:fld id="{B76943AF-B946-47F7-8510-2C710F5C29B5}" type="datetimeFigureOut">
               <a:rPr lang="en-US" smtClean="0"/>
-              <a:t>05-Feb-18</a:t>
+              <a:t>2/5/2018</a:t>
             </a:fld>
             <a:endParaRPr lang="en-US" dirty="0"/>
           </a:p>
@@ -8312,7 +8314,7 @@
           <a:p>
             <a:fld id="{B76943AF-B946-47F7-8510-2C710F5C29B5}" type="datetimeFigureOut">
               <a:rPr lang="en-US" smtClean="0"/>
-              <a:t>05-Feb-18</a:t>
+              <a:t>2/5/2018</a:t>
             </a:fld>
             <a:endParaRPr lang="en-US" dirty="0"/>
           </a:p>
@@ -8693,7 +8695,7 @@
           <a:p>
             <a:fld id="{B76943AF-B946-47F7-8510-2C710F5C29B5}" type="datetimeFigureOut">
               <a:rPr lang="en-US" smtClean="0"/>
-              <a:t>05-Feb-18</a:t>
+              <a:t>2/5/2018</a:t>
             </a:fld>
             <a:endParaRPr lang="en-US" dirty="0"/>
           </a:p>
@@ -8811,7 +8813,7 @@
           <a:p>
             <a:fld id="{B76943AF-B946-47F7-8510-2C710F5C29B5}" type="datetimeFigureOut">
               <a:rPr lang="en-US" smtClean="0"/>
-              <a:t>05-Feb-18</a:t>
+              <a:t>2/5/2018</a:t>
             </a:fld>
             <a:endParaRPr lang="en-US" dirty="0"/>
           </a:p>
@@ -8906,7 +8908,7 @@
           <a:p>
             <a:fld id="{B76943AF-B946-47F7-8510-2C710F5C29B5}" type="datetimeFigureOut">
               <a:rPr lang="en-US" smtClean="0"/>
-              <a:t>05-Feb-18</a:t>
+              <a:t>2/5/2018</a:t>
             </a:fld>
             <a:endParaRPr lang="en-US" dirty="0"/>
           </a:p>
@@ -9155,7 +9157,7 @@
           <a:p>
             <a:fld id="{B76943AF-B946-47F7-8510-2C710F5C29B5}" type="datetimeFigureOut">
               <a:rPr lang="en-US" smtClean="0"/>
-              <a:t>05-Feb-18</a:t>
+              <a:t>2/5/2018</a:t>
             </a:fld>
             <a:endParaRPr lang="en-US" dirty="0"/>
           </a:p>
@@ -9434,7 +9436,7 @@
           <a:p>
             <a:fld id="{B76943AF-B946-47F7-8510-2C710F5C29B5}" type="datetimeFigureOut">
               <a:rPr lang="en-US" smtClean="0"/>
-              <a:t>05-Feb-18</a:t>
+              <a:t>2/5/2018</a:t>
             </a:fld>
             <a:endParaRPr lang="en-US" dirty="0"/>
           </a:p>
@@ -9593,7 +9595,7 @@
               </a:ln>
               <a:extLst>
                 <a:ext uri="{91240B29-F687-4f45-9708-019B960494DF}">
-                  <a14:hiddenLine xmlns="" xmlns:a14="http://schemas.microsoft.com/office/drawing/2010/main" w="9525">
+                  <a14:hiddenLine xmlns:a14="http://schemas.microsoft.com/office/drawing/2010/main" xmlns="" w="9525">
                     <a:solidFill>
                       <a:srgbClr val="000000"/>
                     </a:solidFill>
@@ -9683,7 +9685,7 @@
               </a:ln>
               <a:extLst>
                 <a:ext uri="{91240B29-F687-4f45-9708-019B960494DF}">
-                  <a14:hiddenLine xmlns="" xmlns:a14="http://schemas.microsoft.com/office/drawing/2010/main" w="9525">
+                  <a14:hiddenLine xmlns:a14="http://schemas.microsoft.com/office/drawing/2010/main" xmlns="" w="9525">
                     <a:solidFill>
                       <a:srgbClr val="000000"/>
                     </a:solidFill>
@@ -9773,7 +9775,7 @@
               </a:ln>
               <a:extLst>
                 <a:ext uri="{91240B29-F687-4f45-9708-019B960494DF}">
-                  <a14:hiddenLine xmlns="" xmlns:a14="http://schemas.microsoft.com/office/drawing/2010/main" w="9525">
+                  <a14:hiddenLine xmlns:a14="http://schemas.microsoft.com/office/drawing/2010/main" xmlns="" w="9525">
                     <a:solidFill>
                       <a:srgbClr val="000000"/>
                     </a:solidFill>
@@ -9835,7 +9837,7 @@
               </a:ln>
               <a:extLst>
                 <a:ext uri="{91240B29-F687-4f45-9708-019B960494DF}">
-                  <a14:hiddenLine xmlns="" xmlns:a14="http://schemas.microsoft.com/office/drawing/2010/main" w="9525">
+                  <a14:hiddenLine xmlns:a14="http://schemas.microsoft.com/office/drawing/2010/main" xmlns="" w="9525">
                     <a:solidFill>
                       <a:srgbClr val="000000"/>
                     </a:solidFill>
@@ -9925,7 +9927,7 @@
               </a:ln>
               <a:extLst>
                 <a:ext uri="{91240B29-F687-4f45-9708-019B960494DF}">
-                  <a14:hiddenLine xmlns="" xmlns:a14="http://schemas.microsoft.com/office/drawing/2010/main" w="9525">
+                  <a14:hiddenLine xmlns:a14="http://schemas.microsoft.com/office/drawing/2010/main" xmlns="" w="9525">
                     <a:solidFill>
                       <a:srgbClr val="000000"/>
                     </a:solidFill>
@@ -9987,7 +9989,7 @@
               </a:ln>
               <a:extLst>
                 <a:ext uri="{91240B29-F687-4f45-9708-019B960494DF}">
-                  <a14:hiddenLine xmlns="" xmlns:a14="http://schemas.microsoft.com/office/drawing/2010/main" w="9525">
+                  <a14:hiddenLine xmlns:a14="http://schemas.microsoft.com/office/drawing/2010/main" xmlns="" w="9525">
                     <a:solidFill>
                       <a:srgbClr val="000000"/>
                     </a:solidFill>
@@ -10049,7 +10051,7 @@
               </a:ln>
               <a:extLst>
                 <a:ext uri="{91240B29-F687-4f45-9708-019B960494DF}">
-                  <a14:hiddenLine xmlns="" xmlns:a14="http://schemas.microsoft.com/office/drawing/2010/main" w="9525">
+                  <a14:hiddenLine xmlns:a14="http://schemas.microsoft.com/office/drawing/2010/main" xmlns="" w="9525">
                     <a:solidFill>
                       <a:srgbClr val="000000"/>
                     </a:solidFill>
@@ -10139,7 +10141,7 @@
               </a:ln>
               <a:extLst>
                 <a:ext uri="{91240B29-F687-4f45-9708-019B960494DF}">
-                  <a14:hiddenLine xmlns="" xmlns:a14="http://schemas.microsoft.com/office/drawing/2010/main" w="9525">
+                  <a14:hiddenLine xmlns:a14="http://schemas.microsoft.com/office/drawing/2010/main" xmlns="" w="9525">
                     <a:solidFill>
                       <a:srgbClr val="000000"/>
                     </a:solidFill>
@@ -10229,7 +10231,7 @@
               </a:ln>
               <a:extLst>
                 <a:ext uri="{91240B29-F687-4f45-9708-019B960494DF}">
-                  <a14:hiddenLine xmlns="" xmlns:a14="http://schemas.microsoft.com/office/drawing/2010/main" w="9525">
+                  <a14:hiddenLine xmlns:a14="http://schemas.microsoft.com/office/drawing/2010/main" xmlns="" w="9525">
                     <a:solidFill>
                       <a:srgbClr val="000000"/>
                     </a:solidFill>
@@ -10291,7 +10293,7 @@
               </a:ln>
               <a:extLst>
                 <a:ext uri="{91240B29-F687-4f45-9708-019B960494DF}">
-                  <a14:hiddenLine xmlns="" xmlns:a14="http://schemas.microsoft.com/office/drawing/2010/main" w="9525">
+                  <a14:hiddenLine xmlns:a14="http://schemas.microsoft.com/office/drawing/2010/main" xmlns="" w="9525">
                     <a:solidFill>
                       <a:srgbClr val="000000"/>
                     </a:solidFill>
@@ -10401,7 +10403,7 @@
               </a:ln>
               <a:extLst>
                 <a:ext uri="{91240B29-F687-4f45-9708-019B960494DF}">
-                  <a14:hiddenLine xmlns="" xmlns:a14="http://schemas.microsoft.com/office/drawing/2010/main" w="9525">
+                  <a14:hiddenLine xmlns:a14="http://schemas.microsoft.com/office/drawing/2010/main" xmlns="" w="9525">
                     <a:solidFill>
                       <a:srgbClr val="000000"/>
                     </a:solidFill>
@@ -10485,7 +10487,7 @@
               </a:ln>
               <a:extLst>
                 <a:ext uri="{91240B29-F687-4f45-9708-019B960494DF}">
-                  <a14:hiddenLine xmlns="" xmlns:a14="http://schemas.microsoft.com/office/drawing/2010/main" w="9525">
+                  <a14:hiddenLine xmlns:a14="http://schemas.microsoft.com/office/drawing/2010/main" xmlns="" w="9525">
                     <a:solidFill>
                       <a:srgbClr val="000000"/>
                     </a:solidFill>
@@ -10547,7 +10549,7 @@
               </a:ln>
               <a:extLst>
                 <a:ext uri="{91240B29-F687-4f45-9708-019B960494DF}">
-                  <a14:hiddenLine xmlns="" xmlns:a14="http://schemas.microsoft.com/office/drawing/2010/main" w="9525">
+                  <a14:hiddenLine xmlns:a14="http://schemas.microsoft.com/office/drawing/2010/main" xmlns="" w="9525">
                     <a:solidFill>
                       <a:srgbClr val="000000"/>
                     </a:solidFill>
@@ -10609,7 +10611,7 @@
               </a:ln>
               <a:extLst>
                 <a:ext uri="{91240B29-F687-4f45-9708-019B960494DF}">
-                  <a14:hiddenLine xmlns="" xmlns:a14="http://schemas.microsoft.com/office/drawing/2010/main" w="9525">
+                  <a14:hiddenLine xmlns:a14="http://schemas.microsoft.com/office/drawing/2010/main" xmlns="" w="9525">
                     <a:solidFill>
                       <a:srgbClr val="000000"/>
                     </a:solidFill>
@@ -10699,7 +10701,7 @@
               </a:ln>
               <a:extLst>
                 <a:ext uri="{91240B29-F687-4f45-9708-019B960494DF}">
-                  <a14:hiddenLine xmlns="" xmlns:a14="http://schemas.microsoft.com/office/drawing/2010/main" w="9525">
+                  <a14:hiddenLine xmlns:a14="http://schemas.microsoft.com/office/drawing/2010/main" xmlns="" w="9525">
                     <a:solidFill>
                       <a:srgbClr val="000000"/>
                     </a:solidFill>
@@ -10733,7 +10735,7 @@
               </a:ln>
               <a:extLst>
                 <a:ext uri="{91240B29-F687-4f45-9708-019B960494DF}">
-                  <a14:hiddenLine xmlns="" xmlns:a14="http://schemas.microsoft.com/office/drawing/2010/main" w="9525">
+                  <a14:hiddenLine xmlns:a14="http://schemas.microsoft.com/office/drawing/2010/main" xmlns="" w="9525">
                     <a:solidFill>
                       <a:srgbClr val="000000"/>
                     </a:solidFill>
@@ -10798,7 +10800,7 @@
               </a:ln>
               <a:extLst>
                 <a:ext uri="{91240B29-F687-4f45-9708-019B960494DF}">
-                  <a14:hiddenLine xmlns="" xmlns:a14="http://schemas.microsoft.com/office/drawing/2010/main" w="9525">
+                  <a14:hiddenLine xmlns:a14="http://schemas.microsoft.com/office/drawing/2010/main" xmlns="" w="9525">
                     <a:solidFill>
                       <a:srgbClr val="000000"/>
                     </a:solidFill>
@@ -10888,7 +10890,7 @@
               </a:ln>
               <a:extLst>
                 <a:ext uri="{91240B29-F687-4f45-9708-019B960494DF}">
-                  <a14:hiddenLine xmlns="" xmlns:a14="http://schemas.microsoft.com/office/drawing/2010/main" w="9525">
+                  <a14:hiddenLine xmlns:a14="http://schemas.microsoft.com/office/drawing/2010/main" xmlns="" w="9525">
                     <a:solidFill>
                       <a:srgbClr val="000000"/>
                     </a:solidFill>
@@ -10950,7 +10952,7 @@
               </a:ln>
               <a:extLst>
                 <a:ext uri="{91240B29-F687-4f45-9708-019B960494DF}">
-                  <a14:hiddenLine xmlns="" xmlns:a14="http://schemas.microsoft.com/office/drawing/2010/main" w="9525">
+                  <a14:hiddenLine xmlns:a14="http://schemas.microsoft.com/office/drawing/2010/main" xmlns="" w="9525">
                     <a:solidFill>
                       <a:srgbClr val="000000"/>
                     </a:solidFill>
@@ -11040,7 +11042,7 @@
               </a:ln>
               <a:extLst>
                 <a:ext uri="{91240B29-F687-4f45-9708-019B960494DF}">
-                  <a14:hiddenLine xmlns="" xmlns:a14="http://schemas.microsoft.com/office/drawing/2010/main" w="9525">
+                  <a14:hiddenLine xmlns:a14="http://schemas.microsoft.com/office/drawing/2010/main" xmlns="" w="9525">
                     <a:solidFill>
                       <a:srgbClr val="000000"/>
                     </a:solidFill>
@@ -11105,7 +11107,7 @@
               </a:ln>
               <a:extLst>
                 <a:ext uri="{91240B29-F687-4f45-9708-019B960494DF}">
-                  <a14:hiddenLine xmlns="" xmlns:a14="http://schemas.microsoft.com/office/drawing/2010/main" w="9525">
+                  <a14:hiddenLine xmlns:a14="http://schemas.microsoft.com/office/drawing/2010/main" xmlns="" w="9525">
                     <a:solidFill>
                       <a:srgbClr val="000000"/>
                     </a:solidFill>
@@ -11167,7 +11169,7 @@
               </a:ln>
               <a:extLst>
                 <a:ext uri="{91240B29-F687-4f45-9708-019B960494DF}">
-                  <a14:hiddenLine xmlns="" xmlns:a14="http://schemas.microsoft.com/office/drawing/2010/main" w="9525">
+                  <a14:hiddenLine xmlns:a14="http://schemas.microsoft.com/office/drawing/2010/main" xmlns="" w="9525">
                     <a:solidFill>
                       <a:srgbClr val="000000"/>
                     </a:solidFill>
@@ -11257,7 +11259,7 @@
               </a:ln>
               <a:extLst>
                 <a:ext uri="{91240B29-F687-4f45-9708-019B960494DF}">
-                  <a14:hiddenLine xmlns="" xmlns:a14="http://schemas.microsoft.com/office/drawing/2010/main" w="9525">
+                  <a14:hiddenLine xmlns:a14="http://schemas.microsoft.com/office/drawing/2010/main" xmlns="" w="9525">
                     <a:solidFill>
                       <a:srgbClr val="000000"/>
                     </a:solidFill>
@@ -11347,7 +11349,7 @@
               </a:ln>
               <a:extLst>
                 <a:ext uri="{91240B29-F687-4f45-9708-019B960494DF}">
-                  <a14:hiddenLine xmlns="" xmlns:a14="http://schemas.microsoft.com/office/drawing/2010/main" w="9525">
+                  <a14:hiddenLine xmlns:a14="http://schemas.microsoft.com/office/drawing/2010/main" xmlns="" w="9525">
                     <a:solidFill>
                       <a:srgbClr val="000000"/>
                     </a:solidFill>
@@ -11412,7 +11414,7 @@
               </a:ln>
               <a:extLst>
                 <a:ext uri="{91240B29-F687-4f45-9708-019B960494DF}">
-                  <a14:hiddenLine xmlns="" xmlns:a14="http://schemas.microsoft.com/office/drawing/2010/main" w="9525">
+                  <a14:hiddenLine xmlns:a14="http://schemas.microsoft.com/office/drawing/2010/main" xmlns="" w="9525">
                     <a:solidFill>
                       <a:srgbClr val="000000"/>
                     </a:solidFill>
@@ -11532,7 +11534,7 @@
               </a:ln>
               <a:extLst>
                 <a:ext uri="{91240B29-F687-4f45-9708-019B960494DF}">
-                  <a14:hiddenLine xmlns="" xmlns:a14="http://schemas.microsoft.com/office/drawing/2010/main" w="9525">
+                  <a14:hiddenLine xmlns:a14="http://schemas.microsoft.com/office/drawing/2010/main" xmlns="" w="9525">
                     <a:solidFill>
                       <a:srgbClr val="000000"/>
                     </a:solidFill>
@@ -11630,7 +11632,7 @@
               </a:ln>
               <a:extLst>
                 <a:ext uri="{91240B29-F687-4f45-9708-019B960494DF}">
-                  <a14:hiddenLine xmlns="" xmlns:a14="http://schemas.microsoft.com/office/drawing/2010/main" w="9525">
+                  <a14:hiddenLine xmlns:a14="http://schemas.microsoft.com/office/drawing/2010/main" xmlns="" w="9525">
                     <a:solidFill>
                       <a:srgbClr val="000000"/>
                     </a:solidFill>
@@ -11745,7 +11747,7 @@
               </a:ln>
               <a:extLst>
                 <a:ext uri="{91240B29-F687-4f45-9708-019B960494DF}">
-                  <a14:hiddenLine xmlns="" xmlns:a14="http://schemas.microsoft.com/office/drawing/2010/main" w="9525">
+                  <a14:hiddenLine xmlns:a14="http://schemas.microsoft.com/office/drawing/2010/main" xmlns="" w="9525">
                     <a:solidFill>
                       <a:srgbClr val="000000"/>
                     </a:solidFill>
@@ -11835,7 +11837,7 @@
               </a:ln>
               <a:extLst>
                 <a:ext uri="{91240B29-F687-4f45-9708-019B960494DF}">
-                  <a14:hiddenLine xmlns="" xmlns:a14="http://schemas.microsoft.com/office/drawing/2010/main" w="9525">
+                  <a14:hiddenLine xmlns:a14="http://schemas.microsoft.com/office/drawing/2010/main" xmlns="" w="9525">
                     <a:solidFill>
                       <a:srgbClr val="000000"/>
                     </a:solidFill>
@@ -11900,7 +11902,7 @@
               </a:ln>
               <a:extLst>
                 <a:ext uri="{91240B29-F687-4f45-9708-019B960494DF}">
-                  <a14:hiddenLine xmlns="" xmlns:a14="http://schemas.microsoft.com/office/drawing/2010/main" w="9525">
+                  <a14:hiddenLine xmlns:a14="http://schemas.microsoft.com/office/drawing/2010/main" xmlns="" w="9525">
                     <a:solidFill>
                       <a:srgbClr val="000000"/>
                     </a:solidFill>
@@ -11990,7 +11992,7 @@
               </a:ln>
               <a:extLst>
                 <a:ext uri="{91240B29-F687-4f45-9708-019B960494DF}">
-                  <a14:hiddenLine xmlns="" xmlns:a14="http://schemas.microsoft.com/office/drawing/2010/main" w="9525">
+                  <a14:hiddenLine xmlns:a14="http://schemas.microsoft.com/office/drawing/2010/main" xmlns="" w="9525">
                     <a:solidFill>
                       <a:srgbClr val="000000"/>
                     </a:solidFill>
@@ -12058,7 +12060,7 @@
               </a:ln>
               <a:extLst>
                 <a:ext uri="{91240B29-F687-4f45-9708-019B960494DF}">
-                  <a14:hiddenLine xmlns="" xmlns:a14="http://schemas.microsoft.com/office/drawing/2010/main" w="9525">
+                  <a14:hiddenLine xmlns:a14="http://schemas.microsoft.com/office/drawing/2010/main" xmlns="" w="9525">
                     <a:solidFill>
                       <a:srgbClr val="000000"/>
                     </a:solidFill>
@@ -12148,7 +12150,7 @@
               </a:ln>
               <a:extLst>
                 <a:ext uri="{91240B29-F687-4f45-9708-019B960494DF}">
-                  <a14:hiddenLine xmlns="" xmlns:a14="http://schemas.microsoft.com/office/drawing/2010/main" w="9525">
+                  <a14:hiddenLine xmlns:a14="http://schemas.microsoft.com/office/drawing/2010/main" xmlns="" w="9525">
                     <a:solidFill>
                       <a:srgbClr val="000000"/>
                     </a:solidFill>
@@ -12216,7 +12218,7 @@
               </a:ln>
               <a:extLst>
                 <a:ext uri="{91240B29-F687-4f45-9708-019B960494DF}">
-                  <a14:hiddenLine xmlns="" xmlns:a14="http://schemas.microsoft.com/office/drawing/2010/main" w="9525">
+                  <a14:hiddenLine xmlns:a14="http://schemas.microsoft.com/office/drawing/2010/main" xmlns="" w="9525">
                     <a:solidFill>
                       <a:srgbClr val="000000"/>
                     </a:solidFill>
@@ -12306,7 +12308,7 @@
               </a:ln>
               <a:extLst>
                 <a:ext uri="{91240B29-F687-4f45-9708-019B960494DF}">
-                  <a14:hiddenLine xmlns="" xmlns:a14="http://schemas.microsoft.com/office/drawing/2010/main" w="9525">
+                  <a14:hiddenLine xmlns:a14="http://schemas.microsoft.com/office/drawing/2010/main" xmlns="" w="9525">
                     <a:solidFill>
                       <a:srgbClr val="000000"/>
                     </a:solidFill>
@@ -12340,7 +12342,7 @@
               </a:ln>
               <a:extLst>
                 <a:ext uri="{91240B29-F687-4f45-9708-019B960494DF}">
-                  <a14:hiddenLine xmlns="" xmlns:a14="http://schemas.microsoft.com/office/drawing/2010/main" w="9525">
+                  <a14:hiddenLine xmlns:a14="http://schemas.microsoft.com/office/drawing/2010/main" xmlns="" w="9525">
                     <a:solidFill>
                       <a:srgbClr val="000000"/>
                     </a:solidFill>
@@ -12480,7 +12482,7 @@
           <a:p>
             <a:fld id="{B76943AF-B946-47F7-8510-2C710F5C29B5}" type="datetimeFigureOut">
               <a:rPr lang="en-US" smtClean="0"/>
-              <a:t>05-Feb-18</a:t>
+              <a:t>2/5/2018</a:t>
             </a:fld>
             <a:endParaRPr lang="en-US" dirty="0"/>
           </a:p>
@@ -12966,27 +12968,7 @@
           <a:p>
             <a:r>
               <a:rPr lang="pl-PL" sz="2200" dirty="0"/>
-              <a:t>Simple </a:t>
-            </a:r>
-            <a:r>
-              <a:rPr lang="pl-PL" sz="2200" dirty="0" err="1"/>
-              <a:t>concept</a:t>
-            </a:r>
-            <a:r>
-              <a:rPr lang="pl-PL" sz="2200" dirty="0"/>
-              <a:t>, </a:t>
-            </a:r>
-            <a:r>
-              <a:rPr lang="pl-PL" sz="2200" dirty="0" err="1"/>
-              <a:t>profound</a:t>
-            </a:r>
-            <a:r>
-              <a:rPr lang="pl-PL" sz="2200" dirty="0"/>
-              <a:t> </a:t>
-            </a:r>
-            <a:r>
-              <a:rPr lang="pl-PL" sz="2200" dirty="0" err="1"/>
-              <a:t>conseqences</a:t>
+              <a:t>Simple concept, profound consequences</a:t>
             </a:r>
             <a:endParaRPr lang="en-US" sz="2200" dirty="0"/>
           </a:p>
@@ -13196,13 +13178,13 @@
   <p:clrMapOvr>
     <a:masterClrMapping/>
   </p:clrMapOvr>
-  <mc:AlternateContent xmlns:mc="http://schemas.openxmlformats.org/markup-compatibility/2006">
-    <mc:Choice xmlns:p14="http://schemas.microsoft.com/office/powerpoint/2010/main" Requires="p14">
+  <mc:AlternateContent xmlns:mc="http://schemas.openxmlformats.org/markup-compatibility/2006" xmlns:p14="http://schemas.microsoft.com/office/powerpoint/2010/main">
+    <mc:Choice Requires="p14">
       <p:transition spd="slow" p14:dur="1200">
         <p:dissolve/>
       </p:transition>
     </mc:Choice>
-    <mc:Fallback>
+    <mc:Fallback xmlns="">
       <p:transition spd="slow">
         <p:dissolve/>
       </p:transition>
@@ -13382,7 +13364,185 @@
           <a:p>
             <a:r>
               <a:rPr lang="pl-PL" dirty="0"/>
-              <a:t>BLOCKCHAIN - THE CONSEQENCES</a:t>
+              <a:t>BLOCKCHAIN - THE PROBLEM</a:t>
+            </a:r>
+          </a:p>
+        </p:txBody>
+      </p:sp>
+      <p:sp>
+        <p:nvSpPr>
+          <p:cNvPr id="7" name="Content Placeholder 6">
+            <a:extLst>
+              <a:ext uri="{FF2B5EF4-FFF2-40B4-BE49-F238E27FC236}">
+                <a16:creationId xmlns:a16="http://schemas.microsoft.com/office/drawing/2014/main" id="{EFC22AE0-D0CF-4E47-856D-EF84999BB739}"/>
+              </a:ext>
+            </a:extLst>
+          </p:cNvPr>
+          <p:cNvSpPr>
+            <a:spLocks noGrp="1"/>
+          </p:cNvSpPr>
+          <p:nvPr>
+            <p:ph idx="1"/>
+          </p:nvPr>
+        </p:nvSpPr>
+        <p:spPr/>
+        <p:txBody>
+          <a:bodyPr/>
+          <a:lstStyle/>
+          <a:p>
+            <a:pPr marL="0" indent="0">
+              <a:buNone/>
+            </a:pPr>
+            <a:r>
+              <a:rPr lang="pl-PL" dirty="0"/>
+              <a:t>How would you explain the concept of the Internet in 1995?</a:t>
+            </a:r>
+            <a:endParaRPr lang="en-GB" dirty="0"/>
+          </a:p>
+        </p:txBody>
+      </p:sp>
+    </p:spTree>
+    <p:extLst>
+      <p:ext uri="{BB962C8B-B14F-4D97-AF65-F5344CB8AC3E}">
+        <p14:creationId xmlns:p14="http://schemas.microsoft.com/office/powerpoint/2010/main" val="1444357456"/>
+      </p:ext>
+    </p:extLst>
+  </p:cSld>
+  <p:clrMapOvr>
+    <a:masterClrMapping/>
+  </p:clrMapOvr>
+  <mc:AlternateContent xmlns:mc="http://schemas.openxmlformats.org/markup-compatibility/2006" xmlns:p14="http://schemas.microsoft.com/office/powerpoint/2010/main">
+    <mc:Choice Requires="p14">
+      <p:transition spd="slow" p14:dur="1200">
+        <p:dissolve/>
+      </p:transition>
+    </mc:Choice>
+    <mc:Fallback xmlns="">
+      <p:transition spd="slow">
+        <p:dissolve/>
+      </p:transition>
+    </mc:Fallback>
+  </mc:AlternateContent>
+</p:sld>
+</file>
+
+<file path=ppt/slides/slide4.xml><?xml version="1.0" encoding="utf-8"?>
+<p:sld xmlns:a="http://schemas.openxmlformats.org/drawingml/2006/main" xmlns:r="http://schemas.openxmlformats.org/officeDocument/2006/relationships" xmlns:p="http://schemas.openxmlformats.org/presentationml/2006/main">
+  <p:cSld>
+    <p:spTree>
+      <p:nvGrpSpPr>
+        <p:cNvPr id="1" name=""/>
+        <p:cNvGrpSpPr/>
+        <p:nvPr/>
+      </p:nvGrpSpPr>
+      <p:grpSpPr>
+        <a:xfrm>
+          <a:off x="0" y="0"/>
+          <a:ext cx="0" cy="0"/>
+          <a:chOff x="0" y="0"/>
+          <a:chExt cx="0" cy="0"/>
+        </a:xfrm>
+      </p:grpSpPr>
+      <p:pic>
+        <p:nvPicPr>
+          <p:cNvPr id="5" name="Online Media 4">
+            <a:hlinkClick r:id="" action="ppaction://media"/>
+            <a:extLst>
+              <a:ext uri="{FF2B5EF4-FFF2-40B4-BE49-F238E27FC236}">
+                <a16:creationId xmlns:a16="http://schemas.microsoft.com/office/drawing/2014/main" id="{AFFB1C55-550C-4C6E-877E-1FE660FC910F}"/>
+              </a:ext>
+            </a:extLst>
+          </p:cNvPr>
+          <p:cNvPicPr>
+            <a:picLocks noGrp="1" noRot="1" noChangeAspect="1"/>
+          </p:cNvPicPr>
+          <p:nvPr>
+            <p:ph idx="1"/>
+            <a:videoFile r:link="rId1"/>
+          </p:nvPr>
+        </p:nvPicPr>
+        <p:blipFill>
+          <a:blip r:embed="rId3"/>
+          <a:stretch>
+            <a:fillRect/>
+          </a:stretch>
+        </p:blipFill>
+        <p:spPr>
+          <a:xfrm>
+            <a:off x="1472184" y="252508"/>
+            <a:ext cx="8185531" cy="6139148"/>
+          </a:xfrm>
+          <a:prstGeom prst="rect">
+            <a:avLst/>
+          </a:prstGeom>
+        </p:spPr>
+      </p:pic>
+    </p:spTree>
+    <p:extLst>
+      <p:ext uri="{BB962C8B-B14F-4D97-AF65-F5344CB8AC3E}">
+        <p14:creationId xmlns:p14="http://schemas.microsoft.com/office/powerpoint/2010/main" val="791733641"/>
+      </p:ext>
+    </p:extLst>
+  </p:cSld>
+  <p:clrMapOvr>
+    <a:masterClrMapping/>
+  </p:clrMapOvr>
+  <mc:AlternateContent xmlns:mc="http://schemas.openxmlformats.org/markup-compatibility/2006" xmlns:p14="http://schemas.microsoft.com/office/powerpoint/2010/main">
+    <mc:Choice Requires="p14">
+      <p:transition spd="slow" p14:dur="1200">
+        <p:dissolve/>
+      </p:transition>
+    </mc:Choice>
+    <mc:Fallback xmlns="">
+      <p:transition spd="slow">
+        <p:dissolve/>
+      </p:transition>
+    </mc:Fallback>
+  </mc:AlternateContent>
+</p:sld>
+</file>
+
+<file path=ppt/slides/slide5.xml><?xml version="1.0" encoding="utf-8"?>
+<p:sld xmlns:a="http://schemas.openxmlformats.org/drawingml/2006/main" xmlns:r="http://schemas.openxmlformats.org/officeDocument/2006/relationships" xmlns:p="http://schemas.openxmlformats.org/presentationml/2006/main">
+  <p:cSld>
+    <p:spTree>
+      <p:nvGrpSpPr>
+        <p:cNvPr id="1" name=""/>
+        <p:cNvGrpSpPr/>
+        <p:nvPr/>
+      </p:nvGrpSpPr>
+      <p:grpSpPr>
+        <a:xfrm>
+          <a:off x="0" y="0"/>
+          <a:ext cx="0" cy="0"/>
+          <a:chOff x="0" y="0"/>
+          <a:chExt cx="0" cy="0"/>
+        </a:xfrm>
+      </p:grpSpPr>
+      <p:sp>
+        <p:nvSpPr>
+          <p:cNvPr id="2" name="Title 1">
+            <a:extLst>
+              <a:ext uri="{FF2B5EF4-FFF2-40B4-BE49-F238E27FC236}">
+                <a16:creationId xmlns:a16="http://schemas.microsoft.com/office/drawing/2014/main" id="{957D937C-03C6-41D3-B145-3F2606307180}"/>
+              </a:ext>
+            </a:extLst>
+          </p:cNvPr>
+          <p:cNvSpPr>
+            <a:spLocks noGrp="1"/>
+          </p:cNvSpPr>
+          <p:nvPr>
+            <p:ph type="title"/>
+          </p:nvPr>
+        </p:nvSpPr>
+        <p:spPr/>
+        <p:txBody>
+          <a:bodyPr/>
+          <a:lstStyle/>
+          <a:p>
+            <a:r>
+              <a:rPr lang="pl-PL" dirty="0"/>
+              <a:t>BLOCKCHAIN - THE CONSEQUENCES</a:t>
             </a:r>
           </a:p>
         </p:txBody>
@@ -13448,96 +13608,22 @@
           <a:p>
             <a:r>
               <a:rPr lang="pl-PL" dirty="0"/>
-              <a:t>New </a:t>
+              <a:t>New paradigm: common back-end, </a:t>
             </a:r>
             <a:r>
-              <a:rPr lang="pl-PL" dirty="0" err="1"/>
-              <a:t>type</a:t>
+              <a:rPr lang="en-GB" dirty="0"/>
+              <a:t>multiple</a:t>
             </a:r>
             <a:r>
               <a:rPr lang="pl-PL" dirty="0"/>
-              <a:t> of </a:t>
+              <a:t> interfaces</a:t>
             </a:r>
-            <a:r>
-              <a:rPr lang="pl-PL" dirty="0" err="1"/>
-              <a:t>economy</a:t>
-            </a:r>
+          </a:p>
+          <a:p>
             <a:r>
               <a:rPr lang="pl-PL" dirty="0"/>
-              <a:t>: </a:t>
+              <a:t>New type of economy: businesses powered by constant growth</a:t>
             </a:r>
-            <a:r>
-              <a:rPr lang="pl-PL" dirty="0" err="1"/>
-              <a:t>businesses</a:t>
-            </a:r>
-            <a:r>
-              <a:rPr lang="pl-PL" dirty="0"/>
-              <a:t> </a:t>
-            </a:r>
-            <a:r>
-              <a:rPr lang="pl-PL" dirty="0" err="1"/>
-              <a:t>powered</a:t>
-            </a:r>
-            <a:r>
-              <a:rPr lang="pl-PL" dirty="0"/>
-              <a:t> by </a:t>
-            </a:r>
-            <a:r>
-              <a:rPr lang="pl-PL" dirty="0" err="1"/>
-              <a:t>constant</a:t>
-            </a:r>
-            <a:r>
-              <a:rPr lang="pl-PL" dirty="0"/>
-              <a:t> </a:t>
-            </a:r>
-            <a:r>
-              <a:rPr lang="pl-PL" dirty="0" err="1"/>
-              <a:t>growth</a:t>
-            </a:r>
-            <a:endParaRPr lang="pl-PL" dirty="0"/>
-          </a:p>
-          <a:p>
-            <a:r>
-              <a:rPr lang="pl-PL" dirty="0"/>
-              <a:t>New </a:t>
-            </a:r>
-            <a:r>
-              <a:rPr lang="pl-PL" dirty="0" err="1"/>
-              <a:t>paradigm</a:t>
-            </a:r>
-            <a:r>
-              <a:rPr lang="pl-PL" dirty="0"/>
-              <a:t>: </a:t>
-            </a:r>
-            <a:r>
-              <a:rPr lang="pl-PL" dirty="0" err="1"/>
-              <a:t>common</a:t>
-            </a:r>
-            <a:r>
-              <a:rPr lang="pl-PL" dirty="0"/>
-              <a:t> </a:t>
-            </a:r>
-            <a:r>
-              <a:rPr lang="pl-PL" dirty="0" err="1"/>
-              <a:t>backend</a:t>
-            </a:r>
-            <a:r>
-              <a:rPr lang="pl-PL" dirty="0"/>
-              <a:t>, </a:t>
-            </a:r>
-            <a:r>
-              <a:rPr lang="pl-PL" dirty="0" err="1"/>
-              <a:t>mulitple</a:t>
-            </a:r>
-            <a:r>
-              <a:rPr lang="pl-PL" dirty="0"/>
-              <a:t> </a:t>
-            </a:r>
-            <a:r>
-              <a:rPr lang="pl-PL" dirty="0" err="1"/>
-              <a:t>interfaces</a:t>
-            </a:r>
-            <a:endParaRPr lang="pl-PL" dirty="0"/>
           </a:p>
         </p:txBody>
       </p:sp>
@@ -13551,13 +13637,13 @@
   <p:clrMapOvr>
     <a:masterClrMapping/>
   </p:clrMapOvr>
-  <mc:AlternateContent xmlns:mc="http://schemas.openxmlformats.org/markup-compatibility/2006">
-    <mc:Choice xmlns:p14="http://schemas.microsoft.com/office/powerpoint/2010/main" Requires="p14">
+  <mc:AlternateContent xmlns:mc="http://schemas.openxmlformats.org/markup-compatibility/2006" xmlns:p14="http://schemas.microsoft.com/office/powerpoint/2010/main">
+    <mc:Choice Requires="p14">
       <p:transition spd="slow" p14:dur="1200">
         <p:dissolve/>
       </p:transition>
     </mc:Choice>
-    <mc:Fallback>
+    <mc:Fallback xmlns="">
       <p:transition spd="slow">
         <p:dissolve/>
       </p:transition>
@@ -13795,7 +13881,7 @@
 </p:sld>
 </file>
 
-<file path=ppt/slides/slide4.xml><?xml version="1.0" encoding="utf-8"?>
+<file path=ppt/slides/slide6.xml><?xml version="1.0" encoding="utf-8"?>
 <p:sld xmlns:a="http://schemas.openxmlformats.org/drawingml/2006/main" xmlns:r="http://schemas.openxmlformats.org/officeDocument/2006/relationships" xmlns:p="http://schemas.openxmlformats.org/presentationml/2006/main">
   <p:cSld>
     <p:spTree>
@@ -13929,13 +14015,13 @@
   <p:clrMapOvr>
     <a:masterClrMapping/>
   </p:clrMapOvr>
-  <mc:AlternateContent xmlns:mc="http://schemas.openxmlformats.org/markup-compatibility/2006">
-    <mc:Choice xmlns:p14="http://schemas.microsoft.com/office/powerpoint/2010/main" Requires="p14">
+  <mc:AlternateContent xmlns:mc="http://schemas.openxmlformats.org/markup-compatibility/2006" xmlns:p14="http://schemas.microsoft.com/office/powerpoint/2010/main">
+    <mc:Choice Requires="p14">
       <p:transition spd="slow" p14:dur="1200">
         <p:dissolve/>
       </p:transition>
     </mc:Choice>
-    <mc:Fallback>
+    <mc:Fallback xmlns="">
       <p:transition spd="slow">
         <p:dissolve/>
       </p:transition>
@@ -14026,7 +14112,7 @@
 </p:sld>
 </file>
 
-<file path=ppt/slides/slide5.xml><?xml version="1.0" encoding="utf-8"?>
+<file path=ppt/slides/slide7.xml><?xml version="1.0" encoding="utf-8"?>
 <p:sld xmlns:a="http://schemas.openxmlformats.org/drawingml/2006/main" xmlns:r="http://schemas.openxmlformats.org/officeDocument/2006/relationships" xmlns:p="http://schemas.openxmlformats.org/presentationml/2006/main">
   <p:cSld>
     <p:spTree>
@@ -14244,13 +14330,13 @@
   <p:clrMapOvr>
     <a:masterClrMapping/>
   </p:clrMapOvr>
-  <mc:AlternateContent xmlns:mc="http://schemas.openxmlformats.org/markup-compatibility/2006">
-    <mc:Choice xmlns:p14="http://schemas.microsoft.com/office/powerpoint/2010/main" Requires="p14">
+  <mc:AlternateContent xmlns:mc="http://schemas.openxmlformats.org/markup-compatibility/2006" xmlns:p14="http://schemas.microsoft.com/office/powerpoint/2010/main">
+    <mc:Choice Requires="p14">
       <p:transition spd="slow" p14:dur="1200">
         <p:dissolve/>
       </p:transition>
     </mc:Choice>
-    <mc:Fallback>
+    <mc:Fallback xmlns="">
       <p:transition spd="slow">
         <p:dissolve/>
       </p:transition>

--- a/BrainEmbassy.pptx
+++ b/BrainEmbassy.pptx
@@ -5,16 +5,17 @@
     <p:sldMasterId id="2147483660" r:id="rId1"/>
   </p:sldMasterIdLst>
   <p:notesMasterIdLst>
-    <p:notesMasterId r:id="rId9"/>
+    <p:notesMasterId r:id="rId10"/>
   </p:notesMasterIdLst>
   <p:sldIdLst>
     <p:sldId id="256" r:id="rId2"/>
     <p:sldId id="399" r:id="rId3"/>
     <p:sldId id="402" r:id="rId4"/>
     <p:sldId id="403" r:id="rId5"/>
-    <p:sldId id="400" r:id="rId6"/>
-    <p:sldId id="401" r:id="rId7"/>
-    <p:sldId id="317" r:id="rId8"/>
+    <p:sldId id="404" r:id="rId6"/>
+    <p:sldId id="400" r:id="rId7"/>
+    <p:sldId id="401" r:id="rId8"/>
+    <p:sldId id="317" r:id="rId9"/>
   </p:sldIdLst>
   <p:sldSz cx="12192000" cy="6858000"/>
   <p:notesSz cx="6858000" cy="9144000"/>
@@ -215,7 +216,7 @@
           <a:p>
             <a:fld id="{6D9EE66E-0075-4EC7-AFEF-A844E5107398}" type="datetimeFigureOut">
               <a:rPr lang="en-US" smtClean="0"/>
-              <a:t>2/5/2018</a:t>
+              <a:t>2/6/2018</a:t>
             </a:fld>
             <a:endParaRPr lang="en-US" dirty="0"/>
           </a:p>
@@ -634,7 +635,7 @@
             </a:ln>
             <a:extLst>
               <a:ext uri="{91240B29-F687-4f45-9708-019B960494DF}">
-                <a14:hiddenLine xmlns:a14="http://schemas.microsoft.com/office/drawing/2010/main" xmlns="" w="9525">
+                <a14:hiddenLine xmlns="" xmlns:a14="http://schemas.microsoft.com/office/drawing/2010/main" w="9525">
                   <a:solidFill>
                     <a:srgbClr val="000000"/>
                   </a:solidFill>
@@ -724,7 +725,7 @@
             </a:ln>
             <a:extLst>
               <a:ext uri="{91240B29-F687-4f45-9708-019B960494DF}">
-                <a14:hiddenLine xmlns:a14="http://schemas.microsoft.com/office/drawing/2010/main" xmlns="" w="9525">
+                <a14:hiddenLine xmlns="" xmlns:a14="http://schemas.microsoft.com/office/drawing/2010/main" w="9525">
                   <a:solidFill>
                     <a:srgbClr val="000000"/>
                   </a:solidFill>
@@ -814,7 +815,7 @@
             </a:ln>
             <a:extLst>
               <a:ext uri="{91240B29-F687-4f45-9708-019B960494DF}">
-                <a14:hiddenLine xmlns:a14="http://schemas.microsoft.com/office/drawing/2010/main" xmlns="" w="9525">
+                <a14:hiddenLine xmlns="" xmlns:a14="http://schemas.microsoft.com/office/drawing/2010/main" w="9525">
                   <a:solidFill>
                     <a:srgbClr val="000000"/>
                   </a:solidFill>
@@ -848,7 +849,7 @@
             </a:ln>
             <a:extLst>
               <a:ext uri="{91240B29-F687-4f45-9708-019B960494DF}">
-                <a14:hiddenLine xmlns:a14="http://schemas.microsoft.com/office/drawing/2010/main" xmlns="" w="9525">
+                <a14:hiddenLine xmlns="" xmlns:a14="http://schemas.microsoft.com/office/drawing/2010/main" w="9525">
                   <a:solidFill>
                     <a:srgbClr val="000000"/>
                   </a:solidFill>
@@ -938,7 +939,7 @@
             </a:ln>
             <a:extLst>
               <a:ext uri="{91240B29-F687-4f45-9708-019B960494DF}">
-                <a14:hiddenLine xmlns:a14="http://schemas.microsoft.com/office/drawing/2010/main" xmlns="" w="9525">
+                <a14:hiddenLine xmlns="" xmlns:a14="http://schemas.microsoft.com/office/drawing/2010/main" w="9525">
                   <a:solidFill>
                     <a:srgbClr val="000000"/>
                   </a:solidFill>
@@ -1000,7 +1001,7 @@
             </a:ln>
             <a:extLst>
               <a:ext uri="{91240B29-F687-4f45-9708-019B960494DF}">
-                <a14:hiddenLine xmlns:a14="http://schemas.microsoft.com/office/drawing/2010/main" xmlns="" w="9525">
+                <a14:hiddenLine xmlns="" xmlns:a14="http://schemas.microsoft.com/office/drawing/2010/main" w="9525">
                   <a:solidFill>
                     <a:srgbClr val="000000"/>
                   </a:solidFill>
@@ -1062,7 +1063,7 @@
             </a:ln>
             <a:extLst>
               <a:ext uri="{91240B29-F687-4f45-9708-019B960494DF}">
-                <a14:hiddenLine xmlns:a14="http://schemas.microsoft.com/office/drawing/2010/main" xmlns="" w="9525">
+                <a14:hiddenLine xmlns="" xmlns:a14="http://schemas.microsoft.com/office/drawing/2010/main" w="9525">
                   <a:solidFill>
                     <a:srgbClr val="000000"/>
                   </a:solidFill>
@@ -1152,7 +1153,7 @@
             </a:ln>
             <a:extLst>
               <a:ext uri="{91240B29-F687-4f45-9708-019B960494DF}">
-                <a14:hiddenLine xmlns:a14="http://schemas.microsoft.com/office/drawing/2010/main" xmlns="" w="9525">
+                <a14:hiddenLine xmlns="" xmlns:a14="http://schemas.microsoft.com/office/drawing/2010/main" w="9525">
                   <a:solidFill>
                     <a:srgbClr val="000000"/>
                   </a:solidFill>
@@ -1214,7 +1215,7 @@
             </a:ln>
             <a:extLst>
               <a:ext uri="{91240B29-F687-4f45-9708-019B960494DF}">
-                <a14:hiddenLine xmlns:a14="http://schemas.microsoft.com/office/drawing/2010/main" xmlns="" w="9525">
+                <a14:hiddenLine xmlns="" xmlns:a14="http://schemas.microsoft.com/office/drawing/2010/main" w="9525">
                   <a:solidFill>
                     <a:srgbClr val="000000"/>
                   </a:solidFill>
@@ -1276,7 +1277,7 @@
             </a:ln>
             <a:extLst>
               <a:ext uri="{91240B29-F687-4f45-9708-019B960494DF}">
-                <a14:hiddenLine xmlns:a14="http://schemas.microsoft.com/office/drawing/2010/main" xmlns="" w="9525">
+                <a14:hiddenLine xmlns="" xmlns:a14="http://schemas.microsoft.com/office/drawing/2010/main" w="9525">
                   <a:solidFill>
                     <a:srgbClr val="000000"/>
                   </a:solidFill>
@@ -1366,7 +1367,7 @@
             </a:ln>
             <a:extLst>
               <a:ext uri="{91240B29-F687-4f45-9708-019B960494DF}">
-                <a14:hiddenLine xmlns:a14="http://schemas.microsoft.com/office/drawing/2010/main" xmlns="" w="9525">
+                <a14:hiddenLine xmlns="" xmlns:a14="http://schemas.microsoft.com/office/drawing/2010/main" w="9525">
                   <a:solidFill>
                     <a:srgbClr val="000000"/>
                   </a:solidFill>
@@ -1456,7 +1457,7 @@
             </a:ln>
             <a:extLst>
               <a:ext uri="{91240B29-F687-4f45-9708-019B960494DF}">
-                <a14:hiddenLine xmlns:a14="http://schemas.microsoft.com/office/drawing/2010/main" xmlns="" w="9525">
+                <a14:hiddenLine xmlns="" xmlns:a14="http://schemas.microsoft.com/office/drawing/2010/main" w="9525">
                   <a:solidFill>
                     <a:srgbClr val="000000"/>
                   </a:solidFill>
@@ -1518,7 +1519,7 @@
             </a:ln>
             <a:extLst>
               <a:ext uri="{91240B29-F687-4f45-9708-019B960494DF}">
-                <a14:hiddenLine xmlns:a14="http://schemas.microsoft.com/office/drawing/2010/main" xmlns="" w="9525">
+                <a14:hiddenLine xmlns="" xmlns:a14="http://schemas.microsoft.com/office/drawing/2010/main" w="9525">
                   <a:solidFill>
                     <a:srgbClr val="000000"/>
                   </a:solidFill>
@@ -1628,7 +1629,7 @@
             </a:ln>
             <a:extLst>
               <a:ext uri="{91240B29-F687-4f45-9708-019B960494DF}">
-                <a14:hiddenLine xmlns:a14="http://schemas.microsoft.com/office/drawing/2010/main" xmlns="" w="9525">
+                <a14:hiddenLine xmlns="" xmlns:a14="http://schemas.microsoft.com/office/drawing/2010/main" w="9525">
                   <a:solidFill>
                     <a:srgbClr val="000000"/>
                   </a:solidFill>
@@ -1690,7 +1691,7 @@
             </a:ln>
             <a:extLst>
               <a:ext uri="{91240B29-F687-4f45-9708-019B960494DF}">
-                <a14:hiddenLine xmlns:a14="http://schemas.microsoft.com/office/drawing/2010/main" xmlns="" w="9525">
+                <a14:hiddenLine xmlns="" xmlns:a14="http://schemas.microsoft.com/office/drawing/2010/main" w="9525">
                   <a:solidFill>
                     <a:srgbClr val="000000"/>
                   </a:solidFill>
@@ -1780,7 +1781,7 @@
             </a:ln>
             <a:extLst>
               <a:ext uri="{91240B29-F687-4f45-9708-019B960494DF}">
-                <a14:hiddenLine xmlns:a14="http://schemas.microsoft.com/office/drawing/2010/main" xmlns="" w="9525">
+                <a14:hiddenLine xmlns="" xmlns:a14="http://schemas.microsoft.com/office/drawing/2010/main" w="9525">
                   <a:solidFill>
                     <a:srgbClr val="000000"/>
                   </a:solidFill>
@@ -1870,7 +1871,7 @@
             </a:ln>
             <a:extLst>
               <a:ext uri="{91240B29-F687-4f45-9708-019B960494DF}">
-                <a14:hiddenLine xmlns:a14="http://schemas.microsoft.com/office/drawing/2010/main" xmlns="" w="9525">
+                <a14:hiddenLine xmlns="" xmlns:a14="http://schemas.microsoft.com/office/drawing/2010/main" w="9525">
                   <a:solidFill>
                     <a:srgbClr val="000000"/>
                   </a:solidFill>
@@ -1932,7 +1933,7 @@
             </a:ln>
             <a:extLst>
               <a:ext uri="{91240B29-F687-4f45-9708-019B960494DF}">
-                <a14:hiddenLine xmlns:a14="http://schemas.microsoft.com/office/drawing/2010/main" xmlns="" w="9525">
+                <a14:hiddenLine xmlns="" xmlns:a14="http://schemas.microsoft.com/office/drawing/2010/main" w="9525">
                   <a:solidFill>
                     <a:srgbClr val="000000"/>
                   </a:solidFill>
@@ -2022,7 +2023,7 @@
             </a:ln>
             <a:extLst>
               <a:ext uri="{91240B29-F687-4f45-9708-019B960494DF}">
-                <a14:hiddenLine xmlns:a14="http://schemas.microsoft.com/office/drawing/2010/main" xmlns="" w="9525">
+                <a14:hiddenLine xmlns="" xmlns:a14="http://schemas.microsoft.com/office/drawing/2010/main" w="9525">
                   <a:solidFill>
                     <a:srgbClr val="000000"/>
                   </a:solidFill>
@@ -2112,7 +2113,7 @@
             </a:ln>
             <a:extLst>
               <a:ext uri="{91240B29-F687-4f45-9708-019B960494DF}">
-                <a14:hiddenLine xmlns:a14="http://schemas.microsoft.com/office/drawing/2010/main" xmlns="" w="9525">
+                <a14:hiddenLine xmlns="" xmlns:a14="http://schemas.microsoft.com/office/drawing/2010/main" w="9525">
                   <a:solidFill>
                     <a:srgbClr val="000000"/>
                   </a:solidFill>
@@ -2168,7 +2169,7 @@
             </a:ln>
             <a:extLst>
               <a:ext uri="{91240B29-F687-4f45-9708-019B960494DF}">
-                <a14:hiddenLine xmlns:a14="http://schemas.microsoft.com/office/drawing/2010/main" xmlns="" w="9525">
+                <a14:hiddenLine xmlns="" xmlns:a14="http://schemas.microsoft.com/office/drawing/2010/main" w="9525">
                   <a:solidFill>
                     <a:srgbClr val="000000"/>
                   </a:solidFill>
@@ -2258,7 +2259,7 @@
             </a:ln>
             <a:extLst>
               <a:ext uri="{91240B29-F687-4f45-9708-019B960494DF}">
-                <a14:hiddenLine xmlns:a14="http://schemas.microsoft.com/office/drawing/2010/main" xmlns="" w="9525">
+                <a14:hiddenLine xmlns="" xmlns:a14="http://schemas.microsoft.com/office/drawing/2010/main" w="9525">
                   <a:solidFill>
                     <a:srgbClr val="000000"/>
                   </a:solidFill>
@@ -2314,7 +2315,7 @@
             </a:ln>
             <a:extLst>
               <a:ext uri="{91240B29-F687-4f45-9708-019B960494DF}">
-                <a14:hiddenLine xmlns:a14="http://schemas.microsoft.com/office/drawing/2010/main" xmlns="" w="9525">
+                <a14:hiddenLine xmlns="" xmlns:a14="http://schemas.microsoft.com/office/drawing/2010/main" w="9525">
                   <a:solidFill>
                     <a:srgbClr val="000000"/>
                   </a:solidFill>
@@ -2404,7 +2405,7 @@
             </a:ln>
             <a:extLst>
               <a:ext uri="{91240B29-F687-4f45-9708-019B960494DF}">
-                <a14:hiddenLine xmlns:a14="http://schemas.microsoft.com/office/drawing/2010/main" xmlns="" w="9525">
+                <a14:hiddenLine xmlns="" xmlns:a14="http://schemas.microsoft.com/office/drawing/2010/main" w="9525">
                   <a:solidFill>
                     <a:srgbClr val="000000"/>
                   </a:solidFill>
@@ -2472,7 +2473,7 @@
             </a:ln>
             <a:extLst>
               <a:ext uri="{91240B29-F687-4f45-9708-019B960494DF}">
-                <a14:hiddenLine xmlns:a14="http://schemas.microsoft.com/office/drawing/2010/main" xmlns="" w="9525">
+                <a14:hiddenLine xmlns="" xmlns:a14="http://schemas.microsoft.com/office/drawing/2010/main" w="9525">
                   <a:solidFill>
                     <a:srgbClr val="000000"/>
                   </a:solidFill>
@@ -2562,7 +2563,7 @@
             </a:ln>
             <a:extLst>
               <a:ext uri="{91240B29-F687-4f45-9708-019B960494DF}">
-                <a14:hiddenLine xmlns:a14="http://schemas.microsoft.com/office/drawing/2010/main" xmlns="" w="9525">
+                <a14:hiddenLine xmlns="" xmlns:a14="http://schemas.microsoft.com/office/drawing/2010/main" w="9525">
                   <a:solidFill>
                     <a:srgbClr val="000000"/>
                   </a:solidFill>
@@ -2630,7 +2631,7 @@
             </a:ln>
             <a:extLst>
               <a:ext uri="{91240B29-F687-4f45-9708-019B960494DF}">
-                <a14:hiddenLine xmlns:a14="http://schemas.microsoft.com/office/drawing/2010/main" xmlns="" w="9525">
+                <a14:hiddenLine xmlns="" xmlns:a14="http://schemas.microsoft.com/office/drawing/2010/main" w="9525">
                   <a:solidFill>
                     <a:srgbClr val="000000"/>
                   </a:solidFill>
@@ -2720,7 +2721,7 @@
             </a:ln>
             <a:extLst>
               <a:ext uri="{91240B29-F687-4f45-9708-019B960494DF}">
-                <a14:hiddenLine xmlns:a14="http://schemas.microsoft.com/office/drawing/2010/main" xmlns="" w="9525">
+                <a14:hiddenLine xmlns="" xmlns:a14="http://schemas.microsoft.com/office/drawing/2010/main" w="9525">
                   <a:solidFill>
                     <a:srgbClr val="000000"/>
                   </a:solidFill>
@@ -2754,7 +2755,7 @@
             </a:ln>
             <a:extLst>
               <a:ext uri="{91240B29-F687-4f45-9708-019B960494DF}">
-                <a14:hiddenLine xmlns:a14="http://schemas.microsoft.com/office/drawing/2010/main" xmlns="" w="9525">
+                <a14:hiddenLine xmlns="" xmlns:a14="http://schemas.microsoft.com/office/drawing/2010/main" w="9525">
                   <a:solidFill>
                     <a:srgbClr val="000000"/>
                   </a:solidFill>
@@ -2844,7 +2845,7 @@
             </a:ln>
             <a:extLst>
               <a:ext uri="{91240B29-F687-4f45-9708-019B960494DF}">
-                <a14:hiddenLine xmlns:a14="http://schemas.microsoft.com/office/drawing/2010/main" xmlns="" w="9525">
+                <a14:hiddenLine xmlns="" xmlns:a14="http://schemas.microsoft.com/office/drawing/2010/main" w="9525">
                   <a:solidFill>
                     <a:srgbClr val="000000"/>
                   </a:solidFill>
@@ -2906,7 +2907,7 @@
             </a:ln>
             <a:extLst>
               <a:ext uri="{91240B29-F687-4f45-9708-019B960494DF}">
-                <a14:hiddenLine xmlns:a14="http://schemas.microsoft.com/office/drawing/2010/main" xmlns="" w="9525">
+                <a14:hiddenLine xmlns="" xmlns:a14="http://schemas.microsoft.com/office/drawing/2010/main" w="9525">
                   <a:solidFill>
                     <a:srgbClr val="000000"/>
                   </a:solidFill>
@@ -2968,7 +2969,7 @@
             </a:ln>
             <a:extLst>
               <a:ext uri="{91240B29-F687-4f45-9708-019B960494DF}">
-                <a14:hiddenLine xmlns:a14="http://schemas.microsoft.com/office/drawing/2010/main" xmlns="" w="9525">
+                <a14:hiddenLine xmlns="" xmlns:a14="http://schemas.microsoft.com/office/drawing/2010/main" w="9525">
                   <a:solidFill>
                     <a:srgbClr val="000000"/>
                   </a:solidFill>
@@ -3058,7 +3059,7 @@
             </a:ln>
             <a:extLst>
               <a:ext uri="{91240B29-F687-4f45-9708-019B960494DF}">
-                <a14:hiddenLine xmlns:a14="http://schemas.microsoft.com/office/drawing/2010/main" xmlns="" w="9525">
+                <a14:hiddenLine xmlns="" xmlns:a14="http://schemas.microsoft.com/office/drawing/2010/main" w="9525">
                   <a:solidFill>
                     <a:srgbClr val="000000"/>
                   </a:solidFill>
@@ -3126,7 +3127,7 @@
             </a:ln>
             <a:extLst>
               <a:ext uri="{91240B29-F687-4f45-9708-019B960494DF}">
-                <a14:hiddenLine xmlns:a14="http://schemas.microsoft.com/office/drawing/2010/main" xmlns="" w="9525">
+                <a14:hiddenLine xmlns="" xmlns:a14="http://schemas.microsoft.com/office/drawing/2010/main" w="9525">
                   <a:solidFill>
                     <a:srgbClr val="000000"/>
                   </a:solidFill>
@@ -3188,7 +3189,7 @@
             </a:ln>
             <a:extLst>
               <a:ext uri="{91240B29-F687-4f45-9708-019B960494DF}">
-                <a14:hiddenLine xmlns:a14="http://schemas.microsoft.com/office/drawing/2010/main" xmlns="" w="9525">
+                <a14:hiddenLine xmlns="" xmlns:a14="http://schemas.microsoft.com/office/drawing/2010/main" w="9525">
                   <a:solidFill>
                     <a:srgbClr val="000000"/>
                   </a:solidFill>
@@ -3278,7 +3279,7 @@
             </a:ln>
             <a:extLst>
               <a:ext uri="{91240B29-F687-4f45-9708-019B960494DF}">
-                <a14:hiddenLine xmlns:a14="http://schemas.microsoft.com/office/drawing/2010/main" xmlns="" w="9525">
+                <a14:hiddenLine xmlns="" xmlns:a14="http://schemas.microsoft.com/office/drawing/2010/main" w="9525">
                   <a:solidFill>
                     <a:srgbClr val="000000"/>
                   </a:solidFill>
@@ -3340,7 +3341,7 @@
             </a:ln>
             <a:extLst>
               <a:ext uri="{91240B29-F687-4f45-9708-019B960494DF}">
-                <a14:hiddenLine xmlns:a14="http://schemas.microsoft.com/office/drawing/2010/main" xmlns="" w="9525">
+                <a14:hiddenLine xmlns="" xmlns:a14="http://schemas.microsoft.com/office/drawing/2010/main" w="9525">
                   <a:solidFill>
                     <a:srgbClr val="000000"/>
                   </a:solidFill>
@@ -3430,7 +3431,7 @@
             </a:ln>
             <a:extLst>
               <a:ext uri="{91240B29-F687-4f45-9708-019B960494DF}">
-                <a14:hiddenLine xmlns:a14="http://schemas.microsoft.com/office/drawing/2010/main" xmlns="" w="9525">
+                <a14:hiddenLine xmlns="" xmlns:a14="http://schemas.microsoft.com/office/drawing/2010/main" w="9525">
                   <a:solidFill>
                     <a:srgbClr val="000000"/>
                   </a:solidFill>
@@ -3492,7 +3493,7 @@
             </a:ln>
             <a:extLst>
               <a:ext uri="{91240B29-F687-4f45-9708-019B960494DF}">
-                <a14:hiddenLine xmlns:a14="http://schemas.microsoft.com/office/drawing/2010/main" xmlns="" w="9525">
+                <a14:hiddenLine xmlns="" xmlns:a14="http://schemas.microsoft.com/office/drawing/2010/main" w="9525">
                   <a:solidFill>
                     <a:srgbClr val="000000"/>
                   </a:solidFill>
@@ -3582,7 +3583,7 @@
             </a:ln>
             <a:extLst>
               <a:ext uri="{91240B29-F687-4f45-9708-019B960494DF}">
-                <a14:hiddenLine xmlns:a14="http://schemas.microsoft.com/office/drawing/2010/main" xmlns="" w="9525">
+                <a14:hiddenLine xmlns="" xmlns:a14="http://schemas.microsoft.com/office/drawing/2010/main" w="9525">
                   <a:solidFill>
                     <a:srgbClr val="000000"/>
                   </a:solidFill>
@@ -3616,7 +3617,7 @@
             </a:ln>
             <a:extLst>
               <a:ext uri="{91240B29-F687-4f45-9708-019B960494DF}">
-                <a14:hiddenLine xmlns:a14="http://schemas.microsoft.com/office/drawing/2010/main" xmlns="" w="9525">
+                <a14:hiddenLine xmlns="" xmlns:a14="http://schemas.microsoft.com/office/drawing/2010/main" w="9525">
                   <a:solidFill>
                     <a:srgbClr val="000000"/>
                   </a:solidFill>
@@ -3681,7 +3682,7 @@
             </a:ln>
             <a:extLst>
               <a:ext uri="{91240B29-F687-4f45-9708-019B960494DF}">
-                <a14:hiddenLine xmlns:a14="http://schemas.microsoft.com/office/drawing/2010/main" xmlns="" w="9525">
+                <a14:hiddenLine xmlns="" xmlns:a14="http://schemas.microsoft.com/office/drawing/2010/main" w="9525">
                   <a:solidFill>
                     <a:srgbClr val="000000"/>
                   </a:solidFill>
@@ -3771,7 +3772,7 @@
             </a:ln>
             <a:extLst>
               <a:ext uri="{91240B29-F687-4f45-9708-019B960494DF}">
-                <a14:hiddenLine xmlns:a14="http://schemas.microsoft.com/office/drawing/2010/main" xmlns="" w="9525">
+                <a14:hiddenLine xmlns="" xmlns:a14="http://schemas.microsoft.com/office/drawing/2010/main" w="9525">
                   <a:solidFill>
                     <a:srgbClr val="000000"/>
                   </a:solidFill>
@@ -3833,7 +3834,7 @@
             </a:ln>
             <a:extLst>
               <a:ext uri="{91240B29-F687-4f45-9708-019B960494DF}">
-                <a14:hiddenLine xmlns:a14="http://schemas.microsoft.com/office/drawing/2010/main" xmlns="" w="9525">
+                <a14:hiddenLine xmlns="" xmlns:a14="http://schemas.microsoft.com/office/drawing/2010/main" w="9525">
                   <a:solidFill>
                     <a:srgbClr val="000000"/>
                   </a:solidFill>
@@ -3923,7 +3924,7 @@
             </a:ln>
             <a:extLst>
               <a:ext uri="{91240B29-F687-4f45-9708-019B960494DF}">
-                <a14:hiddenLine xmlns:a14="http://schemas.microsoft.com/office/drawing/2010/main" xmlns="" w="9525">
+                <a14:hiddenLine xmlns="" xmlns:a14="http://schemas.microsoft.com/office/drawing/2010/main" w="9525">
                   <a:solidFill>
                     <a:srgbClr val="000000"/>
                   </a:solidFill>
@@ -4013,7 +4014,7 @@
             </a:ln>
             <a:extLst>
               <a:ext uri="{91240B29-F687-4f45-9708-019B960494DF}">
-                <a14:hiddenLine xmlns:a14="http://schemas.microsoft.com/office/drawing/2010/main" xmlns="" w="9525">
+                <a14:hiddenLine xmlns="" xmlns:a14="http://schemas.microsoft.com/office/drawing/2010/main" w="9525">
                   <a:solidFill>
                     <a:srgbClr val="000000"/>
                   </a:solidFill>
@@ -4078,7 +4079,7 @@
             </a:ln>
             <a:extLst>
               <a:ext uri="{91240B29-F687-4f45-9708-019B960494DF}">
-                <a14:hiddenLine xmlns:a14="http://schemas.microsoft.com/office/drawing/2010/main" xmlns="" w="9525">
+                <a14:hiddenLine xmlns="" xmlns:a14="http://schemas.microsoft.com/office/drawing/2010/main" w="9525">
                   <a:solidFill>
                     <a:srgbClr val="000000"/>
                   </a:solidFill>
@@ -4140,7 +4141,7 @@
             </a:ln>
             <a:extLst>
               <a:ext uri="{91240B29-F687-4f45-9708-019B960494DF}">
-                <a14:hiddenLine xmlns:a14="http://schemas.microsoft.com/office/drawing/2010/main" xmlns="" w="9525">
+                <a14:hiddenLine xmlns="" xmlns:a14="http://schemas.microsoft.com/office/drawing/2010/main" w="9525">
                   <a:solidFill>
                     <a:srgbClr val="000000"/>
                   </a:solidFill>
@@ -4230,7 +4231,7 @@
             </a:ln>
             <a:extLst>
               <a:ext uri="{91240B29-F687-4f45-9708-019B960494DF}">
-                <a14:hiddenLine xmlns:a14="http://schemas.microsoft.com/office/drawing/2010/main" xmlns="" w="9525">
+                <a14:hiddenLine xmlns="" xmlns:a14="http://schemas.microsoft.com/office/drawing/2010/main" w="9525">
                   <a:solidFill>
                     <a:srgbClr val="000000"/>
                   </a:solidFill>
@@ -4320,7 +4321,7 @@
             </a:ln>
             <a:extLst>
               <a:ext uri="{91240B29-F687-4f45-9708-019B960494DF}">
-                <a14:hiddenLine xmlns:a14="http://schemas.microsoft.com/office/drawing/2010/main" xmlns="" w="9525">
+                <a14:hiddenLine xmlns="" xmlns:a14="http://schemas.microsoft.com/office/drawing/2010/main" w="9525">
                   <a:solidFill>
                     <a:srgbClr val="000000"/>
                   </a:solidFill>
@@ -4382,7 +4383,7 @@
             </a:ln>
             <a:extLst>
               <a:ext uri="{91240B29-F687-4f45-9708-019B960494DF}">
-                <a14:hiddenLine xmlns:a14="http://schemas.microsoft.com/office/drawing/2010/main" xmlns="" w="9525">
+                <a14:hiddenLine xmlns="" xmlns:a14="http://schemas.microsoft.com/office/drawing/2010/main" w="9525">
                   <a:solidFill>
                     <a:srgbClr val="000000"/>
                   </a:solidFill>
@@ -4502,7 +4503,7 @@
             </a:ln>
             <a:extLst>
               <a:ext uri="{91240B29-F687-4f45-9708-019B960494DF}">
-                <a14:hiddenLine xmlns:a14="http://schemas.microsoft.com/office/drawing/2010/main" xmlns="" w="9525">
+                <a14:hiddenLine xmlns="" xmlns:a14="http://schemas.microsoft.com/office/drawing/2010/main" w="9525">
                   <a:solidFill>
                     <a:srgbClr val="000000"/>
                   </a:solidFill>
@@ -4570,7 +4571,7 @@
             </a:ln>
             <a:extLst>
               <a:ext uri="{91240B29-F687-4f45-9708-019B960494DF}">
-                <a14:hiddenLine xmlns:a14="http://schemas.microsoft.com/office/drawing/2010/main" xmlns="" w="9525">
+                <a14:hiddenLine xmlns="" xmlns:a14="http://schemas.microsoft.com/office/drawing/2010/main" w="9525">
                   <a:solidFill>
                     <a:srgbClr val="000000"/>
                   </a:solidFill>
@@ -4660,7 +4661,7 @@
             </a:ln>
             <a:extLst>
               <a:ext uri="{91240B29-F687-4f45-9708-019B960494DF}">
-                <a14:hiddenLine xmlns:a14="http://schemas.microsoft.com/office/drawing/2010/main" xmlns="" w="9525">
+                <a14:hiddenLine xmlns="" xmlns:a14="http://schemas.microsoft.com/office/drawing/2010/main" w="9525">
                   <a:solidFill>
                     <a:srgbClr val="000000"/>
                   </a:solidFill>
@@ -4800,7 +4801,7 @@
           <a:p>
             <a:fld id="{B76943AF-B946-47F7-8510-2C710F5C29B5}" type="datetimeFigureOut">
               <a:rPr lang="en-US" smtClean="0"/>
-              <a:t>2/5/2018</a:t>
+              <a:t>2/6/2018</a:t>
             </a:fld>
             <a:endParaRPr lang="en-US" dirty="0"/>
           </a:p>
@@ -5066,7 +5067,7 @@
           <a:p>
             <a:fld id="{B76943AF-B946-47F7-8510-2C710F5C29B5}" type="datetimeFigureOut">
               <a:rPr lang="en-US" smtClean="0"/>
-              <a:t>2/5/2018</a:t>
+              <a:t>2/6/2018</a:t>
             </a:fld>
             <a:endParaRPr lang="en-US" dirty="0"/>
           </a:p>
@@ -5262,7 +5263,7 @@
           <a:p>
             <a:fld id="{B76943AF-B946-47F7-8510-2C710F5C29B5}" type="datetimeFigureOut">
               <a:rPr lang="en-US" smtClean="0"/>
-              <a:t>2/5/2018</a:t>
+              <a:t>2/6/2018</a:t>
             </a:fld>
             <a:endParaRPr lang="en-US" dirty="0"/>
           </a:p>
@@ -5525,7 +5526,7 @@
           <a:p>
             <a:fld id="{B76943AF-B946-47F7-8510-2C710F5C29B5}" type="datetimeFigureOut">
               <a:rPr lang="en-US" smtClean="0"/>
-              <a:t>2/5/2018</a:t>
+              <a:t>2/6/2018</a:t>
             </a:fld>
             <a:endParaRPr lang="en-US" dirty="0"/>
           </a:p>
@@ -6004,7 +6005,7 @@
           <a:p>
             <a:fld id="{B76943AF-B946-47F7-8510-2C710F5C29B5}" type="datetimeFigureOut">
               <a:rPr lang="en-US" smtClean="0"/>
-              <a:t>2/5/2018</a:t>
+              <a:t>2/6/2018</a:t>
             </a:fld>
             <a:endParaRPr lang="en-US" dirty="0"/>
           </a:p>
@@ -6550,7 +6551,7 @@
           <a:p>
             <a:fld id="{B76943AF-B946-47F7-8510-2C710F5C29B5}" type="datetimeFigureOut">
               <a:rPr lang="en-US" smtClean="0"/>
-              <a:t>2/5/2018</a:t>
+              <a:t>2/6/2018</a:t>
             </a:fld>
             <a:endParaRPr lang="en-US" dirty="0"/>
           </a:p>
@@ -7267,7 +7268,7 @@
           <a:p>
             <a:fld id="{B76943AF-B946-47F7-8510-2C710F5C29B5}" type="datetimeFigureOut">
               <a:rPr lang="en-US" smtClean="0"/>
-              <a:t>2/5/2018</a:t>
+              <a:t>2/6/2018</a:t>
             </a:fld>
             <a:endParaRPr lang="en-US" dirty="0"/>
           </a:p>
@@ -7437,7 +7438,7 @@
           <a:p>
             <a:fld id="{B76943AF-B946-47F7-8510-2C710F5C29B5}" type="datetimeFigureOut">
               <a:rPr lang="en-US" smtClean="0"/>
-              <a:t>2/5/2018</a:t>
+              <a:t>2/6/2018</a:t>
             </a:fld>
             <a:endParaRPr lang="en-US" dirty="0"/>
           </a:p>
@@ -7617,7 +7618,7 @@
           <a:p>
             <a:fld id="{B76943AF-B946-47F7-8510-2C710F5C29B5}" type="datetimeFigureOut">
               <a:rPr lang="en-US" smtClean="0"/>
-              <a:t>2/5/2018</a:t>
+              <a:t>2/6/2018</a:t>
             </a:fld>
             <a:endParaRPr lang="en-US" dirty="0"/>
           </a:p>
@@ -7787,7 +7788,7 @@
           <a:p>
             <a:fld id="{B76943AF-B946-47F7-8510-2C710F5C29B5}" type="datetimeFigureOut">
               <a:rPr lang="en-US" smtClean="0"/>
-              <a:t>2/5/2018</a:t>
+              <a:t>2/6/2018</a:t>
             </a:fld>
             <a:endParaRPr lang="en-US" dirty="0"/>
           </a:p>
@@ -8082,7 +8083,7 @@
           <a:p>
             <a:fld id="{B76943AF-B946-47F7-8510-2C710F5C29B5}" type="datetimeFigureOut">
               <a:rPr lang="en-US" smtClean="0"/>
-              <a:t>2/5/2018</a:t>
+              <a:t>2/6/2018</a:t>
             </a:fld>
             <a:endParaRPr lang="en-US" dirty="0"/>
           </a:p>
@@ -8314,7 +8315,7 @@
           <a:p>
             <a:fld id="{B76943AF-B946-47F7-8510-2C710F5C29B5}" type="datetimeFigureOut">
               <a:rPr lang="en-US" smtClean="0"/>
-              <a:t>2/5/2018</a:t>
+              <a:t>2/6/2018</a:t>
             </a:fld>
             <a:endParaRPr lang="en-US" dirty="0"/>
           </a:p>
@@ -8695,7 +8696,7 @@
           <a:p>
             <a:fld id="{B76943AF-B946-47F7-8510-2C710F5C29B5}" type="datetimeFigureOut">
               <a:rPr lang="en-US" smtClean="0"/>
-              <a:t>2/5/2018</a:t>
+              <a:t>2/6/2018</a:t>
             </a:fld>
             <a:endParaRPr lang="en-US" dirty="0"/>
           </a:p>
@@ -8813,7 +8814,7 @@
           <a:p>
             <a:fld id="{B76943AF-B946-47F7-8510-2C710F5C29B5}" type="datetimeFigureOut">
               <a:rPr lang="en-US" smtClean="0"/>
-              <a:t>2/5/2018</a:t>
+              <a:t>2/6/2018</a:t>
             </a:fld>
             <a:endParaRPr lang="en-US" dirty="0"/>
           </a:p>
@@ -8908,7 +8909,7 @@
           <a:p>
             <a:fld id="{B76943AF-B946-47F7-8510-2C710F5C29B5}" type="datetimeFigureOut">
               <a:rPr lang="en-US" smtClean="0"/>
-              <a:t>2/5/2018</a:t>
+              <a:t>2/6/2018</a:t>
             </a:fld>
             <a:endParaRPr lang="en-US" dirty="0"/>
           </a:p>
@@ -9157,7 +9158,7 @@
           <a:p>
             <a:fld id="{B76943AF-B946-47F7-8510-2C710F5C29B5}" type="datetimeFigureOut">
               <a:rPr lang="en-US" smtClean="0"/>
-              <a:t>2/5/2018</a:t>
+              <a:t>2/6/2018</a:t>
             </a:fld>
             <a:endParaRPr lang="en-US" dirty="0"/>
           </a:p>
@@ -9436,7 +9437,7 @@
           <a:p>
             <a:fld id="{B76943AF-B946-47F7-8510-2C710F5C29B5}" type="datetimeFigureOut">
               <a:rPr lang="en-US" smtClean="0"/>
-              <a:t>2/5/2018</a:t>
+              <a:t>2/6/2018</a:t>
             </a:fld>
             <a:endParaRPr lang="en-US" dirty="0"/>
           </a:p>
@@ -9595,7 +9596,7 @@
               </a:ln>
               <a:extLst>
                 <a:ext uri="{91240B29-F687-4f45-9708-019B960494DF}">
-                  <a14:hiddenLine xmlns:a14="http://schemas.microsoft.com/office/drawing/2010/main" xmlns="" w="9525">
+                  <a14:hiddenLine xmlns="" xmlns:a14="http://schemas.microsoft.com/office/drawing/2010/main" w="9525">
                     <a:solidFill>
                       <a:srgbClr val="000000"/>
                     </a:solidFill>
@@ -9685,7 +9686,7 @@
               </a:ln>
               <a:extLst>
                 <a:ext uri="{91240B29-F687-4f45-9708-019B960494DF}">
-                  <a14:hiddenLine xmlns:a14="http://schemas.microsoft.com/office/drawing/2010/main" xmlns="" w="9525">
+                  <a14:hiddenLine xmlns="" xmlns:a14="http://schemas.microsoft.com/office/drawing/2010/main" w="9525">
                     <a:solidFill>
                       <a:srgbClr val="000000"/>
                     </a:solidFill>
@@ -9775,7 +9776,7 @@
               </a:ln>
               <a:extLst>
                 <a:ext uri="{91240B29-F687-4f45-9708-019B960494DF}">
-                  <a14:hiddenLine xmlns:a14="http://schemas.microsoft.com/office/drawing/2010/main" xmlns="" w="9525">
+                  <a14:hiddenLine xmlns="" xmlns:a14="http://schemas.microsoft.com/office/drawing/2010/main" w="9525">
                     <a:solidFill>
                       <a:srgbClr val="000000"/>
                     </a:solidFill>
@@ -9837,7 +9838,7 @@
               </a:ln>
               <a:extLst>
                 <a:ext uri="{91240B29-F687-4f45-9708-019B960494DF}">
-                  <a14:hiddenLine xmlns:a14="http://schemas.microsoft.com/office/drawing/2010/main" xmlns="" w="9525">
+                  <a14:hiddenLine xmlns="" xmlns:a14="http://schemas.microsoft.com/office/drawing/2010/main" w="9525">
                     <a:solidFill>
                       <a:srgbClr val="000000"/>
                     </a:solidFill>
@@ -9927,7 +9928,7 @@
               </a:ln>
               <a:extLst>
                 <a:ext uri="{91240B29-F687-4f45-9708-019B960494DF}">
-                  <a14:hiddenLine xmlns:a14="http://schemas.microsoft.com/office/drawing/2010/main" xmlns="" w="9525">
+                  <a14:hiddenLine xmlns="" xmlns:a14="http://schemas.microsoft.com/office/drawing/2010/main" w="9525">
                     <a:solidFill>
                       <a:srgbClr val="000000"/>
                     </a:solidFill>
@@ -9989,7 +9990,7 @@
               </a:ln>
               <a:extLst>
                 <a:ext uri="{91240B29-F687-4f45-9708-019B960494DF}">
-                  <a14:hiddenLine xmlns:a14="http://schemas.microsoft.com/office/drawing/2010/main" xmlns="" w="9525">
+                  <a14:hiddenLine xmlns="" xmlns:a14="http://schemas.microsoft.com/office/drawing/2010/main" w="9525">
                     <a:solidFill>
                       <a:srgbClr val="000000"/>
                     </a:solidFill>
@@ -10051,7 +10052,7 @@
               </a:ln>
               <a:extLst>
                 <a:ext uri="{91240B29-F687-4f45-9708-019B960494DF}">
-                  <a14:hiddenLine xmlns:a14="http://schemas.microsoft.com/office/drawing/2010/main" xmlns="" w="9525">
+                  <a14:hiddenLine xmlns="" xmlns:a14="http://schemas.microsoft.com/office/drawing/2010/main" w="9525">
                     <a:solidFill>
                       <a:srgbClr val="000000"/>
                     </a:solidFill>
@@ -10141,7 +10142,7 @@
               </a:ln>
               <a:extLst>
                 <a:ext uri="{91240B29-F687-4f45-9708-019B960494DF}">
-                  <a14:hiddenLine xmlns:a14="http://schemas.microsoft.com/office/drawing/2010/main" xmlns="" w="9525">
+                  <a14:hiddenLine xmlns="" xmlns:a14="http://schemas.microsoft.com/office/drawing/2010/main" w="9525">
                     <a:solidFill>
                       <a:srgbClr val="000000"/>
                     </a:solidFill>
@@ -10231,7 +10232,7 @@
               </a:ln>
               <a:extLst>
                 <a:ext uri="{91240B29-F687-4f45-9708-019B960494DF}">
-                  <a14:hiddenLine xmlns:a14="http://schemas.microsoft.com/office/drawing/2010/main" xmlns="" w="9525">
+                  <a14:hiddenLine xmlns="" xmlns:a14="http://schemas.microsoft.com/office/drawing/2010/main" w="9525">
                     <a:solidFill>
                       <a:srgbClr val="000000"/>
                     </a:solidFill>
@@ -10293,7 +10294,7 @@
               </a:ln>
               <a:extLst>
                 <a:ext uri="{91240B29-F687-4f45-9708-019B960494DF}">
-                  <a14:hiddenLine xmlns:a14="http://schemas.microsoft.com/office/drawing/2010/main" xmlns="" w="9525">
+                  <a14:hiddenLine xmlns="" xmlns:a14="http://schemas.microsoft.com/office/drawing/2010/main" w="9525">
                     <a:solidFill>
                       <a:srgbClr val="000000"/>
                     </a:solidFill>
@@ -10403,7 +10404,7 @@
               </a:ln>
               <a:extLst>
                 <a:ext uri="{91240B29-F687-4f45-9708-019B960494DF}">
-                  <a14:hiddenLine xmlns:a14="http://schemas.microsoft.com/office/drawing/2010/main" xmlns="" w="9525">
+                  <a14:hiddenLine xmlns="" xmlns:a14="http://schemas.microsoft.com/office/drawing/2010/main" w="9525">
                     <a:solidFill>
                       <a:srgbClr val="000000"/>
                     </a:solidFill>
@@ -10487,7 +10488,7 @@
               </a:ln>
               <a:extLst>
                 <a:ext uri="{91240B29-F687-4f45-9708-019B960494DF}">
-                  <a14:hiddenLine xmlns:a14="http://schemas.microsoft.com/office/drawing/2010/main" xmlns="" w="9525">
+                  <a14:hiddenLine xmlns="" xmlns:a14="http://schemas.microsoft.com/office/drawing/2010/main" w="9525">
                     <a:solidFill>
                       <a:srgbClr val="000000"/>
                     </a:solidFill>
@@ -10549,7 +10550,7 @@
               </a:ln>
               <a:extLst>
                 <a:ext uri="{91240B29-F687-4f45-9708-019B960494DF}">
-                  <a14:hiddenLine xmlns:a14="http://schemas.microsoft.com/office/drawing/2010/main" xmlns="" w="9525">
+                  <a14:hiddenLine xmlns="" xmlns:a14="http://schemas.microsoft.com/office/drawing/2010/main" w="9525">
                     <a:solidFill>
                       <a:srgbClr val="000000"/>
                     </a:solidFill>
@@ -10611,7 +10612,7 @@
               </a:ln>
               <a:extLst>
                 <a:ext uri="{91240B29-F687-4f45-9708-019B960494DF}">
-                  <a14:hiddenLine xmlns:a14="http://schemas.microsoft.com/office/drawing/2010/main" xmlns="" w="9525">
+                  <a14:hiddenLine xmlns="" xmlns:a14="http://schemas.microsoft.com/office/drawing/2010/main" w="9525">
                     <a:solidFill>
                       <a:srgbClr val="000000"/>
                     </a:solidFill>
@@ -10701,7 +10702,7 @@
               </a:ln>
               <a:extLst>
                 <a:ext uri="{91240B29-F687-4f45-9708-019B960494DF}">
-                  <a14:hiddenLine xmlns:a14="http://schemas.microsoft.com/office/drawing/2010/main" xmlns="" w="9525">
+                  <a14:hiddenLine xmlns="" xmlns:a14="http://schemas.microsoft.com/office/drawing/2010/main" w="9525">
                     <a:solidFill>
                       <a:srgbClr val="000000"/>
                     </a:solidFill>
@@ -10735,7 +10736,7 @@
               </a:ln>
               <a:extLst>
                 <a:ext uri="{91240B29-F687-4f45-9708-019B960494DF}">
-                  <a14:hiddenLine xmlns:a14="http://schemas.microsoft.com/office/drawing/2010/main" xmlns="" w="9525">
+                  <a14:hiddenLine xmlns="" xmlns:a14="http://schemas.microsoft.com/office/drawing/2010/main" w="9525">
                     <a:solidFill>
                       <a:srgbClr val="000000"/>
                     </a:solidFill>
@@ -10800,7 +10801,7 @@
               </a:ln>
               <a:extLst>
                 <a:ext uri="{91240B29-F687-4f45-9708-019B960494DF}">
-                  <a14:hiddenLine xmlns:a14="http://schemas.microsoft.com/office/drawing/2010/main" xmlns="" w="9525">
+                  <a14:hiddenLine xmlns="" xmlns:a14="http://schemas.microsoft.com/office/drawing/2010/main" w="9525">
                     <a:solidFill>
                       <a:srgbClr val="000000"/>
                     </a:solidFill>
@@ -10890,7 +10891,7 @@
               </a:ln>
               <a:extLst>
                 <a:ext uri="{91240B29-F687-4f45-9708-019B960494DF}">
-                  <a14:hiddenLine xmlns:a14="http://schemas.microsoft.com/office/drawing/2010/main" xmlns="" w="9525">
+                  <a14:hiddenLine xmlns="" xmlns:a14="http://schemas.microsoft.com/office/drawing/2010/main" w="9525">
                     <a:solidFill>
                       <a:srgbClr val="000000"/>
                     </a:solidFill>
@@ -10952,7 +10953,7 @@
               </a:ln>
               <a:extLst>
                 <a:ext uri="{91240B29-F687-4f45-9708-019B960494DF}">
-                  <a14:hiddenLine xmlns:a14="http://schemas.microsoft.com/office/drawing/2010/main" xmlns="" w="9525">
+                  <a14:hiddenLine xmlns="" xmlns:a14="http://schemas.microsoft.com/office/drawing/2010/main" w="9525">
                     <a:solidFill>
                       <a:srgbClr val="000000"/>
                     </a:solidFill>
@@ -11042,7 +11043,7 @@
               </a:ln>
               <a:extLst>
                 <a:ext uri="{91240B29-F687-4f45-9708-019B960494DF}">
-                  <a14:hiddenLine xmlns:a14="http://schemas.microsoft.com/office/drawing/2010/main" xmlns="" w="9525">
+                  <a14:hiddenLine xmlns="" xmlns:a14="http://schemas.microsoft.com/office/drawing/2010/main" w="9525">
                     <a:solidFill>
                       <a:srgbClr val="000000"/>
                     </a:solidFill>
@@ -11107,7 +11108,7 @@
               </a:ln>
               <a:extLst>
                 <a:ext uri="{91240B29-F687-4f45-9708-019B960494DF}">
-                  <a14:hiddenLine xmlns:a14="http://schemas.microsoft.com/office/drawing/2010/main" xmlns="" w="9525">
+                  <a14:hiddenLine xmlns="" xmlns:a14="http://schemas.microsoft.com/office/drawing/2010/main" w="9525">
                     <a:solidFill>
                       <a:srgbClr val="000000"/>
                     </a:solidFill>
@@ -11169,7 +11170,7 @@
               </a:ln>
               <a:extLst>
                 <a:ext uri="{91240B29-F687-4f45-9708-019B960494DF}">
-                  <a14:hiddenLine xmlns:a14="http://schemas.microsoft.com/office/drawing/2010/main" xmlns="" w="9525">
+                  <a14:hiddenLine xmlns="" xmlns:a14="http://schemas.microsoft.com/office/drawing/2010/main" w="9525">
                     <a:solidFill>
                       <a:srgbClr val="000000"/>
                     </a:solidFill>
@@ -11259,7 +11260,7 @@
               </a:ln>
               <a:extLst>
                 <a:ext uri="{91240B29-F687-4f45-9708-019B960494DF}">
-                  <a14:hiddenLine xmlns:a14="http://schemas.microsoft.com/office/drawing/2010/main" xmlns="" w="9525">
+                  <a14:hiddenLine xmlns="" xmlns:a14="http://schemas.microsoft.com/office/drawing/2010/main" w="9525">
                     <a:solidFill>
                       <a:srgbClr val="000000"/>
                     </a:solidFill>
@@ -11349,7 +11350,7 @@
               </a:ln>
               <a:extLst>
                 <a:ext uri="{91240B29-F687-4f45-9708-019B960494DF}">
-                  <a14:hiddenLine xmlns:a14="http://schemas.microsoft.com/office/drawing/2010/main" xmlns="" w="9525">
+                  <a14:hiddenLine xmlns="" xmlns:a14="http://schemas.microsoft.com/office/drawing/2010/main" w="9525">
                     <a:solidFill>
                       <a:srgbClr val="000000"/>
                     </a:solidFill>
@@ -11414,7 +11415,7 @@
               </a:ln>
               <a:extLst>
                 <a:ext uri="{91240B29-F687-4f45-9708-019B960494DF}">
-                  <a14:hiddenLine xmlns:a14="http://schemas.microsoft.com/office/drawing/2010/main" xmlns="" w="9525">
+                  <a14:hiddenLine xmlns="" xmlns:a14="http://schemas.microsoft.com/office/drawing/2010/main" w="9525">
                     <a:solidFill>
                       <a:srgbClr val="000000"/>
                     </a:solidFill>
@@ -11534,7 +11535,7 @@
               </a:ln>
               <a:extLst>
                 <a:ext uri="{91240B29-F687-4f45-9708-019B960494DF}">
-                  <a14:hiddenLine xmlns:a14="http://schemas.microsoft.com/office/drawing/2010/main" xmlns="" w="9525">
+                  <a14:hiddenLine xmlns="" xmlns:a14="http://schemas.microsoft.com/office/drawing/2010/main" w="9525">
                     <a:solidFill>
                       <a:srgbClr val="000000"/>
                     </a:solidFill>
@@ -11632,7 +11633,7 @@
               </a:ln>
               <a:extLst>
                 <a:ext uri="{91240B29-F687-4f45-9708-019B960494DF}">
-                  <a14:hiddenLine xmlns:a14="http://schemas.microsoft.com/office/drawing/2010/main" xmlns="" w="9525">
+                  <a14:hiddenLine xmlns="" xmlns:a14="http://schemas.microsoft.com/office/drawing/2010/main" w="9525">
                     <a:solidFill>
                       <a:srgbClr val="000000"/>
                     </a:solidFill>
@@ -11747,7 +11748,7 @@
               </a:ln>
               <a:extLst>
                 <a:ext uri="{91240B29-F687-4f45-9708-019B960494DF}">
-                  <a14:hiddenLine xmlns:a14="http://schemas.microsoft.com/office/drawing/2010/main" xmlns="" w="9525">
+                  <a14:hiddenLine xmlns="" xmlns:a14="http://schemas.microsoft.com/office/drawing/2010/main" w="9525">
                     <a:solidFill>
                       <a:srgbClr val="000000"/>
                     </a:solidFill>
@@ -11837,7 +11838,7 @@
               </a:ln>
               <a:extLst>
                 <a:ext uri="{91240B29-F687-4f45-9708-019B960494DF}">
-                  <a14:hiddenLine xmlns:a14="http://schemas.microsoft.com/office/drawing/2010/main" xmlns="" w="9525">
+                  <a14:hiddenLine xmlns="" xmlns:a14="http://schemas.microsoft.com/office/drawing/2010/main" w="9525">
                     <a:solidFill>
                       <a:srgbClr val="000000"/>
                     </a:solidFill>
@@ -11902,7 +11903,7 @@
               </a:ln>
               <a:extLst>
                 <a:ext uri="{91240B29-F687-4f45-9708-019B960494DF}">
-                  <a14:hiddenLine xmlns:a14="http://schemas.microsoft.com/office/drawing/2010/main" xmlns="" w="9525">
+                  <a14:hiddenLine xmlns="" xmlns:a14="http://schemas.microsoft.com/office/drawing/2010/main" w="9525">
                     <a:solidFill>
                       <a:srgbClr val="000000"/>
                     </a:solidFill>
@@ -11992,7 +11993,7 @@
               </a:ln>
               <a:extLst>
                 <a:ext uri="{91240B29-F687-4f45-9708-019B960494DF}">
-                  <a14:hiddenLine xmlns:a14="http://schemas.microsoft.com/office/drawing/2010/main" xmlns="" w="9525">
+                  <a14:hiddenLine xmlns="" xmlns:a14="http://schemas.microsoft.com/office/drawing/2010/main" w="9525">
                     <a:solidFill>
                       <a:srgbClr val="000000"/>
                     </a:solidFill>
@@ -12060,7 +12061,7 @@
               </a:ln>
               <a:extLst>
                 <a:ext uri="{91240B29-F687-4f45-9708-019B960494DF}">
-                  <a14:hiddenLine xmlns:a14="http://schemas.microsoft.com/office/drawing/2010/main" xmlns="" w="9525">
+                  <a14:hiddenLine xmlns="" xmlns:a14="http://schemas.microsoft.com/office/drawing/2010/main" w="9525">
                     <a:solidFill>
                       <a:srgbClr val="000000"/>
                     </a:solidFill>
@@ -12150,7 +12151,7 @@
               </a:ln>
               <a:extLst>
                 <a:ext uri="{91240B29-F687-4f45-9708-019B960494DF}">
-                  <a14:hiddenLine xmlns:a14="http://schemas.microsoft.com/office/drawing/2010/main" xmlns="" w="9525">
+                  <a14:hiddenLine xmlns="" xmlns:a14="http://schemas.microsoft.com/office/drawing/2010/main" w="9525">
                     <a:solidFill>
                       <a:srgbClr val="000000"/>
                     </a:solidFill>
@@ -12218,7 +12219,7 @@
               </a:ln>
               <a:extLst>
                 <a:ext uri="{91240B29-F687-4f45-9708-019B960494DF}">
-                  <a14:hiddenLine xmlns:a14="http://schemas.microsoft.com/office/drawing/2010/main" xmlns="" w="9525">
+                  <a14:hiddenLine xmlns="" xmlns:a14="http://schemas.microsoft.com/office/drawing/2010/main" w="9525">
                     <a:solidFill>
                       <a:srgbClr val="000000"/>
                     </a:solidFill>
@@ -12308,7 +12309,7 @@
               </a:ln>
               <a:extLst>
                 <a:ext uri="{91240B29-F687-4f45-9708-019B960494DF}">
-                  <a14:hiddenLine xmlns:a14="http://schemas.microsoft.com/office/drawing/2010/main" xmlns="" w="9525">
+                  <a14:hiddenLine xmlns="" xmlns:a14="http://schemas.microsoft.com/office/drawing/2010/main" w="9525">
                     <a:solidFill>
                       <a:srgbClr val="000000"/>
                     </a:solidFill>
@@ -12342,7 +12343,7 @@
               </a:ln>
               <a:extLst>
                 <a:ext uri="{91240B29-F687-4f45-9708-019B960494DF}">
-                  <a14:hiddenLine xmlns:a14="http://schemas.microsoft.com/office/drawing/2010/main" xmlns="" w="9525">
+                  <a14:hiddenLine xmlns="" xmlns:a14="http://schemas.microsoft.com/office/drawing/2010/main" w="9525">
                     <a:solidFill>
                       <a:srgbClr val="000000"/>
                     </a:solidFill>
@@ -12482,7 +12483,7 @@
           <a:p>
             <a:fld id="{B76943AF-B946-47F7-8510-2C710F5C29B5}" type="datetimeFigureOut">
               <a:rPr lang="en-US" smtClean="0"/>
-              <a:t>2/5/2018</a:t>
+              <a:t>2/6/2018</a:t>
             </a:fld>
             <a:endParaRPr lang="en-US" dirty="0"/>
           </a:p>
@@ -13099,7 +13100,7 @@
           <a:p>
             <a:r>
               <a:rPr lang="pl-PL" dirty="0"/>
-              <a:t>BLOCKCHAIN - THE CONCEPT</a:t>
+              <a:t>INTERNET - THE CONCEPT</a:t>
             </a:r>
           </a:p>
         </p:txBody>
@@ -13125,13 +13126,12 @@
           <a:bodyPr/>
           <a:lstStyle/>
           <a:p>
-            <a:r>
-              <a:rPr lang="pl-PL" dirty="0"/>
-              <a:t>Database </a:t>
-            </a:r>
+            <a:pPr marL="0" indent="0">
+              <a:buNone/>
+            </a:pPr>
             <a:r>
               <a:rPr lang="pl-PL" dirty="0" err="1"/>
-              <a:t>without</a:t>
+              <a:t>Let’s</a:t>
             </a:r>
             <a:r>
               <a:rPr lang="pl-PL" dirty="0"/>
@@ -13139,7 +13139,7 @@
             </a:r>
             <a:r>
               <a:rPr lang="pl-PL" dirty="0" err="1"/>
-              <a:t>an</a:t>
+              <a:t>connect</a:t>
             </a:r>
             <a:r>
               <a:rPr lang="pl-PL" dirty="0"/>
@@ -13147,24 +13147,28 @@
             </a:r>
             <a:r>
               <a:rPr lang="pl-PL" dirty="0" err="1"/>
-              <a:t>owner</a:t>
-            </a:r>
-            <a:endParaRPr lang="pl-PL" dirty="0"/>
-          </a:p>
-          <a:p>
+              <a:t>our</a:t>
+            </a:r>
             <a:r>
               <a:rPr lang="pl-PL" dirty="0"/>
-              <a:t>I</a:t>
-            </a:r>
-            <a:r>
-              <a:rPr lang="en-US" dirty="0" err="1"/>
-              <a:t>rreversible</a:t>
-            </a:r>
-            <a:r>
-              <a:rPr lang="en-US" dirty="0"/>
-              <a:t> public record that's replicated across multiple computers all over the world</a:t>
-            </a:r>
-            <a:endParaRPr lang="pl-PL" dirty="0"/>
+              <a:t> </a:t>
+            </a:r>
+            <a:r>
+              <a:rPr lang="pl-PL" dirty="0" err="1"/>
+              <a:t>computers</a:t>
+            </a:r>
+            <a:r>
+              <a:rPr lang="pl-PL" dirty="0"/>
+              <a:t> </a:t>
+            </a:r>
+            <a:r>
+              <a:rPr lang="pl-PL" dirty="0" err="1"/>
+              <a:t>into</a:t>
+            </a:r>
+            <a:r>
+              <a:rPr lang="pl-PL" dirty="0"/>
+              <a:t> a network</a:t>
+            </a:r>
           </a:p>
         </p:txBody>
       </p:sp>
@@ -13172,6 +13176,400 @@
     <p:extLst>
       <p:ext uri="{BB962C8B-B14F-4D97-AF65-F5344CB8AC3E}">
         <p14:creationId xmlns:p14="http://schemas.microsoft.com/office/powerpoint/2010/main" val="1388643958"/>
+      </p:ext>
+    </p:extLst>
+  </p:cSld>
+  <p:clrMapOvr>
+    <a:masterClrMapping/>
+  </p:clrMapOvr>
+  <mc:AlternateContent xmlns:mc="http://schemas.openxmlformats.org/markup-compatibility/2006" xmlns:p14="http://schemas.microsoft.com/office/powerpoint/2010/main">
+    <mc:Choice Requires="p14">
+      <p:transition spd="slow" p14:dur="1200">
+        <p:dissolve/>
+      </p:transition>
+    </mc:Choice>
+    <mc:Fallback xmlns="">
+      <p:transition spd="slow">
+        <p:dissolve/>
+      </p:transition>
+    </mc:Fallback>
+  </mc:AlternateContent>
+  <p:timing>
+    <p:tnLst>
+      <p:par>
+        <p:cTn id="1" dur="indefinite" restart="never" nodeType="tmRoot">
+          <p:childTnLst>
+            <p:seq concurrent="1" nextAc="seek">
+              <p:cTn id="2" dur="indefinite" nodeType="mainSeq">
+                <p:childTnLst>
+                  <p:par>
+                    <p:cTn id="3" fill="hold">
+                      <p:stCondLst>
+                        <p:cond delay="indefinite"/>
+                      </p:stCondLst>
+                      <p:childTnLst>
+                        <p:par>
+                          <p:cTn id="4" fill="hold">
+                            <p:stCondLst>
+                              <p:cond delay="0"/>
+                            </p:stCondLst>
+                            <p:childTnLst>
+                              <p:par>
+                                <p:cTn id="5" presetID="1" presetClass="entr" presetSubtype="0" fill="hold" grpId="0" nodeType="clickEffect">
+                                  <p:stCondLst>
+                                    <p:cond delay="0"/>
+                                  </p:stCondLst>
+                                  <p:childTnLst>
+                                    <p:set>
+                                      <p:cBhvr>
+                                        <p:cTn id="6" dur="1" fill="hold">
+                                          <p:stCondLst>
+                                            <p:cond delay="0"/>
+                                          </p:stCondLst>
+                                        </p:cTn>
+                                        <p:tgtEl>
+                                          <p:spTgt spid="3">
+                                            <p:txEl>
+                                              <p:pRg st="0" end="0"/>
+                                            </p:txEl>
+                                          </p:spTgt>
+                                        </p:tgtEl>
+                                        <p:attrNameLst>
+                                          <p:attrName>style.visibility</p:attrName>
+                                        </p:attrNameLst>
+                                      </p:cBhvr>
+                                      <p:to>
+                                        <p:strVal val="visible"/>
+                                      </p:to>
+                                    </p:set>
+                                  </p:childTnLst>
+                                </p:cTn>
+                              </p:par>
+                            </p:childTnLst>
+                          </p:cTn>
+                        </p:par>
+                      </p:childTnLst>
+                    </p:cTn>
+                  </p:par>
+                </p:childTnLst>
+              </p:cTn>
+              <p:prevCondLst>
+                <p:cond evt="onPrev" delay="0">
+                  <p:tgtEl>
+                    <p:sldTgt/>
+                  </p:tgtEl>
+                </p:cond>
+              </p:prevCondLst>
+              <p:nextCondLst>
+                <p:cond evt="onNext" delay="0">
+                  <p:tgtEl>
+                    <p:sldTgt/>
+                  </p:tgtEl>
+                </p:cond>
+              </p:nextCondLst>
+            </p:seq>
+          </p:childTnLst>
+        </p:cTn>
+      </p:par>
+    </p:tnLst>
+    <p:bldLst>
+      <p:bldP spid="3" grpId="0" build="p"/>
+    </p:bldLst>
+  </p:timing>
+</p:sld>
+</file>
+
+<file path=ppt/slides/slide3.xml><?xml version="1.0" encoding="utf-8"?>
+<p:sld xmlns:a="http://schemas.openxmlformats.org/drawingml/2006/main" xmlns:r="http://schemas.openxmlformats.org/officeDocument/2006/relationships" xmlns:p="http://schemas.openxmlformats.org/presentationml/2006/main">
+  <p:cSld>
+    <p:spTree>
+      <p:nvGrpSpPr>
+        <p:cNvPr id="1" name=""/>
+        <p:cNvGrpSpPr/>
+        <p:nvPr/>
+      </p:nvGrpSpPr>
+      <p:grpSpPr>
+        <a:xfrm>
+          <a:off x="0" y="0"/>
+          <a:ext cx="0" cy="0"/>
+          <a:chOff x="0" y="0"/>
+          <a:chExt cx="0" cy="0"/>
+        </a:xfrm>
+      </p:grpSpPr>
+      <p:sp>
+        <p:nvSpPr>
+          <p:cNvPr id="2" name="Title 1">
+            <a:extLst>
+              <a:ext uri="{FF2B5EF4-FFF2-40B4-BE49-F238E27FC236}">
+                <a16:creationId xmlns:a16="http://schemas.microsoft.com/office/drawing/2014/main" id="{957D937C-03C6-41D3-B145-3F2606307180}"/>
+              </a:ext>
+            </a:extLst>
+          </p:cNvPr>
+          <p:cNvSpPr>
+            <a:spLocks noGrp="1"/>
+          </p:cNvSpPr>
+          <p:nvPr>
+            <p:ph type="title"/>
+          </p:nvPr>
+        </p:nvSpPr>
+        <p:spPr/>
+        <p:txBody>
+          <a:bodyPr/>
+          <a:lstStyle/>
+          <a:p>
+            <a:r>
+              <a:rPr lang="pl-PL" dirty="0"/>
+              <a:t>INTERNET - THE CONSEQUENCES</a:t>
+            </a:r>
+          </a:p>
+        </p:txBody>
+      </p:sp>
+      <p:sp>
+        <p:nvSpPr>
+          <p:cNvPr id="7" name="Content Placeholder 6">
+            <a:extLst>
+              <a:ext uri="{FF2B5EF4-FFF2-40B4-BE49-F238E27FC236}">
+                <a16:creationId xmlns:a16="http://schemas.microsoft.com/office/drawing/2014/main" id="{EFC22AE0-D0CF-4E47-856D-EF84999BB739}"/>
+              </a:ext>
+            </a:extLst>
+          </p:cNvPr>
+          <p:cNvSpPr>
+            <a:spLocks noGrp="1"/>
+          </p:cNvSpPr>
+          <p:nvPr>
+            <p:ph idx="1"/>
+          </p:nvPr>
+        </p:nvSpPr>
+        <p:spPr/>
+        <p:txBody>
+          <a:bodyPr/>
+          <a:lstStyle/>
+          <a:p>
+            <a:pPr marL="0" indent="0">
+              <a:buNone/>
+            </a:pPr>
+            <a:r>
+              <a:rPr lang="pl-PL" dirty="0"/>
+              <a:t>How would you explain the concept of the Internet in 1995?</a:t>
+            </a:r>
+            <a:endParaRPr lang="en-GB" dirty="0"/>
+          </a:p>
+        </p:txBody>
+      </p:sp>
+    </p:spTree>
+    <p:extLst>
+      <p:ext uri="{BB962C8B-B14F-4D97-AF65-F5344CB8AC3E}">
+        <p14:creationId xmlns:p14="http://schemas.microsoft.com/office/powerpoint/2010/main" val="1444357456"/>
+      </p:ext>
+    </p:extLst>
+  </p:cSld>
+  <p:clrMapOvr>
+    <a:masterClrMapping/>
+  </p:clrMapOvr>
+  <mc:AlternateContent xmlns:mc="http://schemas.openxmlformats.org/markup-compatibility/2006" xmlns:p14="http://schemas.microsoft.com/office/powerpoint/2010/main">
+    <mc:Choice Requires="p14">
+      <p:transition spd="slow" p14:dur="1200">
+        <p:dissolve/>
+      </p:transition>
+    </mc:Choice>
+    <mc:Fallback xmlns="">
+      <p:transition spd="slow">
+        <p:dissolve/>
+      </p:transition>
+    </mc:Fallback>
+  </mc:AlternateContent>
+</p:sld>
+</file>
+
+<file path=ppt/slides/slide4.xml><?xml version="1.0" encoding="utf-8"?>
+<p:sld xmlns:a="http://schemas.openxmlformats.org/drawingml/2006/main" xmlns:r="http://schemas.openxmlformats.org/officeDocument/2006/relationships" xmlns:p="http://schemas.openxmlformats.org/presentationml/2006/main">
+  <p:cSld>
+    <p:spTree>
+      <p:nvGrpSpPr>
+        <p:cNvPr id="1" name=""/>
+        <p:cNvGrpSpPr/>
+        <p:nvPr/>
+      </p:nvGrpSpPr>
+      <p:grpSpPr>
+        <a:xfrm>
+          <a:off x="0" y="0"/>
+          <a:ext cx="0" cy="0"/>
+          <a:chOff x="0" y="0"/>
+          <a:chExt cx="0" cy="0"/>
+        </a:xfrm>
+      </p:grpSpPr>
+      <p:pic>
+        <p:nvPicPr>
+          <p:cNvPr id="5" name="Online Media 4">
+            <a:hlinkClick r:id="" action="ppaction://media"/>
+            <a:extLst>
+              <a:ext uri="{FF2B5EF4-FFF2-40B4-BE49-F238E27FC236}">
+                <a16:creationId xmlns:a16="http://schemas.microsoft.com/office/drawing/2014/main" id="{AFFB1C55-550C-4C6E-877E-1FE660FC910F}"/>
+              </a:ext>
+            </a:extLst>
+          </p:cNvPr>
+          <p:cNvPicPr>
+            <a:picLocks noGrp="1" noRot="1" noChangeAspect="1"/>
+          </p:cNvPicPr>
+          <p:nvPr>
+            <p:ph idx="1"/>
+            <a:videoFile r:link="rId1"/>
+          </p:nvPr>
+        </p:nvPicPr>
+        <p:blipFill>
+          <a:blip r:embed="rId3"/>
+          <a:stretch>
+            <a:fillRect/>
+          </a:stretch>
+        </p:blipFill>
+        <p:spPr>
+          <a:xfrm>
+            <a:off x="1472184" y="252508"/>
+            <a:ext cx="8185531" cy="6139148"/>
+          </a:xfrm>
+          <a:prstGeom prst="rect">
+            <a:avLst/>
+          </a:prstGeom>
+        </p:spPr>
+      </p:pic>
+    </p:spTree>
+    <p:extLst>
+      <p:ext uri="{BB962C8B-B14F-4D97-AF65-F5344CB8AC3E}">
+        <p14:creationId xmlns:p14="http://schemas.microsoft.com/office/powerpoint/2010/main" val="791733641"/>
+      </p:ext>
+    </p:extLst>
+  </p:cSld>
+  <p:clrMapOvr>
+    <a:masterClrMapping/>
+  </p:clrMapOvr>
+  <mc:AlternateContent xmlns:mc="http://schemas.openxmlformats.org/markup-compatibility/2006" xmlns:p14="http://schemas.microsoft.com/office/powerpoint/2010/main">
+    <mc:Choice Requires="p14">
+      <p:transition spd="slow" p14:dur="1200">
+        <p:dissolve/>
+      </p:transition>
+    </mc:Choice>
+    <mc:Fallback xmlns="">
+      <p:transition spd="slow">
+        <p:dissolve/>
+      </p:transition>
+    </mc:Fallback>
+  </mc:AlternateContent>
+</p:sld>
+</file>
+
+<file path=ppt/slides/slide5.xml><?xml version="1.0" encoding="utf-8"?>
+<p:sld xmlns:a="http://schemas.openxmlformats.org/drawingml/2006/main" xmlns:r="http://schemas.openxmlformats.org/officeDocument/2006/relationships" xmlns:p="http://schemas.openxmlformats.org/presentationml/2006/main">
+  <p:cSld>
+    <p:spTree>
+      <p:nvGrpSpPr>
+        <p:cNvPr id="1" name=""/>
+        <p:cNvGrpSpPr/>
+        <p:nvPr/>
+      </p:nvGrpSpPr>
+      <p:grpSpPr>
+        <a:xfrm>
+          <a:off x="0" y="0"/>
+          <a:ext cx="0" cy="0"/>
+          <a:chOff x="0" y="0"/>
+          <a:chExt cx="0" cy="0"/>
+        </a:xfrm>
+      </p:grpSpPr>
+      <p:sp>
+        <p:nvSpPr>
+          <p:cNvPr id="2" name="Title 1">
+            <a:extLst>
+              <a:ext uri="{FF2B5EF4-FFF2-40B4-BE49-F238E27FC236}">
+                <a16:creationId xmlns:a16="http://schemas.microsoft.com/office/drawing/2014/main" id="{957D937C-03C6-41D3-B145-3F2606307180}"/>
+              </a:ext>
+            </a:extLst>
+          </p:cNvPr>
+          <p:cNvSpPr>
+            <a:spLocks noGrp="1"/>
+          </p:cNvSpPr>
+          <p:nvPr>
+            <p:ph type="title"/>
+          </p:nvPr>
+        </p:nvSpPr>
+        <p:spPr/>
+        <p:txBody>
+          <a:bodyPr/>
+          <a:lstStyle/>
+          <a:p>
+            <a:r>
+              <a:rPr lang="pl-PL" dirty="0"/>
+              <a:t>BLOCKCHAIN - THE CONCEPT</a:t>
+            </a:r>
+          </a:p>
+        </p:txBody>
+      </p:sp>
+      <p:sp>
+        <p:nvSpPr>
+          <p:cNvPr id="3" name="Content Placeholder 2">
+            <a:extLst>
+              <a:ext uri="{FF2B5EF4-FFF2-40B4-BE49-F238E27FC236}">
+                <a16:creationId xmlns:a16="http://schemas.microsoft.com/office/drawing/2014/main" id="{634C6557-9441-40BC-9E1F-00AC945FC63D}"/>
+              </a:ext>
+            </a:extLst>
+          </p:cNvPr>
+          <p:cNvSpPr>
+            <a:spLocks noGrp="1"/>
+          </p:cNvSpPr>
+          <p:nvPr>
+            <p:ph idx="1"/>
+          </p:nvPr>
+        </p:nvSpPr>
+        <p:spPr/>
+        <p:txBody>
+          <a:bodyPr/>
+          <a:lstStyle/>
+          <a:p>
+            <a:r>
+              <a:rPr lang="pl-PL" dirty="0"/>
+              <a:t>Database </a:t>
+            </a:r>
+            <a:r>
+              <a:rPr lang="pl-PL" dirty="0" err="1"/>
+              <a:t>without</a:t>
+            </a:r>
+            <a:r>
+              <a:rPr lang="pl-PL" dirty="0"/>
+              <a:t> </a:t>
+            </a:r>
+            <a:r>
+              <a:rPr lang="pl-PL" dirty="0" err="1"/>
+              <a:t>an</a:t>
+            </a:r>
+            <a:r>
+              <a:rPr lang="pl-PL" dirty="0"/>
+              <a:t> </a:t>
+            </a:r>
+            <a:r>
+              <a:rPr lang="pl-PL" dirty="0" err="1"/>
+              <a:t>owner</a:t>
+            </a:r>
+            <a:endParaRPr lang="pl-PL" dirty="0"/>
+          </a:p>
+          <a:p>
+            <a:r>
+              <a:rPr lang="pl-PL" dirty="0"/>
+              <a:t>I</a:t>
+            </a:r>
+            <a:r>
+              <a:rPr lang="en-US" dirty="0" err="1"/>
+              <a:t>rreversible</a:t>
+            </a:r>
+            <a:r>
+              <a:rPr lang="en-US" dirty="0"/>
+              <a:t> public record that's replicated across multiple computers all over the world</a:t>
+            </a:r>
+            <a:endParaRPr lang="pl-PL" dirty="0"/>
+          </a:p>
+        </p:txBody>
+      </p:sp>
+    </p:spTree>
+    <p:extLst>
+      <p:ext uri="{BB962C8B-B14F-4D97-AF65-F5344CB8AC3E}">
+        <p14:creationId xmlns:p14="http://schemas.microsoft.com/office/powerpoint/2010/main" val="3049847841"/>
       </p:ext>
     </p:extLst>
   </p:cSld>
@@ -13324,7 +13722,7 @@
 </p:sld>
 </file>
 
-<file path=ppt/slides/slide3.xml><?xml version="1.0" encoding="utf-8"?>
+<file path=ppt/slides/slide6.xml><?xml version="1.0" encoding="utf-8"?>
 <p:sld xmlns:a="http://schemas.openxmlformats.org/drawingml/2006/main" xmlns:r="http://schemas.openxmlformats.org/officeDocument/2006/relationships" xmlns:p="http://schemas.openxmlformats.org/presentationml/2006/main">
   <p:cSld>
     <p:spTree>
@@ -13364,184 +13762,6 @@
           <a:p>
             <a:r>
               <a:rPr lang="pl-PL" dirty="0"/>
-              <a:t>BLOCKCHAIN - THE PROBLEM</a:t>
-            </a:r>
-          </a:p>
-        </p:txBody>
-      </p:sp>
-      <p:sp>
-        <p:nvSpPr>
-          <p:cNvPr id="7" name="Content Placeholder 6">
-            <a:extLst>
-              <a:ext uri="{FF2B5EF4-FFF2-40B4-BE49-F238E27FC236}">
-                <a16:creationId xmlns:a16="http://schemas.microsoft.com/office/drawing/2014/main" id="{EFC22AE0-D0CF-4E47-856D-EF84999BB739}"/>
-              </a:ext>
-            </a:extLst>
-          </p:cNvPr>
-          <p:cNvSpPr>
-            <a:spLocks noGrp="1"/>
-          </p:cNvSpPr>
-          <p:nvPr>
-            <p:ph idx="1"/>
-          </p:nvPr>
-        </p:nvSpPr>
-        <p:spPr/>
-        <p:txBody>
-          <a:bodyPr/>
-          <a:lstStyle/>
-          <a:p>
-            <a:pPr marL="0" indent="0">
-              <a:buNone/>
-            </a:pPr>
-            <a:r>
-              <a:rPr lang="pl-PL" dirty="0"/>
-              <a:t>How would you explain the concept of the Internet in 1995?</a:t>
-            </a:r>
-            <a:endParaRPr lang="en-GB" dirty="0"/>
-          </a:p>
-        </p:txBody>
-      </p:sp>
-    </p:spTree>
-    <p:extLst>
-      <p:ext uri="{BB962C8B-B14F-4D97-AF65-F5344CB8AC3E}">
-        <p14:creationId xmlns:p14="http://schemas.microsoft.com/office/powerpoint/2010/main" val="1444357456"/>
-      </p:ext>
-    </p:extLst>
-  </p:cSld>
-  <p:clrMapOvr>
-    <a:masterClrMapping/>
-  </p:clrMapOvr>
-  <mc:AlternateContent xmlns:mc="http://schemas.openxmlformats.org/markup-compatibility/2006" xmlns:p14="http://schemas.microsoft.com/office/powerpoint/2010/main">
-    <mc:Choice Requires="p14">
-      <p:transition spd="slow" p14:dur="1200">
-        <p:dissolve/>
-      </p:transition>
-    </mc:Choice>
-    <mc:Fallback xmlns="">
-      <p:transition spd="slow">
-        <p:dissolve/>
-      </p:transition>
-    </mc:Fallback>
-  </mc:AlternateContent>
-</p:sld>
-</file>
-
-<file path=ppt/slides/slide4.xml><?xml version="1.0" encoding="utf-8"?>
-<p:sld xmlns:a="http://schemas.openxmlformats.org/drawingml/2006/main" xmlns:r="http://schemas.openxmlformats.org/officeDocument/2006/relationships" xmlns:p="http://schemas.openxmlformats.org/presentationml/2006/main">
-  <p:cSld>
-    <p:spTree>
-      <p:nvGrpSpPr>
-        <p:cNvPr id="1" name=""/>
-        <p:cNvGrpSpPr/>
-        <p:nvPr/>
-      </p:nvGrpSpPr>
-      <p:grpSpPr>
-        <a:xfrm>
-          <a:off x="0" y="0"/>
-          <a:ext cx="0" cy="0"/>
-          <a:chOff x="0" y="0"/>
-          <a:chExt cx="0" cy="0"/>
-        </a:xfrm>
-      </p:grpSpPr>
-      <p:pic>
-        <p:nvPicPr>
-          <p:cNvPr id="5" name="Online Media 4">
-            <a:hlinkClick r:id="" action="ppaction://media"/>
-            <a:extLst>
-              <a:ext uri="{FF2B5EF4-FFF2-40B4-BE49-F238E27FC236}">
-                <a16:creationId xmlns:a16="http://schemas.microsoft.com/office/drawing/2014/main" id="{AFFB1C55-550C-4C6E-877E-1FE660FC910F}"/>
-              </a:ext>
-            </a:extLst>
-          </p:cNvPr>
-          <p:cNvPicPr>
-            <a:picLocks noGrp="1" noRot="1" noChangeAspect="1"/>
-          </p:cNvPicPr>
-          <p:nvPr>
-            <p:ph idx="1"/>
-            <a:videoFile r:link="rId1"/>
-          </p:nvPr>
-        </p:nvPicPr>
-        <p:blipFill>
-          <a:blip r:embed="rId3"/>
-          <a:stretch>
-            <a:fillRect/>
-          </a:stretch>
-        </p:blipFill>
-        <p:spPr>
-          <a:xfrm>
-            <a:off x="1472184" y="252508"/>
-            <a:ext cx="8185531" cy="6139148"/>
-          </a:xfrm>
-          <a:prstGeom prst="rect">
-            <a:avLst/>
-          </a:prstGeom>
-        </p:spPr>
-      </p:pic>
-    </p:spTree>
-    <p:extLst>
-      <p:ext uri="{BB962C8B-B14F-4D97-AF65-F5344CB8AC3E}">
-        <p14:creationId xmlns:p14="http://schemas.microsoft.com/office/powerpoint/2010/main" val="791733641"/>
-      </p:ext>
-    </p:extLst>
-  </p:cSld>
-  <p:clrMapOvr>
-    <a:masterClrMapping/>
-  </p:clrMapOvr>
-  <mc:AlternateContent xmlns:mc="http://schemas.openxmlformats.org/markup-compatibility/2006" xmlns:p14="http://schemas.microsoft.com/office/powerpoint/2010/main">
-    <mc:Choice Requires="p14">
-      <p:transition spd="slow" p14:dur="1200">
-        <p:dissolve/>
-      </p:transition>
-    </mc:Choice>
-    <mc:Fallback xmlns="">
-      <p:transition spd="slow">
-        <p:dissolve/>
-      </p:transition>
-    </mc:Fallback>
-  </mc:AlternateContent>
-</p:sld>
-</file>
-
-<file path=ppt/slides/slide5.xml><?xml version="1.0" encoding="utf-8"?>
-<p:sld xmlns:a="http://schemas.openxmlformats.org/drawingml/2006/main" xmlns:r="http://schemas.openxmlformats.org/officeDocument/2006/relationships" xmlns:p="http://schemas.openxmlformats.org/presentationml/2006/main">
-  <p:cSld>
-    <p:spTree>
-      <p:nvGrpSpPr>
-        <p:cNvPr id="1" name=""/>
-        <p:cNvGrpSpPr/>
-        <p:nvPr/>
-      </p:nvGrpSpPr>
-      <p:grpSpPr>
-        <a:xfrm>
-          <a:off x="0" y="0"/>
-          <a:ext cx="0" cy="0"/>
-          <a:chOff x="0" y="0"/>
-          <a:chExt cx="0" cy="0"/>
-        </a:xfrm>
-      </p:grpSpPr>
-      <p:sp>
-        <p:nvSpPr>
-          <p:cNvPr id="2" name="Title 1">
-            <a:extLst>
-              <a:ext uri="{FF2B5EF4-FFF2-40B4-BE49-F238E27FC236}">
-                <a16:creationId xmlns:a16="http://schemas.microsoft.com/office/drawing/2014/main" id="{957D937C-03C6-41D3-B145-3F2606307180}"/>
-              </a:ext>
-            </a:extLst>
-          </p:cNvPr>
-          <p:cNvSpPr>
-            <a:spLocks noGrp="1"/>
-          </p:cNvSpPr>
-          <p:nvPr>
-            <p:ph type="title"/>
-          </p:nvPr>
-        </p:nvSpPr>
-        <p:spPr/>
-        <p:txBody>
-          <a:bodyPr/>
-          <a:lstStyle/>
-          <a:p>
-            <a:r>
-              <a:rPr lang="pl-PL" dirty="0"/>
               <a:t>BLOCKCHAIN - THE CONSEQUENCES</a:t>
             </a:r>
           </a:p>
@@ -13602,6 +13822,41 @@
             <a:r>
               <a:rPr lang="en-US" dirty="0"/>
               <a:t>the ability to make people act voluntarily in an efficient &amp; fair manner</a:t>
+            </a:r>
+            <a:endParaRPr lang="pl-PL" dirty="0"/>
+          </a:p>
+          <a:p>
+            <a:r>
+              <a:rPr lang="pl-PL" dirty="0"/>
+              <a:t>New </a:t>
+            </a:r>
+            <a:r>
+              <a:rPr lang="pl-PL" dirty="0" err="1"/>
+              <a:t>paradigm</a:t>
+            </a:r>
+            <a:r>
+              <a:rPr lang="pl-PL" dirty="0"/>
+              <a:t>: </a:t>
+            </a:r>
+            <a:r>
+              <a:rPr lang="pl-PL" dirty="0" err="1"/>
+              <a:t>customer</a:t>
+            </a:r>
+            <a:r>
+              <a:rPr lang="pl-PL" dirty="0"/>
+              <a:t> </a:t>
+            </a:r>
+            <a:r>
+              <a:rPr lang="pl-PL" dirty="0" err="1"/>
+              <a:t>becomes</a:t>
+            </a:r>
+            <a:r>
+              <a:rPr lang="pl-PL" dirty="0"/>
+              <a:t> a </a:t>
+            </a:r>
+            <a:r>
+              <a:rPr lang="pl-PL" dirty="0" err="1"/>
+              <a:t>shareholder</a:t>
             </a:r>
             <a:endParaRPr lang="pl-PL" dirty="0"/>
           </a:p>
@@ -13853,6 +14108,55 @@
                       </p:childTnLst>
                     </p:cTn>
                   </p:par>
+                  <p:par>
+                    <p:cTn id="19" fill="hold">
+                      <p:stCondLst>
+                        <p:cond delay="indefinite"/>
+                      </p:stCondLst>
+                      <p:childTnLst>
+                        <p:par>
+                          <p:cTn id="20" fill="hold">
+                            <p:stCondLst>
+                              <p:cond delay="0"/>
+                            </p:stCondLst>
+                            <p:childTnLst>
+                              <p:par>
+                                <p:cTn id="21" presetID="1" presetClass="entr" presetSubtype="0" fill="hold" grpId="0" nodeType="clickEffect">
+                                  <p:stCondLst>
+                                    <p:cond delay="0"/>
+                                  </p:stCondLst>
+                                  <p:childTnLst>
+                                    <p:set>
+                                      <p:cBhvr>
+                                        <p:cTn id="22" dur="1" fill="hold">
+                                          <p:stCondLst>
+                                            <p:cond delay="0"/>
+                                          </p:stCondLst>
+                                        </p:cTn>
+                                        <p:tgtEl>
+                                          <p:spTgt spid="3">
+                                            <p:txEl>
+                                              <p:pRg st="4" end="4"/>
+                                            </p:txEl>
+                                          </p:spTgt>
+                                        </p:tgtEl>
+                                        <p:attrNameLst>
+                                          <p:attrName>style.visibility</p:attrName>
+                                        </p:attrNameLst>
+                                      </p:cBhvr>
+                                      <p:to>
+                                        <p:strVal val="visible"/>
+                                      </p:to>
+                                    </p:set>
+                                  </p:childTnLst>
+                                </p:cTn>
+                              </p:par>
+                            </p:childTnLst>
+                          </p:cTn>
+                        </p:par>
+                      </p:childTnLst>
+                    </p:cTn>
+                  </p:par>
                 </p:childTnLst>
               </p:cTn>
               <p:prevCondLst>
@@ -13881,7 +14185,7 @@
 </p:sld>
 </file>
 
-<file path=ppt/slides/slide6.xml><?xml version="1.0" encoding="utf-8"?>
+<file path=ppt/slides/slide7.xml><?xml version="1.0" encoding="utf-8"?>
 <p:sld xmlns:a="http://schemas.openxmlformats.org/drawingml/2006/main" xmlns:r="http://schemas.openxmlformats.org/officeDocument/2006/relationships" xmlns:p="http://schemas.openxmlformats.org/presentationml/2006/main">
   <p:cSld>
     <p:spTree>
@@ -14112,7 +14416,7 @@
 </p:sld>
 </file>
 
-<file path=ppt/slides/slide7.xml><?xml version="1.0" encoding="utf-8"?>
+<file path=ppt/slides/slide8.xml><?xml version="1.0" encoding="utf-8"?>
 <p:sld xmlns:a="http://schemas.openxmlformats.org/drawingml/2006/main" xmlns:r="http://schemas.openxmlformats.org/officeDocument/2006/relationships" xmlns:p="http://schemas.openxmlformats.org/presentationml/2006/main">
   <p:cSld>
     <p:spTree>

--- a/BrainEmbassy.pptx
+++ b/BrainEmbassy.pptx
@@ -635,7 +635,7 @@
             </a:ln>
             <a:extLst>
               <a:ext uri="{91240B29-F687-4f45-9708-019B960494DF}">
-                <a14:hiddenLine xmlns="" xmlns:a14="http://schemas.microsoft.com/office/drawing/2010/main" w="9525">
+                <a14:hiddenLine xmlns:a14="http://schemas.microsoft.com/office/drawing/2010/main" xmlns="" w="9525">
                   <a:solidFill>
                     <a:srgbClr val="000000"/>
                   </a:solidFill>
@@ -725,7 +725,7 @@
             </a:ln>
             <a:extLst>
               <a:ext uri="{91240B29-F687-4f45-9708-019B960494DF}">
-                <a14:hiddenLine xmlns="" xmlns:a14="http://schemas.microsoft.com/office/drawing/2010/main" w="9525">
+                <a14:hiddenLine xmlns:a14="http://schemas.microsoft.com/office/drawing/2010/main" xmlns="" w="9525">
                   <a:solidFill>
                     <a:srgbClr val="000000"/>
                   </a:solidFill>
@@ -815,7 +815,7 @@
             </a:ln>
             <a:extLst>
               <a:ext uri="{91240B29-F687-4f45-9708-019B960494DF}">
-                <a14:hiddenLine xmlns="" xmlns:a14="http://schemas.microsoft.com/office/drawing/2010/main" w="9525">
+                <a14:hiddenLine xmlns:a14="http://schemas.microsoft.com/office/drawing/2010/main" xmlns="" w="9525">
                   <a:solidFill>
                     <a:srgbClr val="000000"/>
                   </a:solidFill>
@@ -849,7 +849,7 @@
             </a:ln>
             <a:extLst>
               <a:ext uri="{91240B29-F687-4f45-9708-019B960494DF}">
-                <a14:hiddenLine xmlns="" xmlns:a14="http://schemas.microsoft.com/office/drawing/2010/main" w="9525">
+                <a14:hiddenLine xmlns:a14="http://schemas.microsoft.com/office/drawing/2010/main" xmlns="" w="9525">
                   <a:solidFill>
                     <a:srgbClr val="000000"/>
                   </a:solidFill>
@@ -939,7 +939,7 @@
             </a:ln>
             <a:extLst>
               <a:ext uri="{91240B29-F687-4f45-9708-019B960494DF}">
-                <a14:hiddenLine xmlns="" xmlns:a14="http://schemas.microsoft.com/office/drawing/2010/main" w="9525">
+                <a14:hiddenLine xmlns:a14="http://schemas.microsoft.com/office/drawing/2010/main" xmlns="" w="9525">
                   <a:solidFill>
                     <a:srgbClr val="000000"/>
                   </a:solidFill>
@@ -1001,7 +1001,7 @@
             </a:ln>
             <a:extLst>
               <a:ext uri="{91240B29-F687-4f45-9708-019B960494DF}">
-                <a14:hiddenLine xmlns="" xmlns:a14="http://schemas.microsoft.com/office/drawing/2010/main" w="9525">
+                <a14:hiddenLine xmlns:a14="http://schemas.microsoft.com/office/drawing/2010/main" xmlns="" w="9525">
                   <a:solidFill>
                     <a:srgbClr val="000000"/>
                   </a:solidFill>
@@ -1063,7 +1063,7 @@
             </a:ln>
             <a:extLst>
               <a:ext uri="{91240B29-F687-4f45-9708-019B960494DF}">
-                <a14:hiddenLine xmlns="" xmlns:a14="http://schemas.microsoft.com/office/drawing/2010/main" w="9525">
+                <a14:hiddenLine xmlns:a14="http://schemas.microsoft.com/office/drawing/2010/main" xmlns="" w="9525">
                   <a:solidFill>
                     <a:srgbClr val="000000"/>
                   </a:solidFill>
@@ -1153,7 +1153,7 @@
             </a:ln>
             <a:extLst>
               <a:ext uri="{91240B29-F687-4f45-9708-019B960494DF}">
-                <a14:hiddenLine xmlns="" xmlns:a14="http://schemas.microsoft.com/office/drawing/2010/main" w="9525">
+                <a14:hiddenLine xmlns:a14="http://schemas.microsoft.com/office/drawing/2010/main" xmlns="" w="9525">
                   <a:solidFill>
                     <a:srgbClr val="000000"/>
                   </a:solidFill>
@@ -1215,7 +1215,7 @@
             </a:ln>
             <a:extLst>
               <a:ext uri="{91240B29-F687-4f45-9708-019B960494DF}">
-                <a14:hiddenLine xmlns="" xmlns:a14="http://schemas.microsoft.com/office/drawing/2010/main" w="9525">
+                <a14:hiddenLine xmlns:a14="http://schemas.microsoft.com/office/drawing/2010/main" xmlns="" w="9525">
                   <a:solidFill>
                     <a:srgbClr val="000000"/>
                   </a:solidFill>
@@ -1277,7 +1277,7 @@
             </a:ln>
             <a:extLst>
               <a:ext uri="{91240B29-F687-4f45-9708-019B960494DF}">
-                <a14:hiddenLine xmlns="" xmlns:a14="http://schemas.microsoft.com/office/drawing/2010/main" w="9525">
+                <a14:hiddenLine xmlns:a14="http://schemas.microsoft.com/office/drawing/2010/main" xmlns="" w="9525">
                   <a:solidFill>
                     <a:srgbClr val="000000"/>
                   </a:solidFill>
@@ -1367,7 +1367,7 @@
             </a:ln>
             <a:extLst>
               <a:ext uri="{91240B29-F687-4f45-9708-019B960494DF}">
-                <a14:hiddenLine xmlns="" xmlns:a14="http://schemas.microsoft.com/office/drawing/2010/main" w="9525">
+                <a14:hiddenLine xmlns:a14="http://schemas.microsoft.com/office/drawing/2010/main" xmlns="" w="9525">
                   <a:solidFill>
                     <a:srgbClr val="000000"/>
                   </a:solidFill>
@@ -1457,7 +1457,7 @@
             </a:ln>
             <a:extLst>
               <a:ext uri="{91240B29-F687-4f45-9708-019B960494DF}">
-                <a14:hiddenLine xmlns="" xmlns:a14="http://schemas.microsoft.com/office/drawing/2010/main" w="9525">
+                <a14:hiddenLine xmlns:a14="http://schemas.microsoft.com/office/drawing/2010/main" xmlns="" w="9525">
                   <a:solidFill>
                     <a:srgbClr val="000000"/>
                   </a:solidFill>
@@ -1519,7 +1519,7 @@
             </a:ln>
             <a:extLst>
               <a:ext uri="{91240B29-F687-4f45-9708-019B960494DF}">
-                <a14:hiddenLine xmlns="" xmlns:a14="http://schemas.microsoft.com/office/drawing/2010/main" w="9525">
+                <a14:hiddenLine xmlns:a14="http://schemas.microsoft.com/office/drawing/2010/main" xmlns="" w="9525">
                   <a:solidFill>
                     <a:srgbClr val="000000"/>
                   </a:solidFill>
@@ -1629,7 +1629,7 @@
             </a:ln>
             <a:extLst>
               <a:ext uri="{91240B29-F687-4f45-9708-019B960494DF}">
-                <a14:hiddenLine xmlns="" xmlns:a14="http://schemas.microsoft.com/office/drawing/2010/main" w="9525">
+                <a14:hiddenLine xmlns:a14="http://schemas.microsoft.com/office/drawing/2010/main" xmlns="" w="9525">
                   <a:solidFill>
                     <a:srgbClr val="000000"/>
                   </a:solidFill>
@@ -1691,7 +1691,7 @@
             </a:ln>
             <a:extLst>
               <a:ext uri="{91240B29-F687-4f45-9708-019B960494DF}">
-                <a14:hiddenLine xmlns="" xmlns:a14="http://schemas.microsoft.com/office/drawing/2010/main" w="9525">
+                <a14:hiddenLine xmlns:a14="http://schemas.microsoft.com/office/drawing/2010/main" xmlns="" w="9525">
                   <a:solidFill>
                     <a:srgbClr val="000000"/>
                   </a:solidFill>
@@ -1781,7 +1781,7 @@
             </a:ln>
             <a:extLst>
               <a:ext uri="{91240B29-F687-4f45-9708-019B960494DF}">
-                <a14:hiddenLine xmlns="" xmlns:a14="http://schemas.microsoft.com/office/drawing/2010/main" w="9525">
+                <a14:hiddenLine xmlns:a14="http://schemas.microsoft.com/office/drawing/2010/main" xmlns="" w="9525">
                   <a:solidFill>
                     <a:srgbClr val="000000"/>
                   </a:solidFill>
@@ -1871,7 +1871,7 @@
             </a:ln>
             <a:extLst>
               <a:ext uri="{91240B29-F687-4f45-9708-019B960494DF}">
-                <a14:hiddenLine xmlns="" xmlns:a14="http://schemas.microsoft.com/office/drawing/2010/main" w="9525">
+                <a14:hiddenLine xmlns:a14="http://schemas.microsoft.com/office/drawing/2010/main" xmlns="" w="9525">
                   <a:solidFill>
                     <a:srgbClr val="000000"/>
                   </a:solidFill>
@@ -1933,7 +1933,7 @@
             </a:ln>
             <a:extLst>
               <a:ext uri="{91240B29-F687-4f45-9708-019B960494DF}">
-                <a14:hiddenLine xmlns="" xmlns:a14="http://schemas.microsoft.com/office/drawing/2010/main" w="9525">
+                <a14:hiddenLine xmlns:a14="http://schemas.microsoft.com/office/drawing/2010/main" xmlns="" w="9525">
                   <a:solidFill>
                     <a:srgbClr val="000000"/>
                   </a:solidFill>
@@ -2023,7 +2023,7 @@
             </a:ln>
             <a:extLst>
               <a:ext uri="{91240B29-F687-4f45-9708-019B960494DF}">
-                <a14:hiddenLine xmlns="" xmlns:a14="http://schemas.microsoft.com/office/drawing/2010/main" w="9525">
+                <a14:hiddenLine xmlns:a14="http://schemas.microsoft.com/office/drawing/2010/main" xmlns="" w="9525">
                   <a:solidFill>
                     <a:srgbClr val="000000"/>
                   </a:solidFill>
@@ -2113,7 +2113,7 @@
             </a:ln>
             <a:extLst>
               <a:ext uri="{91240B29-F687-4f45-9708-019B960494DF}">
-                <a14:hiddenLine xmlns="" xmlns:a14="http://schemas.microsoft.com/office/drawing/2010/main" w="9525">
+                <a14:hiddenLine xmlns:a14="http://schemas.microsoft.com/office/drawing/2010/main" xmlns="" w="9525">
                   <a:solidFill>
                     <a:srgbClr val="000000"/>
                   </a:solidFill>
@@ -2169,7 +2169,7 @@
             </a:ln>
             <a:extLst>
               <a:ext uri="{91240B29-F687-4f45-9708-019B960494DF}">
-                <a14:hiddenLine xmlns="" xmlns:a14="http://schemas.microsoft.com/office/drawing/2010/main" w="9525">
+                <a14:hiddenLine xmlns:a14="http://schemas.microsoft.com/office/drawing/2010/main" xmlns="" w="9525">
                   <a:solidFill>
                     <a:srgbClr val="000000"/>
                   </a:solidFill>
@@ -2259,7 +2259,7 @@
             </a:ln>
             <a:extLst>
               <a:ext uri="{91240B29-F687-4f45-9708-019B960494DF}">
-                <a14:hiddenLine xmlns="" xmlns:a14="http://schemas.microsoft.com/office/drawing/2010/main" w="9525">
+                <a14:hiddenLine xmlns:a14="http://schemas.microsoft.com/office/drawing/2010/main" xmlns="" w="9525">
                   <a:solidFill>
                     <a:srgbClr val="000000"/>
                   </a:solidFill>
@@ -2315,7 +2315,7 @@
             </a:ln>
             <a:extLst>
               <a:ext uri="{91240B29-F687-4f45-9708-019B960494DF}">
-                <a14:hiddenLine xmlns="" xmlns:a14="http://schemas.microsoft.com/office/drawing/2010/main" w="9525">
+                <a14:hiddenLine xmlns:a14="http://schemas.microsoft.com/office/drawing/2010/main" xmlns="" w="9525">
                   <a:solidFill>
                     <a:srgbClr val="000000"/>
                   </a:solidFill>
@@ -2405,7 +2405,7 @@
             </a:ln>
             <a:extLst>
               <a:ext uri="{91240B29-F687-4f45-9708-019B960494DF}">
-                <a14:hiddenLine xmlns="" xmlns:a14="http://schemas.microsoft.com/office/drawing/2010/main" w="9525">
+                <a14:hiddenLine xmlns:a14="http://schemas.microsoft.com/office/drawing/2010/main" xmlns="" w="9525">
                   <a:solidFill>
                     <a:srgbClr val="000000"/>
                   </a:solidFill>
@@ -2473,7 +2473,7 @@
             </a:ln>
             <a:extLst>
               <a:ext uri="{91240B29-F687-4f45-9708-019B960494DF}">
-                <a14:hiddenLine xmlns="" xmlns:a14="http://schemas.microsoft.com/office/drawing/2010/main" w="9525">
+                <a14:hiddenLine xmlns:a14="http://schemas.microsoft.com/office/drawing/2010/main" xmlns="" w="9525">
                   <a:solidFill>
                     <a:srgbClr val="000000"/>
                   </a:solidFill>
@@ -2563,7 +2563,7 @@
             </a:ln>
             <a:extLst>
               <a:ext uri="{91240B29-F687-4f45-9708-019B960494DF}">
-                <a14:hiddenLine xmlns="" xmlns:a14="http://schemas.microsoft.com/office/drawing/2010/main" w="9525">
+                <a14:hiddenLine xmlns:a14="http://schemas.microsoft.com/office/drawing/2010/main" xmlns="" w="9525">
                   <a:solidFill>
                     <a:srgbClr val="000000"/>
                   </a:solidFill>
@@ -2631,7 +2631,7 @@
             </a:ln>
             <a:extLst>
               <a:ext uri="{91240B29-F687-4f45-9708-019B960494DF}">
-                <a14:hiddenLine xmlns="" xmlns:a14="http://schemas.microsoft.com/office/drawing/2010/main" w="9525">
+                <a14:hiddenLine xmlns:a14="http://schemas.microsoft.com/office/drawing/2010/main" xmlns="" w="9525">
                   <a:solidFill>
                     <a:srgbClr val="000000"/>
                   </a:solidFill>
@@ -2721,7 +2721,7 @@
             </a:ln>
             <a:extLst>
               <a:ext uri="{91240B29-F687-4f45-9708-019B960494DF}">
-                <a14:hiddenLine xmlns="" xmlns:a14="http://schemas.microsoft.com/office/drawing/2010/main" w="9525">
+                <a14:hiddenLine xmlns:a14="http://schemas.microsoft.com/office/drawing/2010/main" xmlns="" w="9525">
                   <a:solidFill>
                     <a:srgbClr val="000000"/>
                   </a:solidFill>
@@ -2755,7 +2755,7 @@
             </a:ln>
             <a:extLst>
               <a:ext uri="{91240B29-F687-4f45-9708-019B960494DF}">
-                <a14:hiddenLine xmlns="" xmlns:a14="http://schemas.microsoft.com/office/drawing/2010/main" w="9525">
+                <a14:hiddenLine xmlns:a14="http://schemas.microsoft.com/office/drawing/2010/main" xmlns="" w="9525">
                   <a:solidFill>
                     <a:srgbClr val="000000"/>
                   </a:solidFill>
@@ -2845,7 +2845,7 @@
             </a:ln>
             <a:extLst>
               <a:ext uri="{91240B29-F687-4f45-9708-019B960494DF}">
-                <a14:hiddenLine xmlns="" xmlns:a14="http://schemas.microsoft.com/office/drawing/2010/main" w="9525">
+                <a14:hiddenLine xmlns:a14="http://schemas.microsoft.com/office/drawing/2010/main" xmlns="" w="9525">
                   <a:solidFill>
                     <a:srgbClr val="000000"/>
                   </a:solidFill>
@@ -2907,7 +2907,7 @@
             </a:ln>
             <a:extLst>
               <a:ext uri="{91240B29-F687-4f45-9708-019B960494DF}">
-                <a14:hiddenLine xmlns="" xmlns:a14="http://schemas.microsoft.com/office/drawing/2010/main" w="9525">
+                <a14:hiddenLine xmlns:a14="http://schemas.microsoft.com/office/drawing/2010/main" xmlns="" w="9525">
                   <a:solidFill>
                     <a:srgbClr val="000000"/>
                   </a:solidFill>
@@ -2969,7 +2969,7 @@
             </a:ln>
             <a:extLst>
               <a:ext uri="{91240B29-F687-4f45-9708-019B960494DF}">
-                <a14:hiddenLine xmlns="" xmlns:a14="http://schemas.microsoft.com/office/drawing/2010/main" w="9525">
+                <a14:hiddenLine xmlns:a14="http://schemas.microsoft.com/office/drawing/2010/main" xmlns="" w="9525">
                   <a:solidFill>
                     <a:srgbClr val="000000"/>
                   </a:solidFill>
@@ -3059,7 +3059,7 @@
             </a:ln>
             <a:extLst>
               <a:ext uri="{91240B29-F687-4f45-9708-019B960494DF}">
-                <a14:hiddenLine xmlns="" xmlns:a14="http://schemas.microsoft.com/office/drawing/2010/main" w="9525">
+                <a14:hiddenLine xmlns:a14="http://schemas.microsoft.com/office/drawing/2010/main" xmlns="" w="9525">
                   <a:solidFill>
                     <a:srgbClr val="000000"/>
                   </a:solidFill>
@@ -3127,7 +3127,7 @@
             </a:ln>
             <a:extLst>
               <a:ext uri="{91240B29-F687-4f45-9708-019B960494DF}">
-                <a14:hiddenLine xmlns="" xmlns:a14="http://schemas.microsoft.com/office/drawing/2010/main" w="9525">
+                <a14:hiddenLine xmlns:a14="http://schemas.microsoft.com/office/drawing/2010/main" xmlns="" w="9525">
                   <a:solidFill>
                     <a:srgbClr val="000000"/>
                   </a:solidFill>
@@ -3189,7 +3189,7 @@
             </a:ln>
             <a:extLst>
               <a:ext uri="{91240B29-F687-4f45-9708-019B960494DF}">
-                <a14:hiddenLine xmlns="" xmlns:a14="http://schemas.microsoft.com/office/drawing/2010/main" w="9525">
+                <a14:hiddenLine xmlns:a14="http://schemas.microsoft.com/office/drawing/2010/main" xmlns="" w="9525">
                   <a:solidFill>
                     <a:srgbClr val="000000"/>
                   </a:solidFill>
@@ -3279,7 +3279,7 @@
             </a:ln>
             <a:extLst>
               <a:ext uri="{91240B29-F687-4f45-9708-019B960494DF}">
-                <a14:hiddenLine xmlns="" xmlns:a14="http://schemas.microsoft.com/office/drawing/2010/main" w="9525">
+                <a14:hiddenLine xmlns:a14="http://schemas.microsoft.com/office/drawing/2010/main" xmlns="" w="9525">
                   <a:solidFill>
                     <a:srgbClr val="000000"/>
                   </a:solidFill>
@@ -3341,7 +3341,7 @@
             </a:ln>
             <a:extLst>
               <a:ext uri="{91240B29-F687-4f45-9708-019B960494DF}">
-                <a14:hiddenLine xmlns="" xmlns:a14="http://schemas.microsoft.com/office/drawing/2010/main" w="9525">
+                <a14:hiddenLine xmlns:a14="http://schemas.microsoft.com/office/drawing/2010/main" xmlns="" w="9525">
                   <a:solidFill>
                     <a:srgbClr val="000000"/>
                   </a:solidFill>
@@ -3431,7 +3431,7 @@
             </a:ln>
             <a:extLst>
               <a:ext uri="{91240B29-F687-4f45-9708-019B960494DF}">
-                <a14:hiddenLine xmlns="" xmlns:a14="http://schemas.microsoft.com/office/drawing/2010/main" w="9525">
+                <a14:hiddenLine xmlns:a14="http://schemas.microsoft.com/office/drawing/2010/main" xmlns="" w="9525">
                   <a:solidFill>
                     <a:srgbClr val="000000"/>
                   </a:solidFill>
@@ -3493,7 +3493,7 @@
             </a:ln>
             <a:extLst>
               <a:ext uri="{91240B29-F687-4f45-9708-019B960494DF}">
-                <a14:hiddenLine xmlns="" xmlns:a14="http://schemas.microsoft.com/office/drawing/2010/main" w="9525">
+                <a14:hiddenLine xmlns:a14="http://schemas.microsoft.com/office/drawing/2010/main" xmlns="" w="9525">
                   <a:solidFill>
                     <a:srgbClr val="000000"/>
                   </a:solidFill>
@@ -3583,7 +3583,7 @@
             </a:ln>
             <a:extLst>
               <a:ext uri="{91240B29-F687-4f45-9708-019B960494DF}">
-                <a14:hiddenLine xmlns="" xmlns:a14="http://schemas.microsoft.com/office/drawing/2010/main" w="9525">
+                <a14:hiddenLine xmlns:a14="http://schemas.microsoft.com/office/drawing/2010/main" xmlns="" w="9525">
                   <a:solidFill>
                     <a:srgbClr val="000000"/>
                   </a:solidFill>
@@ -3617,7 +3617,7 @@
             </a:ln>
             <a:extLst>
               <a:ext uri="{91240B29-F687-4f45-9708-019B960494DF}">
-                <a14:hiddenLine xmlns="" xmlns:a14="http://schemas.microsoft.com/office/drawing/2010/main" w="9525">
+                <a14:hiddenLine xmlns:a14="http://schemas.microsoft.com/office/drawing/2010/main" xmlns="" w="9525">
                   <a:solidFill>
                     <a:srgbClr val="000000"/>
                   </a:solidFill>
@@ -3682,7 +3682,7 @@
             </a:ln>
             <a:extLst>
               <a:ext uri="{91240B29-F687-4f45-9708-019B960494DF}">
-                <a14:hiddenLine xmlns="" xmlns:a14="http://schemas.microsoft.com/office/drawing/2010/main" w="9525">
+                <a14:hiddenLine xmlns:a14="http://schemas.microsoft.com/office/drawing/2010/main" xmlns="" w="9525">
                   <a:solidFill>
                     <a:srgbClr val="000000"/>
                   </a:solidFill>
@@ -3772,7 +3772,7 @@
             </a:ln>
             <a:extLst>
               <a:ext uri="{91240B29-F687-4f45-9708-019B960494DF}">
-                <a14:hiddenLine xmlns="" xmlns:a14="http://schemas.microsoft.com/office/drawing/2010/main" w="9525">
+                <a14:hiddenLine xmlns:a14="http://schemas.microsoft.com/office/drawing/2010/main" xmlns="" w="9525">
                   <a:solidFill>
                     <a:srgbClr val="000000"/>
                   </a:solidFill>
@@ -3834,7 +3834,7 @@
             </a:ln>
             <a:extLst>
               <a:ext uri="{91240B29-F687-4f45-9708-019B960494DF}">
-                <a14:hiddenLine xmlns="" xmlns:a14="http://schemas.microsoft.com/office/drawing/2010/main" w="9525">
+                <a14:hiddenLine xmlns:a14="http://schemas.microsoft.com/office/drawing/2010/main" xmlns="" w="9525">
                   <a:solidFill>
                     <a:srgbClr val="000000"/>
                   </a:solidFill>
@@ -3924,7 +3924,7 @@
             </a:ln>
             <a:extLst>
               <a:ext uri="{91240B29-F687-4f45-9708-019B960494DF}">
-                <a14:hiddenLine xmlns="" xmlns:a14="http://schemas.microsoft.com/office/drawing/2010/main" w="9525">
+                <a14:hiddenLine xmlns:a14="http://schemas.microsoft.com/office/drawing/2010/main" xmlns="" w="9525">
                   <a:solidFill>
                     <a:srgbClr val="000000"/>
                   </a:solidFill>
@@ -4014,7 +4014,7 @@
             </a:ln>
             <a:extLst>
               <a:ext uri="{91240B29-F687-4f45-9708-019B960494DF}">
-                <a14:hiddenLine xmlns="" xmlns:a14="http://schemas.microsoft.com/office/drawing/2010/main" w="9525">
+                <a14:hiddenLine xmlns:a14="http://schemas.microsoft.com/office/drawing/2010/main" xmlns="" w="9525">
                   <a:solidFill>
                     <a:srgbClr val="000000"/>
                   </a:solidFill>
@@ -4079,7 +4079,7 @@
             </a:ln>
             <a:extLst>
               <a:ext uri="{91240B29-F687-4f45-9708-019B960494DF}">
-                <a14:hiddenLine xmlns="" xmlns:a14="http://schemas.microsoft.com/office/drawing/2010/main" w="9525">
+                <a14:hiddenLine xmlns:a14="http://schemas.microsoft.com/office/drawing/2010/main" xmlns="" w="9525">
                   <a:solidFill>
                     <a:srgbClr val="000000"/>
                   </a:solidFill>
@@ -4141,7 +4141,7 @@
             </a:ln>
             <a:extLst>
               <a:ext uri="{91240B29-F687-4f45-9708-019B960494DF}">
-                <a14:hiddenLine xmlns="" xmlns:a14="http://schemas.microsoft.com/office/drawing/2010/main" w="9525">
+                <a14:hiddenLine xmlns:a14="http://schemas.microsoft.com/office/drawing/2010/main" xmlns="" w="9525">
                   <a:solidFill>
                     <a:srgbClr val="000000"/>
                   </a:solidFill>
@@ -4231,7 +4231,7 @@
             </a:ln>
             <a:extLst>
               <a:ext uri="{91240B29-F687-4f45-9708-019B960494DF}">
-                <a14:hiddenLine xmlns="" xmlns:a14="http://schemas.microsoft.com/office/drawing/2010/main" w="9525">
+                <a14:hiddenLine xmlns:a14="http://schemas.microsoft.com/office/drawing/2010/main" xmlns="" w="9525">
                   <a:solidFill>
                     <a:srgbClr val="000000"/>
                   </a:solidFill>
@@ -4321,7 +4321,7 @@
             </a:ln>
             <a:extLst>
               <a:ext uri="{91240B29-F687-4f45-9708-019B960494DF}">
-                <a14:hiddenLine xmlns="" xmlns:a14="http://schemas.microsoft.com/office/drawing/2010/main" w="9525">
+                <a14:hiddenLine xmlns:a14="http://schemas.microsoft.com/office/drawing/2010/main" xmlns="" w="9525">
                   <a:solidFill>
                     <a:srgbClr val="000000"/>
                   </a:solidFill>
@@ -4383,7 +4383,7 @@
             </a:ln>
             <a:extLst>
               <a:ext uri="{91240B29-F687-4f45-9708-019B960494DF}">
-                <a14:hiddenLine xmlns="" xmlns:a14="http://schemas.microsoft.com/office/drawing/2010/main" w="9525">
+                <a14:hiddenLine xmlns:a14="http://schemas.microsoft.com/office/drawing/2010/main" xmlns="" w="9525">
                   <a:solidFill>
                     <a:srgbClr val="000000"/>
                   </a:solidFill>
@@ -4503,7 +4503,7 @@
             </a:ln>
             <a:extLst>
               <a:ext uri="{91240B29-F687-4f45-9708-019B960494DF}">
-                <a14:hiddenLine xmlns="" xmlns:a14="http://schemas.microsoft.com/office/drawing/2010/main" w="9525">
+                <a14:hiddenLine xmlns:a14="http://schemas.microsoft.com/office/drawing/2010/main" xmlns="" w="9525">
                   <a:solidFill>
                     <a:srgbClr val="000000"/>
                   </a:solidFill>
@@ -4571,7 +4571,7 @@
             </a:ln>
             <a:extLst>
               <a:ext uri="{91240B29-F687-4f45-9708-019B960494DF}">
-                <a14:hiddenLine xmlns="" xmlns:a14="http://schemas.microsoft.com/office/drawing/2010/main" w="9525">
+                <a14:hiddenLine xmlns:a14="http://schemas.microsoft.com/office/drawing/2010/main" xmlns="" w="9525">
                   <a:solidFill>
                     <a:srgbClr val="000000"/>
                   </a:solidFill>
@@ -4661,7 +4661,7 @@
             </a:ln>
             <a:extLst>
               <a:ext uri="{91240B29-F687-4f45-9708-019B960494DF}">
-                <a14:hiddenLine xmlns="" xmlns:a14="http://schemas.microsoft.com/office/drawing/2010/main" w="9525">
+                <a14:hiddenLine xmlns:a14="http://schemas.microsoft.com/office/drawing/2010/main" xmlns="" w="9525">
                   <a:solidFill>
                     <a:srgbClr val="000000"/>
                   </a:solidFill>
@@ -9596,7 +9596,7 @@
               </a:ln>
               <a:extLst>
                 <a:ext uri="{91240B29-F687-4f45-9708-019B960494DF}">
-                  <a14:hiddenLine xmlns="" xmlns:a14="http://schemas.microsoft.com/office/drawing/2010/main" w="9525">
+                  <a14:hiddenLine xmlns:a14="http://schemas.microsoft.com/office/drawing/2010/main" xmlns="" w="9525">
                     <a:solidFill>
                       <a:srgbClr val="000000"/>
                     </a:solidFill>
@@ -9686,7 +9686,7 @@
               </a:ln>
               <a:extLst>
                 <a:ext uri="{91240B29-F687-4f45-9708-019B960494DF}">
-                  <a14:hiddenLine xmlns="" xmlns:a14="http://schemas.microsoft.com/office/drawing/2010/main" w="9525">
+                  <a14:hiddenLine xmlns:a14="http://schemas.microsoft.com/office/drawing/2010/main" xmlns="" w="9525">
                     <a:solidFill>
                       <a:srgbClr val="000000"/>
                     </a:solidFill>
@@ -9776,7 +9776,7 @@
               </a:ln>
               <a:extLst>
                 <a:ext uri="{91240B29-F687-4f45-9708-019B960494DF}">
-                  <a14:hiddenLine xmlns="" xmlns:a14="http://schemas.microsoft.com/office/drawing/2010/main" w="9525">
+                  <a14:hiddenLine xmlns:a14="http://schemas.microsoft.com/office/drawing/2010/main" xmlns="" w="9525">
                     <a:solidFill>
                       <a:srgbClr val="000000"/>
                     </a:solidFill>
@@ -9838,7 +9838,7 @@
               </a:ln>
               <a:extLst>
                 <a:ext uri="{91240B29-F687-4f45-9708-019B960494DF}">
-                  <a14:hiddenLine xmlns="" xmlns:a14="http://schemas.microsoft.com/office/drawing/2010/main" w="9525">
+                  <a14:hiddenLine xmlns:a14="http://schemas.microsoft.com/office/drawing/2010/main" xmlns="" w="9525">
                     <a:solidFill>
                       <a:srgbClr val="000000"/>
                     </a:solidFill>
@@ -9928,7 +9928,7 @@
               </a:ln>
               <a:extLst>
                 <a:ext uri="{91240B29-F687-4f45-9708-019B960494DF}">
-                  <a14:hiddenLine xmlns="" xmlns:a14="http://schemas.microsoft.com/office/drawing/2010/main" w="9525">
+                  <a14:hiddenLine xmlns:a14="http://schemas.microsoft.com/office/drawing/2010/main" xmlns="" w="9525">
                     <a:solidFill>
                       <a:srgbClr val="000000"/>
                     </a:solidFill>
@@ -9990,7 +9990,7 @@
               </a:ln>
               <a:extLst>
                 <a:ext uri="{91240B29-F687-4f45-9708-019B960494DF}">
-                  <a14:hiddenLine xmlns="" xmlns:a14="http://schemas.microsoft.com/office/drawing/2010/main" w="9525">
+                  <a14:hiddenLine xmlns:a14="http://schemas.microsoft.com/office/drawing/2010/main" xmlns="" w="9525">
                     <a:solidFill>
                       <a:srgbClr val="000000"/>
                     </a:solidFill>
@@ -10052,7 +10052,7 @@
               </a:ln>
               <a:extLst>
                 <a:ext uri="{91240B29-F687-4f45-9708-019B960494DF}">
-                  <a14:hiddenLine xmlns="" xmlns:a14="http://schemas.microsoft.com/office/drawing/2010/main" w="9525">
+                  <a14:hiddenLine xmlns:a14="http://schemas.microsoft.com/office/drawing/2010/main" xmlns="" w="9525">
                     <a:solidFill>
                       <a:srgbClr val="000000"/>
                     </a:solidFill>
@@ -10142,7 +10142,7 @@
               </a:ln>
               <a:extLst>
                 <a:ext uri="{91240B29-F687-4f45-9708-019B960494DF}">
-                  <a14:hiddenLine xmlns="" xmlns:a14="http://schemas.microsoft.com/office/drawing/2010/main" w="9525">
+                  <a14:hiddenLine xmlns:a14="http://schemas.microsoft.com/office/drawing/2010/main" xmlns="" w="9525">
                     <a:solidFill>
                       <a:srgbClr val="000000"/>
                     </a:solidFill>
@@ -10232,7 +10232,7 @@
               </a:ln>
               <a:extLst>
                 <a:ext uri="{91240B29-F687-4f45-9708-019B960494DF}">
-                  <a14:hiddenLine xmlns="" xmlns:a14="http://schemas.microsoft.com/office/drawing/2010/main" w="9525">
+                  <a14:hiddenLine xmlns:a14="http://schemas.microsoft.com/office/drawing/2010/main" xmlns="" w="9525">
                     <a:solidFill>
                       <a:srgbClr val="000000"/>
                     </a:solidFill>
@@ -10294,7 +10294,7 @@
               </a:ln>
               <a:extLst>
                 <a:ext uri="{91240B29-F687-4f45-9708-019B960494DF}">
-                  <a14:hiddenLine xmlns="" xmlns:a14="http://schemas.microsoft.com/office/drawing/2010/main" w="9525">
+                  <a14:hiddenLine xmlns:a14="http://schemas.microsoft.com/office/drawing/2010/main" xmlns="" w="9525">
                     <a:solidFill>
                       <a:srgbClr val="000000"/>
                     </a:solidFill>
@@ -10404,7 +10404,7 @@
               </a:ln>
               <a:extLst>
                 <a:ext uri="{91240B29-F687-4f45-9708-019B960494DF}">
-                  <a14:hiddenLine xmlns="" xmlns:a14="http://schemas.microsoft.com/office/drawing/2010/main" w="9525">
+                  <a14:hiddenLine xmlns:a14="http://schemas.microsoft.com/office/drawing/2010/main" xmlns="" w="9525">
                     <a:solidFill>
                       <a:srgbClr val="000000"/>
                     </a:solidFill>
@@ -10488,7 +10488,7 @@
               </a:ln>
               <a:extLst>
                 <a:ext uri="{91240B29-F687-4f45-9708-019B960494DF}">
-                  <a14:hiddenLine xmlns="" xmlns:a14="http://schemas.microsoft.com/office/drawing/2010/main" w="9525">
+                  <a14:hiddenLine xmlns:a14="http://schemas.microsoft.com/office/drawing/2010/main" xmlns="" w="9525">
                     <a:solidFill>
                       <a:srgbClr val="000000"/>
                     </a:solidFill>
@@ -10550,7 +10550,7 @@
               </a:ln>
               <a:extLst>
                 <a:ext uri="{91240B29-F687-4f45-9708-019B960494DF}">
-                  <a14:hiddenLine xmlns="" xmlns:a14="http://schemas.microsoft.com/office/drawing/2010/main" w="9525">
+                  <a14:hiddenLine xmlns:a14="http://schemas.microsoft.com/office/drawing/2010/main" xmlns="" w="9525">
                     <a:solidFill>
                       <a:srgbClr val="000000"/>
                     </a:solidFill>
@@ -10612,7 +10612,7 @@
               </a:ln>
               <a:extLst>
                 <a:ext uri="{91240B29-F687-4f45-9708-019B960494DF}">
-                  <a14:hiddenLine xmlns="" xmlns:a14="http://schemas.microsoft.com/office/drawing/2010/main" w="9525">
+                  <a14:hiddenLine xmlns:a14="http://schemas.microsoft.com/office/drawing/2010/main" xmlns="" w="9525">
                     <a:solidFill>
                       <a:srgbClr val="000000"/>
                     </a:solidFill>
@@ -10702,7 +10702,7 @@
               </a:ln>
               <a:extLst>
                 <a:ext uri="{91240B29-F687-4f45-9708-019B960494DF}">
-                  <a14:hiddenLine xmlns="" xmlns:a14="http://schemas.microsoft.com/office/drawing/2010/main" w="9525">
+                  <a14:hiddenLine xmlns:a14="http://schemas.microsoft.com/office/drawing/2010/main" xmlns="" w="9525">
                     <a:solidFill>
                       <a:srgbClr val="000000"/>
                     </a:solidFill>
@@ -10736,7 +10736,7 @@
               </a:ln>
               <a:extLst>
                 <a:ext uri="{91240B29-F687-4f45-9708-019B960494DF}">
-                  <a14:hiddenLine xmlns="" xmlns:a14="http://schemas.microsoft.com/office/drawing/2010/main" w="9525">
+                  <a14:hiddenLine xmlns:a14="http://schemas.microsoft.com/office/drawing/2010/main" xmlns="" w="9525">
                     <a:solidFill>
                       <a:srgbClr val="000000"/>
                     </a:solidFill>
@@ -10801,7 +10801,7 @@
               </a:ln>
               <a:extLst>
                 <a:ext uri="{91240B29-F687-4f45-9708-019B960494DF}">
-                  <a14:hiddenLine xmlns="" xmlns:a14="http://schemas.microsoft.com/office/drawing/2010/main" w="9525">
+                  <a14:hiddenLine xmlns:a14="http://schemas.microsoft.com/office/drawing/2010/main" xmlns="" w="9525">
                     <a:solidFill>
                       <a:srgbClr val="000000"/>
                     </a:solidFill>
@@ -10891,7 +10891,7 @@
               </a:ln>
               <a:extLst>
                 <a:ext uri="{91240B29-F687-4f45-9708-019B960494DF}">
-                  <a14:hiddenLine xmlns="" xmlns:a14="http://schemas.microsoft.com/office/drawing/2010/main" w="9525">
+                  <a14:hiddenLine xmlns:a14="http://schemas.microsoft.com/office/drawing/2010/main" xmlns="" w="9525">
                     <a:solidFill>
                       <a:srgbClr val="000000"/>
                     </a:solidFill>
@@ -10953,7 +10953,7 @@
               </a:ln>
               <a:extLst>
                 <a:ext uri="{91240B29-F687-4f45-9708-019B960494DF}">
-                  <a14:hiddenLine xmlns="" xmlns:a14="http://schemas.microsoft.com/office/drawing/2010/main" w="9525">
+                  <a14:hiddenLine xmlns:a14="http://schemas.microsoft.com/office/drawing/2010/main" xmlns="" w="9525">
                     <a:solidFill>
                       <a:srgbClr val="000000"/>
                     </a:solidFill>
@@ -11043,7 +11043,7 @@
               </a:ln>
               <a:extLst>
                 <a:ext uri="{91240B29-F687-4f45-9708-019B960494DF}">
-                  <a14:hiddenLine xmlns="" xmlns:a14="http://schemas.microsoft.com/office/drawing/2010/main" w="9525">
+                  <a14:hiddenLine xmlns:a14="http://schemas.microsoft.com/office/drawing/2010/main" xmlns="" w="9525">
                     <a:solidFill>
                       <a:srgbClr val="000000"/>
                     </a:solidFill>
@@ -11108,7 +11108,7 @@
               </a:ln>
               <a:extLst>
                 <a:ext uri="{91240B29-F687-4f45-9708-019B960494DF}">
-                  <a14:hiddenLine xmlns="" xmlns:a14="http://schemas.microsoft.com/office/drawing/2010/main" w="9525">
+                  <a14:hiddenLine xmlns:a14="http://schemas.microsoft.com/office/drawing/2010/main" xmlns="" w="9525">
                     <a:solidFill>
                       <a:srgbClr val="000000"/>
                     </a:solidFill>
@@ -11170,7 +11170,7 @@
               </a:ln>
               <a:extLst>
                 <a:ext uri="{91240B29-F687-4f45-9708-019B960494DF}">
-                  <a14:hiddenLine xmlns="" xmlns:a14="http://schemas.microsoft.com/office/drawing/2010/main" w="9525">
+                  <a14:hiddenLine xmlns:a14="http://schemas.microsoft.com/office/drawing/2010/main" xmlns="" w="9525">
                     <a:solidFill>
                       <a:srgbClr val="000000"/>
                     </a:solidFill>
@@ -11260,7 +11260,7 @@
               </a:ln>
               <a:extLst>
                 <a:ext uri="{91240B29-F687-4f45-9708-019B960494DF}">
-                  <a14:hiddenLine xmlns="" xmlns:a14="http://schemas.microsoft.com/office/drawing/2010/main" w="9525">
+                  <a14:hiddenLine xmlns:a14="http://schemas.microsoft.com/office/drawing/2010/main" xmlns="" w="9525">
                     <a:solidFill>
                       <a:srgbClr val="000000"/>
                     </a:solidFill>
@@ -11350,7 +11350,7 @@
               </a:ln>
               <a:extLst>
                 <a:ext uri="{91240B29-F687-4f45-9708-019B960494DF}">
-                  <a14:hiddenLine xmlns="" xmlns:a14="http://schemas.microsoft.com/office/drawing/2010/main" w="9525">
+                  <a14:hiddenLine xmlns:a14="http://schemas.microsoft.com/office/drawing/2010/main" xmlns="" w="9525">
                     <a:solidFill>
                       <a:srgbClr val="000000"/>
                     </a:solidFill>
@@ -11415,7 +11415,7 @@
               </a:ln>
               <a:extLst>
                 <a:ext uri="{91240B29-F687-4f45-9708-019B960494DF}">
-                  <a14:hiddenLine xmlns="" xmlns:a14="http://schemas.microsoft.com/office/drawing/2010/main" w="9525">
+                  <a14:hiddenLine xmlns:a14="http://schemas.microsoft.com/office/drawing/2010/main" xmlns="" w="9525">
                     <a:solidFill>
                       <a:srgbClr val="000000"/>
                     </a:solidFill>
@@ -11535,7 +11535,7 @@
               </a:ln>
               <a:extLst>
                 <a:ext uri="{91240B29-F687-4f45-9708-019B960494DF}">
-                  <a14:hiddenLine xmlns="" xmlns:a14="http://schemas.microsoft.com/office/drawing/2010/main" w="9525">
+                  <a14:hiddenLine xmlns:a14="http://schemas.microsoft.com/office/drawing/2010/main" xmlns="" w="9525">
                     <a:solidFill>
                       <a:srgbClr val="000000"/>
                     </a:solidFill>
@@ -11633,7 +11633,7 @@
               </a:ln>
               <a:extLst>
                 <a:ext uri="{91240B29-F687-4f45-9708-019B960494DF}">
-                  <a14:hiddenLine xmlns="" xmlns:a14="http://schemas.microsoft.com/office/drawing/2010/main" w="9525">
+                  <a14:hiddenLine xmlns:a14="http://schemas.microsoft.com/office/drawing/2010/main" xmlns="" w="9525">
                     <a:solidFill>
                       <a:srgbClr val="000000"/>
                     </a:solidFill>
@@ -11748,7 +11748,7 @@
               </a:ln>
               <a:extLst>
                 <a:ext uri="{91240B29-F687-4f45-9708-019B960494DF}">
-                  <a14:hiddenLine xmlns="" xmlns:a14="http://schemas.microsoft.com/office/drawing/2010/main" w="9525">
+                  <a14:hiddenLine xmlns:a14="http://schemas.microsoft.com/office/drawing/2010/main" xmlns="" w="9525">
                     <a:solidFill>
                       <a:srgbClr val="000000"/>
                     </a:solidFill>
@@ -11838,7 +11838,7 @@
               </a:ln>
               <a:extLst>
                 <a:ext uri="{91240B29-F687-4f45-9708-019B960494DF}">
-                  <a14:hiddenLine xmlns="" xmlns:a14="http://schemas.microsoft.com/office/drawing/2010/main" w="9525">
+                  <a14:hiddenLine xmlns:a14="http://schemas.microsoft.com/office/drawing/2010/main" xmlns="" w="9525">
                     <a:solidFill>
                       <a:srgbClr val="000000"/>
                     </a:solidFill>
@@ -11903,7 +11903,7 @@
               </a:ln>
               <a:extLst>
                 <a:ext uri="{91240B29-F687-4f45-9708-019B960494DF}">
-                  <a14:hiddenLine xmlns="" xmlns:a14="http://schemas.microsoft.com/office/drawing/2010/main" w="9525">
+                  <a14:hiddenLine xmlns:a14="http://schemas.microsoft.com/office/drawing/2010/main" xmlns="" w="9525">
                     <a:solidFill>
                       <a:srgbClr val="000000"/>
                     </a:solidFill>
@@ -11993,7 +11993,7 @@
               </a:ln>
               <a:extLst>
                 <a:ext uri="{91240B29-F687-4f45-9708-019B960494DF}">
-                  <a14:hiddenLine xmlns="" xmlns:a14="http://schemas.microsoft.com/office/drawing/2010/main" w="9525">
+                  <a14:hiddenLine xmlns:a14="http://schemas.microsoft.com/office/drawing/2010/main" xmlns="" w="9525">
                     <a:solidFill>
                       <a:srgbClr val="000000"/>
                     </a:solidFill>
@@ -12061,7 +12061,7 @@
               </a:ln>
               <a:extLst>
                 <a:ext uri="{91240B29-F687-4f45-9708-019B960494DF}">
-                  <a14:hiddenLine xmlns="" xmlns:a14="http://schemas.microsoft.com/office/drawing/2010/main" w="9525">
+                  <a14:hiddenLine xmlns:a14="http://schemas.microsoft.com/office/drawing/2010/main" xmlns="" w="9525">
                     <a:solidFill>
                       <a:srgbClr val="000000"/>
                     </a:solidFill>
@@ -12151,7 +12151,7 @@
               </a:ln>
               <a:extLst>
                 <a:ext uri="{91240B29-F687-4f45-9708-019B960494DF}">
-                  <a14:hiddenLine xmlns="" xmlns:a14="http://schemas.microsoft.com/office/drawing/2010/main" w="9525">
+                  <a14:hiddenLine xmlns:a14="http://schemas.microsoft.com/office/drawing/2010/main" xmlns="" w="9525">
                     <a:solidFill>
                       <a:srgbClr val="000000"/>
                     </a:solidFill>
@@ -12219,7 +12219,7 @@
               </a:ln>
               <a:extLst>
                 <a:ext uri="{91240B29-F687-4f45-9708-019B960494DF}">
-                  <a14:hiddenLine xmlns="" xmlns:a14="http://schemas.microsoft.com/office/drawing/2010/main" w="9525">
+                  <a14:hiddenLine xmlns:a14="http://schemas.microsoft.com/office/drawing/2010/main" xmlns="" w="9525">
                     <a:solidFill>
                       <a:srgbClr val="000000"/>
                     </a:solidFill>
@@ -12309,7 +12309,7 @@
               </a:ln>
               <a:extLst>
                 <a:ext uri="{91240B29-F687-4f45-9708-019B960494DF}">
-                  <a14:hiddenLine xmlns="" xmlns:a14="http://schemas.microsoft.com/office/drawing/2010/main" w="9525">
+                  <a14:hiddenLine xmlns:a14="http://schemas.microsoft.com/office/drawing/2010/main" xmlns="" w="9525">
                     <a:solidFill>
                       <a:srgbClr val="000000"/>
                     </a:solidFill>
@@ -12343,7 +12343,7 @@
               </a:ln>
               <a:extLst>
                 <a:ext uri="{91240B29-F687-4f45-9708-019B960494DF}">
-                  <a14:hiddenLine xmlns="" xmlns:a14="http://schemas.microsoft.com/office/drawing/2010/main" w="9525">
+                  <a14:hiddenLine xmlns:a14="http://schemas.microsoft.com/office/drawing/2010/main" xmlns="" w="9525">
                     <a:solidFill>
                       <a:srgbClr val="000000"/>
                     </a:solidFill>
@@ -13182,100 +13182,18 @@
   <p:clrMapOvr>
     <a:masterClrMapping/>
   </p:clrMapOvr>
-  <mc:AlternateContent xmlns:mc="http://schemas.openxmlformats.org/markup-compatibility/2006" xmlns:p14="http://schemas.microsoft.com/office/powerpoint/2010/main">
-    <mc:Choice Requires="p14">
-      <p:transition spd="slow" p14:dur="1200">
-        <p:dissolve/>
+  <mc:AlternateContent xmlns:mc="http://schemas.openxmlformats.org/markup-compatibility/2006">
+    <mc:Choice xmlns:p14="http://schemas.microsoft.com/office/powerpoint/2010/main" Requires="p14">
+      <p:transition spd="slow" p14:dur="2500">
+        <p:checker/>
       </p:transition>
     </mc:Choice>
-    <mc:Fallback xmlns="">
+    <mc:Fallback>
       <p:transition spd="slow">
-        <p:dissolve/>
+        <p:checker/>
       </p:transition>
     </mc:Fallback>
   </mc:AlternateContent>
-  <p:timing>
-    <p:tnLst>
-      <p:par>
-        <p:cTn id="1" dur="indefinite" restart="never" nodeType="tmRoot">
-          <p:childTnLst>
-            <p:seq concurrent="1" nextAc="seek">
-              <p:cTn id="2" dur="indefinite" nodeType="mainSeq">
-                <p:childTnLst>
-                  <p:par>
-                    <p:cTn id="3" fill="hold">
-                      <p:stCondLst>
-                        <p:cond delay="indefinite"/>
-                      </p:stCondLst>
-                      <p:childTnLst>
-                        <p:par>
-                          <p:cTn id="4" fill="hold">
-                            <p:stCondLst>
-                              <p:cond delay="0"/>
-                            </p:stCondLst>
-                            <p:childTnLst>
-                              <p:par>
-                                <p:cTn id="5" presetID="1" presetClass="entr" presetSubtype="0" fill="hold" grpId="0" nodeType="clickEffect">
-                                  <p:stCondLst>
-                                    <p:cond delay="0"/>
-                                  </p:stCondLst>
-                                  <p:childTnLst>
-                                    <p:set>
-                                      <p:cBhvr>
-                                        <p:cTn id="6" dur="1" fill="hold">
-                                          <p:stCondLst>
-                                            <p:cond delay="0"/>
-                                          </p:stCondLst>
-                                        </p:cTn>
-                                        <p:tgtEl>
-                                          <p:spTgt spid="3">
-                                            <p:txEl>
-                                              <p:pRg st="0" end="0"/>
-                                            </p:txEl>
-                                          </p:spTgt>
-                                        </p:tgtEl>
-                                        <p:attrNameLst>
-                                          <p:attrName>style.visibility</p:attrName>
-                                        </p:attrNameLst>
-                                      </p:cBhvr>
-                                      <p:to>
-                                        <p:strVal val="visible"/>
-                                      </p:to>
-                                    </p:set>
-                                  </p:childTnLst>
-                                </p:cTn>
-                              </p:par>
-                            </p:childTnLst>
-                          </p:cTn>
-                        </p:par>
-                      </p:childTnLst>
-                    </p:cTn>
-                  </p:par>
-                </p:childTnLst>
-              </p:cTn>
-              <p:prevCondLst>
-                <p:cond evt="onPrev" delay="0">
-                  <p:tgtEl>
-                    <p:sldTgt/>
-                  </p:tgtEl>
-                </p:cond>
-              </p:prevCondLst>
-              <p:nextCondLst>
-                <p:cond evt="onNext" delay="0">
-                  <p:tgtEl>
-                    <p:sldTgt/>
-                  </p:tgtEl>
-                </p:cond>
-              </p:nextCondLst>
-            </p:seq>
-          </p:childTnLst>
-        </p:cTn>
-      </p:par>
-    </p:tnLst>
-    <p:bldLst>
-      <p:bldP spid="3" grpId="0" build="p"/>
-    </p:bldLst>
-  </p:timing>
 </p:sld>
 </file>
 
@@ -13366,18 +13284,9 @@
   <p:clrMapOvr>
     <a:masterClrMapping/>
   </p:clrMapOvr>
-  <mc:AlternateContent xmlns:mc="http://schemas.openxmlformats.org/markup-compatibility/2006" xmlns:p14="http://schemas.microsoft.com/office/powerpoint/2010/main">
-    <mc:Choice Requires="p14">
-      <p:transition spd="slow" p14:dur="1200">
-        <p:dissolve/>
-      </p:transition>
-    </mc:Choice>
-    <mc:Fallback xmlns="">
-      <p:transition spd="slow">
-        <p:dissolve/>
-      </p:transition>
-    </mc:Fallback>
-  </mc:AlternateContent>
+  <p:transition spd="slow">
+    <p:push dir="u"/>
+  </p:transition>
 </p:sld>
 </file>
 
@@ -13442,18 +13351,9 @@
   <p:clrMapOvr>
     <a:masterClrMapping/>
   </p:clrMapOvr>
-  <mc:AlternateContent xmlns:mc="http://schemas.openxmlformats.org/markup-compatibility/2006" xmlns:p14="http://schemas.microsoft.com/office/powerpoint/2010/main">
-    <mc:Choice Requires="p14">
-      <p:transition spd="slow" p14:dur="1200">
-        <p:dissolve/>
-      </p:transition>
-    </mc:Choice>
-    <mc:Fallback xmlns="">
-      <p:transition spd="slow">
-        <p:dissolve/>
-      </p:transition>
-    </mc:Fallback>
-  </mc:AlternateContent>
+  <p:transition spd="slow">
+    <p:push dir="u"/>
+  </p:transition>
 </p:sld>
 </file>
 
@@ -13576,15 +13476,15 @@
   <p:clrMapOvr>
     <a:masterClrMapping/>
   </p:clrMapOvr>
-  <mc:AlternateContent xmlns:mc="http://schemas.openxmlformats.org/markup-compatibility/2006" xmlns:p14="http://schemas.microsoft.com/office/powerpoint/2010/main">
-    <mc:Choice Requires="p14">
-      <p:transition spd="slow" p14:dur="1200">
-        <p:dissolve/>
+  <mc:AlternateContent xmlns:mc="http://schemas.openxmlformats.org/markup-compatibility/2006">
+    <mc:Choice xmlns:p14="http://schemas.microsoft.com/office/powerpoint/2010/main" Requires="p14">
+      <p:transition spd="slow" p14:dur="2500">
+        <p:checker/>
       </p:transition>
     </mc:Choice>
-    <mc:Fallback xmlns="">
+    <mc:Fallback>
       <p:transition spd="slow">
-        <p:dissolve/>
+        <p:checker/>
       </p:transition>
     </mc:Fallback>
   </mc:AlternateContent>
@@ -13892,18 +13792,9 @@
   <p:clrMapOvr>
     <a:masterClrMapping/>
   </p:clrMapOvr>
-  <mc:AlternateContent xmlns:mc="http://schemas.openxmlformats.org/markup-compatibility/2006" xmlns:p14="http://schemas.microsoft.com/office/powerpoint/2010/main">
-    <mc:Choice Requires="p14">
-      <p:transition spd="slow" p14:dur="1200">
-        <p:dissolve/>
-      </p:transition>
-    </mc:Choice>
-    <mc:Fallback xmlns="">
-      <p:transition spd="slow">
-        <p:dissolve/>
-      </p:transition>
-    </mc:Fallback>
-  </mc:AlternateContent>
+  <p:transition spd="slow">
+    <p:push dir="u"/>
+  </p:transition>
   <p:timing>
     <p:tnLst>
       <p:par>
@@ -14319,100 +14210,9 @@
   <p:clrMapOvr>
     <a:masterClrMapping/>
   </p:clrMapOvr>
-  <mc:AlternateContent xmlns:mc="http://schemas.openxmlformats.org/markup-compatibility/2006" xmlns:p14="http://schemas.microsoft.com/office/powerpoint/2010/main">
-    <mc:Choice Requires="p14">
-      <p:transition spd="slow" p14:dur="1200">
-        <p:dissolve/>
-      </p:transition>
-    </mc:Choice>
-    <mc:Fallback xmlns="">
-      <p:transition spd="slow">
-        <p:dissolve/>
-      </p:transition>
-    </mc:Fallback>
-  </mc:AlternateContent>
-  <p:timing>
-    <p:tnLst>
-      <p:par>
-        <p:cTn id="1" dur="indefinite" restart="never" nodeType="tmRoot">
-          <p:childTnLst>
-            <p:seq concurrent="1" nextAc="seek">
-              <p:cTn id="2" dur="indefinite" nodeType="mainSeq">
-                <p:childTnLst>
-                  <p:par>
-                    <p:cTn id="3" fill="hold">
-                      <p:stCondLst>
-                        <p:cond delay="indefinite"/>
-                      </p:stCondLst>
-                      <p:childTnLst>
-                        <p:par>
-                          <p:cTn id="4" fill="hold">
-                            <p:stCondLst>
-                              <p:cond delay="0"/>
-                            </p:stCondLst>
-                            <p:childTnLst>
-                              <p:par>
-                                <p:cTn id="5" presetID="1" presetClass="entr" presetSubtype="0" fill="hold" grpId="0" nodeType="clickEffect">
-                                  <p:stCondLst>
-                                    <p:cond delay="0"/>
-                                  </p:stCondLst>
-                                  <p:childTnLst>
-                                    <p:set>
-                                      <p:cBhvr>
-                                        <p:cTn id="6" dur="1" fill="hold">
-                                          <p:stCondLst>
-                                            <p:cond delay="0"/>
-                                          </p:stCondLst>
-                                        </p:cTn>
-                                        <p:tgtEl>
-                                          <p:spTgt spid="3">
-                                            <p:txEl>
-                                              <p:pRg st="0" end="0"/>
-                                            </p:txEl>
-                                          </p:spTgt>
-                                        </p:tgtEl>
-                                        <p:attrNameLst>
-                                          <p:attrName>style.visibility</p:attrName>
-                                        </p:attrNameLst>
-                                      </p:cBhvr>
-                                      <p:to>
-                                        <p:strVal val="visible"/>
-                                      </p:to>
-                                    </p:set>
-                                  </p:childTnLst>
-                                </p:cTn>
-                              </p:par>
-                            </p:childTnLst>
-                          </p:cTn>
-                        </p:par>
-                      </p:childTnLst>
-                    </p:cTn>
-                  </p:par>
-                </p:childTnLst>
-              </p:cTn>
-              <p:prevCondLst>
-                <p:cond evt="onPrev" delay="0">
-                  <p:tgtEl>
-                    <p:sldTgt/>
-                  </p:tgtEl>
-                </p:cond>
-              </p:prevCondLst>
-              <p:nextCondLst>
-                <p:cond evt="onNext" delay="0">
-                  <p:tgtEl>
-                    <p:sldTgt/>
-                  </p:tgtEl>
-                </p:cond>
-              </p:nextCondLst>
-            </p:seq>
-          </p:childTnLst>
-        </p:cTn>
-      </p:par>
-    </p:tnLst>
-    <p:bldLst>
-      <p:bldP spid="3" grpId="0" build="p"/>
-    </p:bldLst>
-  </p:timing>
+  <p:transition spd="slow">
+    <p:push dir="u"/>
+  </p:transition>
 </p:sld>
 </file>
 
@@ -14634,15 +14434,15 @@
   <p:clrMapOvr>
     <a:masterClrMapping/>
   </p:clrMapOvr>
-  <mc:AlternateContent xmlns:mc="http://schemas.openxmlformats.org/markup-compatibility/2006" xmlns:p14="http://schemas.microsoft.com/office/powerpoint/2010/main">
-    <mc:Choice Requires="p14">
-      <p:transition spd="slow" p14:dur="1200">
-        <p:dissolve/>
+  <mc:AlternateContent xmlns:mc="http://schemas.openxmlformats.org/markup-compatibility/2006">
+    <mc:Choice xmlns:p14="http://schemas.microsoft.com/office/powerpoint/2010/main" Requires="p14">
+      <p:transition spd="slow" p14:dur="2500">
+        <p:checker/>
       </p:transition>
     </mc:Choice>
-    <mc:Fallback xmlns="">
+    <mc:Fallback>
       <p:transition spd="slow">
-        <p:dissolve/>
+        <p:checker/>
       </p:transition>
     </mc:Fallback>
   </mc:AlternateContent>
